--- a/Presentation-EJB&CDI.pptx
+++ b/Presentation-EJB&CDI.pptx
@@ -13,13 +13,13 @@
   <p:sldIdLst>
     <p:sldId id="256" r:id="rId2"/>
     <p:sldId id="258" r:id="rId3"/>
-    <p:sldId id="296" r:id="rId4"/>
-    <p:sldId id="292" r:id="rId5"/>
-    <p:sldId id="293" r:id="rId6"/>
-    <p:sldId id="308" r:id="rId7"/>
-    <p:sldId id="295" r:id="rId8"/>
-    <p:sldId id="297" r:id="rId9"/>
-    <p:sldId id="298" r:id="rId10"/>
+    <p:sldId id="292" r:id="rId4"/>
+    <p:sldId id="293" r:id="rId5"/>
+    <p:sldId id="295" r:id="rId6"/>
+    <p:sldId id="296" r:id="rId7"/>
+    <p:sldId id="297" r:id="rId8"/>
+    <p:sldId id="298" r:id="rId9"/>
+    <p:sldId id="263" r:id="rId10"/>
     <p:sldId id="303" r:id="rId11"/>
     <p:sldId id="299" r:id="rId12"/>
     <p:sldId id="300" r:id="rId13"/>
@@ -34,25 +34,25 @@
     <p:sldId id="269" r:id="rId22"/>
     <p:sldId id="270" r:id="rId23"/>
     <p:sldId id="271" r:id="rId24"/>
-    <p:sldId id="263" r:id="rId25"/>
-    <p:sldId id="267" r:id="rId26"/>
-    <p:sldId id="287" r:id="rId27"/>
-    <p:sldId id="288" r:id="rId28"/>
-    <p:sldId id="289" r:id="rId29"/>
-    <p:sldId id="264" r:id="rId30"/>
-    <p:sldId id="278" r:id="rId31"/>
-    <p:sldId id="282" r:id="rId32"/>
-    <p:sldId id="283" r:id="rId33"/>
-    <p:sldId id="266" r:id="rId34"/>
-    <p:sldId id="284" r:id="rId35"/>
-    <p:sldId id="285" r:id="rId36"/>
-    <p:sldId id="286" r:id="rId37"/>
+    <p:sldId id="267" r:id="rId25"/>
+    <p:sldId id="287" r:id="rId26"/>
+    <p:sldId id="288" r:id="rId27"/>
+    <p:sldId id="289" r:id="rId28"/>
+    <p:sldId id="264" r:id="rId29"/>
+    <p:sldId id="278" r:id="rId30"/>
+    <p:sldId id="282" r:id="rId31"/>
+    <p:sldId id="283" r:id="rId32"/>
+    <p:sldId id="266" r:id="rId33"/>
+    <p:sldId id="284" r:id="rId34"/>
+    <p:sldId id="285" r:id="rId35"/>
+    <p:sldId id="286" r:id="rId36"/>
+    <p:sldId id="308" r:id="rId37"/>
     <p:sldId id="290" r:id="rId38"/>
   </p:sldIdLst>
   <p:sldSz cx="9144000" cy="6858000" type="screen4x3"/>
   <p:notesSz cx="6858000" cy="9144000"/>
   <p:custDataLst>
-    <p:tags r:id="rId41"/>
+    <p:tags r:id="rId42"/>
   </p:custDataLst>
   <p:defaultTextStyle>
     <a:defPPr>
@@ -235,7 +235,7 @@
             <a:fld id="{11263177-940D-4B97-A051-92805C7C3152}" type="datetimeFigureOut">
               <a:rPr lang="en-US" smtClean="0"/>
               <a:pPr/>
-              <a:t>1/25/2017</a:t>
+              <a:t>08/02/17</a:t>
             </a:fld>
             <a:endParaRPr lang="en-US"/>
           </a:p>
@@ -302,7 +302,7 @@
             <a:fld id="{81AAAA83-81CB-4FDD-B80E-7E3127469BCD}" type="slidenum">
               <a:rPr lang="en-US" smtClean="0"/>
               <a:pPr/>
-              <a:t>‹#›</a:t>
+              <a:t>‹nr.›</a:t>
             </a:fld>
             <a:endParaRPr lang="en-US"/>
           </a:p>
@@ -311,7 +311,7 @@
     </p:spTree>
     <p:extLst>
       <p:ext uri="{BB962C8B-B14F-4D97-AF65-F5344CB8AC3E}">
-        <p14:creationId xmlns:p14="http://schemas.microsoft.com/office/powerpoint/2010/main" xmlns="" val="4077702396"/>
+        <p14:creationId xmlns:p14="http://schemas.microsoft.com/office/powerpoint/2010/main" val="4077702396"/>
       </p:ext>
     </p:extLst>
   </p:cSld>
@@ -402,7 +402,7 @@
             <a:fld id="{F138B54E-4A02-452E-ADC8-FC4AE631CF37}" type="datetimeFigureOut">
               <a:rPr lang="en-US" smtClean="0"/>
               <a:pPr/>
-              <a:t>1/25/2017</a:t>
+              <a:t>08/02/17</a:t>
             </a:fld>
             <a:endParaRPr lang="en-US"/>
           </a:p>
@@ -564,7 +564,7 @@
             <a:fld id="{E3A231E2-5917-44CD-8A06-5F2829B13D02}" type="slidenum">
               <a:rPr lang="en-US" smtClean="0"/>
               <a:pPr/>
-              <a:t>‹#›</a:t>
+              <a:t>‹nr.›</a:t>
             </a:fld>
             <a:endParaRPr lang="en-US"/>
           </a:p>
@@ -573,7 +573,7 @@
     </p:spTree>
     <p:extLst>
       <p:ext uri="{BB962C8B-B14F-4D97-AF65-F5344CB8AC3E}">
-        <p14:creationId xmlns:p14="http://schemas.microsoft.com/office/powerpoint/2010/main" xmlns="" val="1776697121"/>
+        <p14:creationId xmlns:p14="http://schemas.microsoft.com/office/powerpoint/2010/main" val="1776697121"/>
       </p:ext>
     </p:extLst>
   </p:cSld>
@@ -728,6 +728,17 @@
           <a:lstStyle/>
           <a:p>
             <a:pPr eaLnBrk="1" hangingPunct="1"/>
+            <a:r>
+              <a:rPr lang="nl-NL" sz="1200" dirty="0" smtClean="0"/>
+              <a:t>Uitleggen</a:t>
+            </a:r>
+            <a:r>
+              <a:rPr lang="nl-NL" sz="1200" baseline="0" dirty="0" smtClean="0"/>
+              <a:t> wat we gaan we doen.</a:t>
+            </a:r>
+          </a:p>
+          <a:p>
+            <a:pPr eaLnBrk="1" hangingPunct="1"/>
             <a:endParaRPr lang="nl-NL" sz="1200" dirty="0"/>
           </a:p>
         </p:txBody>
@@ -839,7 +850,7 @@
     </p:spTree>
     <p:extLst>
       <p:ext uri="{BB962C8B-B14F-4D97-AF65-F5344CB8AC3E}">
-        <p14:creationId xmlns="" xmlns:p14="http://schemas.microsoft.com/office/powerpoint/2010/main" val="1611590157"/>
+        <p14:creationId xmlns:p14="http://schemas.microsoft.com/office/powerpoint/2010/main" val="1611590157"/>
       </p:ext>
     </p:extLst>
   </p:cSld>
@@ -924,7 +935,7 @@
     </p:spTree>
     <p:extLst>
       <p:ext uri="{BB962C8B-B14F-4D97-AF65-F5344CB8AC3E}">
-        <p14:creationId xmlns="" xmlns:p14="http://schemas.microsoft.com/office/powerpoint/2010/main" val="1611590157"/>
+        <p14:creationId xmlns:p14="http://schemas.microsoft.com/office/powerpoint/2010/main" val="1611590157"/>
       </p:ext>
     </p:extLst>
   </p:cSld>
@@ -1053,7 +1064,7 @@
     </p:spTree>
     <p:extLst>
       <p:ext uri="{BB962C8B-B14F-4D97-AF65-F5344CB8AC3E}">
-        <p14:creationId xmlns="" xmlns:p14="http://schemas.microsoft.com/office/powerpoint/2010/main" val="1611590157"/>
+        <p14:creationId xmlns:p14="http://schemas.microsoft.com/office/powerpoint/2010/main" val="1611590157"/>
       </p:ext>
     </p:extLst>
   </p:cSld>
@@ -1142,7 +1153,7 @@
     </p:spTree>
     <p:extLst>
       <p:ext uri="{BB962C8B-B14F-4D97-AF65-F5344CB8AC3E}">
-        <p14:creationId xmlns="" xmlns:p14="http://schemas.microsoft.com/office/powerpoint/2010/main" val="1611590157"/>
+        <p14:creationId xmlns:p14="http://schemas.microsoft.com/office/powerpoint/2010/main" val="1611590157"/>
       </p:ext>
     </p:extLst>
   </p:cSld>
@@ -1454,10 +1465,6 @@
               <a:rPr lang="nl-NL" baseline="0" dirty="0" smtClean="0"/>
               <a:t> vermijden. </a:t>
             </a:r>
-            <a:r>
-              <a:rPr lang="nl-NL" baseline="0" dirty="0" smtClean="0"/>
-              <a:t/>
-            </a:r>
             <a:br>
               <a:rPr lang="nl-NL" baseline="0" dirty="0" smtClean="0"/>
             </a:br>
@@ -1568,18 +1575,6 @@
           <a:bodyPr/>
           <a:lstStyle/>
           <a:p>
-            <a:r>
-              <a:rPr lang="nl-NL" sz="1200" baseline="0" dirty="0" smtClean="0"/>
-              <a:t>Op meerdere </a:t>
-            </a:r>
-            <a:r>
-              <a:rPr lang="nl-NL" sz="1200" baseline="0" dirty="0" err="1" smtClean="0"/>
-              <a:t>usb</a:t>
-            </a:r>
-            <a:r>
-              <a:rPr lang="nl-NL" sz="1200" baseline="0" dirty="0" smtClean="0"/>
-              <a:t> stick dit allemaal klaar hebben staan, zodat ze gelijk aan de slag kunnen met de voorbeeld. Plan is om de voorbeeld gedeeltelijk te strippen en ze zelf dit te laten oplossen. </a:t>
-            </a:r>
             <a:endParaRPr lang="nl-NL" sz="1200" baseline="0" dirty="0"/>
           </a:p>
         </p:txBody>
@@ -1611,7 +1606,7 @@
     </p:spTree>
     <p:extLst>
       <p:ext uri="{BB962C8B-B14F-4D97-AF65-F5344CB8AC3E}">
-        <p14:creationId xmlns="" xmlns:p14="http://schemas.microsoft.com/office/powerpoint/2010/main" val="1611590157"/>
+        <p14:creationId xmlns:p14="http://schemas.microsoft.com/office/powerpoint/2010/main" val="1611590157"/>
       </p:ext>
     </p:extLst>
   </p:cSld>
@@ -1665,7 +1660,97 @@
           <a:bodyPr/>
           <a:lstStyle/>
           <a:p>
-            <a:endParaRPr lang="nl-NL" sz="1200" baseline="0" dirty="0"/>
+            <a:r>
+              <a:rPr lang="nl-NL" sz="1200" baseline="0" dirty="0" err="1" smtClean="0"/>
+              <a:t>Beans.xml</a:t>
+            </a:r>
+            <a:r>
+              <a:rPr lang="nl-NL" sz="1200" baseline="0" dirty="0" smtClean="0"/>
+              <a:t> verplicht anders werkt het niet, laat &lt;</a:t>
+            </a:r>
+            <a:r>
+              <a:rPr lang="nl-NL" sz="1200" baseline="0" dirty="0" err="1" smtClean="0"/>
+              <a:t>alternatives</a:t>
+            </a:r>
+            <a:r>
+              <a:rPr lang="nl-NL" sz="1200" baseline="0" dirty="0" smtClean="0"/>
+              <a:t>&gt;&lt;/</a:t>
+            </a:r>
+            <a:r>
+              <a:rPr lang="nl-NL" sz="1200" baseline="0" dirty="0" err="1" smtClean="0"/>
+              <a:t>alternatives</a:t>
+            </a:r>
+            <a:r>
+              <a:rPr lang="nl-NL" sz="1200" baseline="0" dirty="0" smtClean="0"/>
+              <a:t>&gt; zien, ideaal voor </a:t>
+            </a:r>
+            <a:r>
+              <a:rPr lang="nl-NL" sz="1200" baseline="0" dirty="0" err="1" smtClean="0"/>
+              <a:t>testing</a:t>
+            </a:r>
+            <a:r>
+              <a:rPr lang="nl-NL" sz="1200" baseline="0" dirty="0" smtClean="0"/>
+              <a:t/>
+            </a:r>
+            <a:br>
+              <a:rPr lang="nl-NL" sz="1200" baseline="0" dirty="0" smtClean="0"/>
+            </a:br>
+            <a:r>
+              <a:rPr lang="nl-NL" sz="1200" baseline="0" dirty="0" smtClean="0"/>
+              <a:t>Gebruikt H2 in </a:t>
+            </a:r>
+            <a:r>
+              <a:rPr lang="nl-NL" sz="1200" baseline="0" dirty="0" err="1" smtClean="0"/>
+              <a:t>memory</a:t>
+            </a:r>
+            <a:r>
+              <a:rPr lang="nl-NL" sz="1200" baseline="0" dirty="0" smtClean="0"/>
+              <a:t> database, prima voor nu. Niet voor productie.</a:t>
+            </a:r>
+          </a:p>
+          <a:p>
+            <a:r>
+              <a:rPr lang="nl-NL" sz="1200" baseline="0" dirty="0" err="1" smtClean="0"/>
+              <a:t>Xhtml</a:t>
+            </a:r>
+            <a:r>
+              <a:rPr lang="nl-NL" sz="1200" baseline="0" dirty="0" smtClean="0"/>
+              <a:t> lijkt op </a:t>
+            </a:r>
+            <a:r>
+              <a:rPr lang="nl-NL" sz="1200" baseline="0" dirty="0" err="1" smtClean="0"/>
+              <a:t>html</a:t>
+            </a:r>
+            <a:r>
+              <a:rPr lang="nl-NL" sz="1200" baseline="0" dirty="0" smtClean="0"/>
+              <a:t> maar dan </a:t>
+            </a:r>
+            <a:r>
+              <a:rPr lang="nl-NL" sz="1200" baseline="0" dirty="0" err="1" smtClean="0"/>
+              <a:t>stricter</a:t>
+            </a:r>
+            <a:r>
+              <a:rPr lang="nl-NL" sz="1200" baseline="0" dirty="0" smtClean="0"/>
+              <a:t/>
+            </a:r>
+            <a:br>
+              <a:rPr lang="nl-NL" sz="1200" baseline="0" dirty="0" smtClean="0"/>
+            </a:br>
+            <a:r>
+              <a:rPr lang="nl-NL" sz="1200" baseline="0" dirty="0" smtClean="0"/>
+              <a:t>-Leg na elke stap uit hoe het eruit moet zien</a:t>
+            </a:r>
+            <a:br>
+              <a:rPr lang="nl-NL" sz="1200" baseline="0" dirty="0" smtClean="0"/>
+            </a:br>
+            <a:r>
+              <a:rPr lang="nl-NL" sz="1200" baseline="0" dirty="0" smtClean="0"/>
+              <a:t>-En op het einde het eindresultaat bekijken</a:t>
+            </a:r>
+            <a:br>
+              <a:rPr lang="nl-NL" sz="1200" baseline="0" dirty="0" smtClean="0"/>
+            </a:br>
+            <a:endParaRPr lang="nl-NL" sz="1200" baseline="0" dirty="0" smtClean="0"/>
           </a:p>
         </p:txBody>
       </p:sp>
@@ -1696,7 +1781,7 @@
     </p:spTree>
     <p:extLst>
       <p:ext uri="{BB962C8B-B14F-4D97-AF65-F5344CB8AC3E}">
-        <p14:creationId xmlns="" xmlns:p14="http://schemas.microsoft.com/office/powerpoint/2010/main" val="1611590157"/>
+        <p14:creationId xmlns:p14="http://schemas.microsoft.com/office/powerpoint/2010/main" val="1611590157"/>
       </p:ext>
     </p:extLst>
   </p:cSld>
@@ -1751,96 +1836,28 @@
           <a:lstStyle/>
           <a:p>
             <a:r>
+              <a:rPr lang="en-US" dirty="0" smtClean="0"/>
+              <a:t>his will deploy target/jboss-greeter.war to the running instance of the server.</a:t>
+            </a:r>
+          </a:p>
+          <a:p>
+            <a:r>
+              <a:rPr lang="nl-NL" sz="1200" baseline="0" dirty="0" smtClean="0"/>
+              <a:t>boss/jboss-eap-7.0.0.GA-quickstarts/</a:t>
+            </a:r>
+            <a:r>
               <a:rPr lang="nl-NL" sz="1200" baseline="0" dirty="0" err="1" smtClean="0"/>
-              <a:t>Beans.xml</a:t>
+              <a:t>cdi-interceptors</a:t>
             </a:r>
             <a:r>
               <a:rPr lang="nl-NL" sz="1200" baseline="0" dirty="0" smtClean="0"/>
-              <a:t> verplicht anders werkt het niet, laat &lt;</a:t>
+              <a:t>/</a:t>
             </a:r>
             <a:r>
               <a:rPr lang="nl-NL" sz="1200" baseline="0" dirty="0" err="1" smtClean="0"/>
-              <a:t>alternatives</a:t>
-            </a:r>
-            <a:r>
-              <a:rPr lang="nl-NL" sz="1200" baseline="0" dirty="0" smtClean="0"/>
-              <a:t>&gt;&lt;/</a:t>
-            </a:r>
-            <a:r>
-              <a:rPr lang="nl-NL" sz="1200" baseline="0" dirty="0" err="1" smtClean="0"/>
-              <a:t>alternatives</a:t>
-            </a:r>
-            <a:r>
-              <a:rPr lang="nl-NL" sz="1200" baseline="0" dirty="0" smtClean="0"/>
-              <a:t>&gt; zien, ideaal voor </a:t>
-            </a:r>
-            <a:r>
-              <a:rPr lang="nl-NL" sz="1200" baseline="0" dirty="0" err="1" smtClean="0"/>
-              <a:t>testing</a:t>
-            </a:r>
-            <a:r>
-              <a:rPr lang="nl-NL" sz="1200" baseline="0" dirty="0" smtClean="0"/>
-              <a:t/>
-            </a:r>
-            <a:br>
-              <a:rPr lang="nl-NL" sz="1200" baseline="0" dirty="0" smtClean="0"/>
-            </a:br>
-            <a:r>
-              <a:rPr lang="nl-NL" sz="1200" baseline="0" dirty="0" smtClean="0"/>
-              <a:t>Gebruikt H2 in </a:t>
-            </a:r>
-            <a:r>
-              <a:rPr lang="nl-NL" sz="1200" baseline="0" dirty="0" err="1" smtClean="0"/>
-              <a:t>memory</a:t>
-            </a:r>
-            <a:r>
-              <a:rPr lang="nl-NL" sz="1200" baseline="0" dirty="0" smtClean="0"/>
-              <a:t> database, prima voor nu. Niet voor productie.</a:t>
-            </a:r>
-          </a:p>
-          <a:p>
-            <a:r>
-              <a:rPr lang="nl-NL" sz="1200" baseline="0" dirty="0" err="1" smtClean="0"/>
-              <a:t>Xhtml</a:t>
-            </a:r>
-            <a:r>
-              <a:rPr lang="nl-NL" sz="1200" baseline="0" dirty="0" smtClean="0"/>
-              <a:t> lijkt op </a:t>
-            </a:r>
-            <a:r>
-              <a:rPr lang="nl-NL" sz="1200" baseline="0" dirty="0" err="1" smtClean="0"/>
-              <a:t>html</a:t>
-            </a:r>
-            <a:r>
-              <a:rPr lang="nl-NL" sz="1200" baseline="0" dirty="0" smtClean="0"/>
-              <a:t> maar dan </a:t>
-            </a:r>
-            <a:r>
-              <a:rPr lang="nl-NL" sz="1200" baseline="0" dirty="0" err="1" smtClean="0"/>
-              <a:t>stricter</a:t>
-            </a:r>
-            <a:r>
-              <a:rPr lang="nl-NL" sz="1200" baseline="0" dirty="0" smtClean="0"/>
-              <a:t/>
-            </a:r>
-            <a:br>
-              <a:rPr lang="nl-NL" sz="1200" baseline="0" dirty="0" smtClean="0"/>
-            </a:br>
-            <a:r>
-              <a:rPr lang="nl-NL" sz="1200" baseline="0" dirty="0" smtClean="0"/>
-              <a:t>-Leg na elke stap uit hoe het eruit moet zien</a:t>
-            </a:r>
-            <a:br>
-              <a:rPr lang="nl-NL" sz="1200" baseline="0" dirty="0" smtClean="0"/>
-            </a:br>
-            <a:r>
-              <a:rPr lang="nl-NL" sz="1200" baseline="0" dirty="0" smtClean="0"/>
-              <a:t>-En op het einde het eindresultaat bekijken</a:t>
-            </a:r>
-            <a:br>
-              <a:rPr lang="nl-NL" sz="1200" baseline="0" dirty="0" smtClean="0"/>
-            </a:br>
-            <a:endParaRPr lang="nl-NL" sz="1200" baseline="0" dirty="0" smtClean="0"/>
+              <a:t>README.html</a:t>
+            </a:r>
+            <a:endParaRPr lang="nl-NL" sz="1200" baseline="0" dirty="0"/>
           </a:p>
         </p:txBody>
       </p:sp>
@@ -1871,7 +1888,7 @@
     </p:spTree>
     <p:extLst>
       <p:ext uri="{BB962C8B-B14F-4D97-AF65-F5344CB8AC3E}">
-        <p14:creationId xmlns="" xmlns:p14="http://schemas.microsoft.com/office/powerpoint/2010/main" val="1611590157"/>
+        <p14:creationId xmlns:p14="http://schemas.microsoft.com/office/powerpoint/2010/main" val="1611590157"/>
       </p:ext>
     </p:extLst>
   </p:cSld>
@@ -1925,6 +1942,237 @@
           <a:bodyPr/>
           <a:lstStyle/>
           <a:p>
+            <a:r>
+              <a:rPr lang="nl-NL" sz="1200" u="sng" kern="1200" dirty="0" smtClean="0">
+                <a:solidFill>
+                  <a:schemeClr val="tx1"/>
+                </a:solidFill>
+                <a:latin typeface="+mn-lt"/>
+                <a:ea typeface="+mn-ea"/>
+                <a:cs typeface="+mn-cs"/>
+              </a:rPr>
+              <a:t>Wat is het?</a:t>
+            </a:r>
+            <a:endParaRPr lang="nl-NL" sz="1200" kern="1200" dirty="0" smtClean="0">
+              <a:solidFill>
+                <a:schemeClr val="tx1"/>
+              </a:solidFill>
+              <a:latin typeface="+mn-lt"/>
+              <a:ea typeface="+mn-ea"/>
+              <a:cs typeface="+mn-cs"/>
+            </a:endParaRPr>
+          </a:p>
+          <a:p>
+            <a:r>
+              <a:rPr lang="nl-NL" sz="1200" kern="1200" dirty="0" smtClean="0">
+                <a:solidFill>
+                  <a:schemeClr val="tx1"/>
+                </a:solidFill>
+                <a:latin typeface="+mn-lt"/>
+                <a:ea typeface="+mn-ea"/>
+                <a:cs typeface="+mn-cs"/>
+              </a:rPr>
+              <a:t>Klassieke DI (</a:t>
+            </a:r>
+            <a:r>
+              <a:rPr lang="nl-NL" sz="1200" kern="1200" dirty="0" err="1" smtClean="0">
+                <a:solidFill>
+                  <a:schemeClr val="tx1"/>
+                </a:solidFill>
+                <a:latin typeface="+mn-lt"/>
+                <a:ea typeface="+mn-ea"/>
+                <a:cs typeface="+mn-cs"/>
+              </a:rPr>
+              <a:t>Dependency</a:t>
+            </a:r>
+            <a:r>
+              <a:rPr lang="nl-NL" sz="1200" kern="1200" dirty="0" smtClean="0">
+                <a:solidFill>
+                  <a:schemeClr val="tx1"/>
+                </a:solidFill>
+                <a:latin typeface="+mn-lt"/>
+                <a:ea typeface="+mn-ea"/>
+                <a:cs typeface="+mn-cs"/>
+              </a:rPr>
+              <a:t> </a:t>
+            </a:r>
+            <a:r>
+              <a:rPr lang="nl-NL" sz="1200" kern="1200" dirty="0" err="1" smtClean="0">
+                <a:solidFill>
+                  <a:schemeClr val="tx1"/>
+                </a:solidFill>
+                <a:latin typeface="+mn-lt"/>
+                <a:ea typeface="+mn-ea"/>
+                <a:cs typeface="+mn-cs"/>
+              </a:rPr>
+              <a:t>Injection</a:t>
+            </a:r>
+            <a:r>
+              <a:rPr lang="nl-NL" sz="1200" kern="1200" dirty="0" smtClean="0">
+                <a:solidFill>
+                  <a:schemeClr val="tx1"/>
+                </a:solidFill>
+                <a:latin typeface="+mn-lt"/>
+                <a:ea typeface="+mn-ea"/>
+                <a:cs typeface="+mn-cs"/>
+              </a:rPr>
+              <a:t> ook wel EBJ) was beperkt. En daarom is er vanaf Java EE 6, CDI toegevoegd. CDI is meer flexibel DI en er is niet per se een applicatie server nodig om het te laten werken.</a:t>
+            </a:r>
+            <a:br>
+              <a:rPr lang="nl-NL" sz="1200" kern="1200" dirty="0" smtClean="0">
+                <a:solidFill>
+                  <a:schemeClr val="tx1"/>
+                </a:solidFill>
+                <a:latin typeface="+mn-lt"/>
+                <a:ea typeface="+mn-ea"/>
+                <a:cs typeface="+mn-cs"/>
+              </a:rPr>
+            </a:br>
+            <a:r>
+              <a:rPr lang="nl-NL" sz="1200" kern="1200" dirty="0" smtClean="0">
+                <a:solidFill>
+                  <a:schemeClr val="tx1"/>
+                </a:solidFill>
+                <a:latin typeface="+mn-lt"/>
+                <a:ea typeface="+mn-ea"/>
+                <a:cs typeface="+mn-cs"/>
+              </a:rPr>
+              <a:t>In </a:t>
+            </a:r>
+            <a:r>
+              <a:rPr lang="nl-NL" sz="1200" kern="1200" dirty="0" err="1" smtClean="0">
+                <a:solidFill>
+                  <a:schemeClr val="tx1"/>
+                </a:solidFill>
+                <a:latin typeface="+mn-lt"/>
+                <a:ea typeface="+mn-ea"/>
+                <a:cs typeface="+mn-cs"/>
+              </a:rPr>
+              <a:t>lib</a:t>
+            </a:r>
+            <a:r>
+              <a:rPr lang="nl-NL" sz="1200" kern="1200" dirty="0" smtClean="0">
+                <a:solidFill>
+                  <a:schemeClr val="tx1"/>
+                </a:solidFill>
+                <a:latin typeface="+mn-lt"/>
+                <a:ea typeface="+mn-ea"/>
+                <a:cs typeface="+mn-cs"/>
+              </a:rPr>
+              <a:t> folder moet je </a:t>
+            </a:r>
+            <a:r>
+              <a:rPr lang="nl-NL" sz="1200" kern="1200" dirty="0" err="1" smtClean="0">
+                <a:solidFill>
+                  <a:schemeClr val="tx1"/>
+                </a:solidFill>
+                <a:latin typeface="+mn-lt"/>
+                <a:ea typeface="+mn-ea"/>
+                <a:cs typeface="+mn-cs"/>
+              </a:rPr>
+              <a:t>weld-se.jar</a:t>
+            </a:r>
+            <a:r>
+              <a:rPr lang="nl-NL" sz="1200" kern="1200" dirty="0" smtClean="0">
+                <a:solidFill>
+                  <a:schemeClr val="tx1"/>
+                </a:solidFill>
+                <a:latin typeface="+mn-lt"/>
+                <a:ea typeface="+mn-ea"/>
+                <a:cs typeface="+mn-cs"/>
+              </a:rPr>
+              <a:t> opnemen, </a:t>
+            </a:r>
+            <a:r>
+              <a:rPr lang="nl-NL" sz="1200" kern="1200" dirty="0" err="1" smtClean="0">
+                <a:solidFill>
+                  <a:schemeClr val="tx1"/>
+                </a:solidFill>
+                <a:latin typeface="+mn-lt"/>
+                <a:ea typeface="+mn-ea"/>
+                <a:cs typeface="+mn-cs"/>
+              </a:rPr>
+              <a:t>weld</a:t>
+            </a:r>
+            <a:r>
+              <a:rPr lang="nl-NL" sz="1200" kern="1200" dirty="0" smtClean="0">
+                <a:solidFill>
+                  <a:schemeClr val="tx1"/>
+                </a:solidFill>
+                <a:latin typeface="+mn-lt"/>
+                <a:ea typeface="+mn-ea"/>
+                <a:cs typeface="+mn-cs"/>
+              </a:rPr>
+              <a:t> is een </a:t>
+            </a:r>
+            <a:r>
+              <a:rPr lang="nl-NL" sz="1200" kern="1200" dirty="0" err="1" smtClean="0">
+                <a:solidFill>
+                  <a:schemeClr val="tx1"/>
+                </a:solidFill>
+                <a:latin typeface="+mn-lt"/>
+                <a:ea typeface="+mn-ea"/>
+                <a:cs typeface="+mn-cs"/>
+              </a:rPr>
+              <a:t>library</a:t>
+            </a:r>
+            <a:r>
+              <a:rPr lang="nl-NL" sz="1200" kern="1200" dirty="0" smtClean="0">
+                <a:solidFill>
+                  <a:schemeClr val="tx1"/>
+                </a:solidFill>
+                <a:latin typeface="+mn-lt"/>
+                <a:ea typeface="+mn-ea"/>
+                <a:cs typeface="+mn-cs"/>
+              </a:rPr>
+              <a:t> die de </a:t>
+            </a:r>
+            <a:r>
+              <a:rPr lang="nl-NL" sz="1200" kern="1200" dirty="0" err="1" smtClean="0">
+                <a:solidFill>
+                  <a:schemeClr val="tx1"/>
+                </a:solidFill>
+                <a:latin typeface="+mn-lt"/>
+                <a:ea typeface="+mn-ea"/>
+                <a:cs typeface="+mn-cs"/>
+              </a:rPr>
+              <a:t>reference</a:t>
+            </a:r>
+            <a:r>
+              <a:rPr lang="nl-NL" sz="1200" kern="1200" dirty="0" smtClean="0">
+                <a:solidFill>
+                  <a:schemeClr val="tx1"/>
+                </a:solidFill>
+                <a:latin typeface="+mn-lt"/>
+                <a:ea typeface="+mn-ea"/>
+                <a:cs typeface="+mn-cs"/>
+              </a:rPr>
+              <a:t> </a:t>
+            </a:r>
+            <a:r>
+              <a:rPr lang="nl-NL" sz="1200" kern="1200" dirty="0" err="1" smtClean="0">
+                <a:solidFill>
+                  <a:schemeClr val="tx1"/>
+                </a:solidFill>
+                <a:latin typeface="+mn-lt"/>
+                <a:ea typeface="+mn-ea"/>
+                <a:cs typeface="+mn-cs"/>
+              </a:rPr>
+              <a:t>implementation</a:t>
+            </a:r>
+            <a:r>
+              <a:rPr lang="nl-NL" sz="1200" kern="1200" dirty="0" smtClean="0">
+                <a:solidFill>
+                  <a:schemeClr val="tx1"/>
+                </a:solidFill>
+                <a:latin typeface="+mn-lt"/>
+                <a:ea typeface="+mn-ea"/>
+                <a:cs typeface="+mn-cs"/>
+              </a:rPr>
+              <a:t> geeft voor CDI.</a:t>
+            </a:r>
+          </a:p>
+          <a:p>
             <a:endParaRPr lang="nl-NL" sz="1200" baseline="0" dirty="0"/>
           </a:p>
         </p:txBody>
@@ -1947,7 +2195,7 @@
             <a:fld id="{E3A231E2-5917-44CD-8A06-5F2829B13D02}" type="slidenum">
               <a:rPr lang="en-US" smtClean="0"/>
               <a:pPr/>
-              <a:t>3</a:t>
+              <a:t>5</a:t>
             </a:fld>
             <a:endParaRPr lang="en-US"/>
           </a:p>
@@ -1956,7 +2204,7 @@
     </p:spTree>
     <p:extLst>
       <p:ext uri="{BB962C8B-B14F-4D97-AF65-F5344CB8AC3E}">
-        <p14:creationId xmlns="" xmlns:p14="http://schemas.microsoft.com/office/powerpoint/2010/main" val="1611590157"/>
+        <p14:creationId xmlns:p14="http://schemas.microsoft.com/office/powerpoint/2010/main" val="1611590157"/>
       </p:ext>
     </p:extLst>
   </p:cSld>
@@ -2012,25 +2260,62 @@
           <a:p>
             <a:r>
               <a:rPr lang="en-US" dirty="0" smtClean="0"/>
-              <a:t>his will deploy target/jboss-greeter.war to the running instance of the server.</a:t>
-            </a:r>
-          </a:p>
-          <a:p>
-            <a:r>
-              <a:rPr lang="nl-NL" sz="1200" baseline="0" dirty="0" smtClean="0"/>
-              <a:t>boss/jboss-eap-7.0.0.GA-quickstarts/</a:t>
-            </a:r>
-            <a:r>
-              <a:rPr lang="nl-NL" sz="1200" baseline="0" dirty="0" err="1" smtClean="0"/>
-              <a:t>cdi-interceptors</a:t>
-            </a:r>
-            <a:r>
-              <a:rPr lang="nl-NL" sz="1200" baseline="0" dirty="0" smtClean="0"/>
               <a:t>/</a:t>
             </a:r>
             <a:r>
-              <a:rPr lang="nl-NL" sz="1200" baseline="0" dirty="0" err="1" smtClean="0"/>
-              <a:t>README.html</a:t>
+              <a:rPr lang="en-US" dirty="0" err="1" smtClean="0"/>
+              <a:t>jboss</a:t>
+            </a:r>
+            <a:r>
+              <a:rPr lang="en-US" dirty="0" smtClean="0"/>
+              <a:t>/jboss-eap-7.0.0.GA-quickstarts/alternative/README.html</a:t>
+            </a:r>
+            <a:br>
+              <a:rPr lang="en-US" dirty="0" smtClean="0"/>
+            </a:br>
+            <a:r>
+              <a:rPr lang="en-US" dirty="0" err="1" smtClean="0"/>
+              <a:t>Kort</a:t>
+            </a:r>
+            <a:r>
+              <a:rPr lang="en-US" dirty="0" smtClean="0"/>
+              <a:t> </a:t>
+            </a:r>
+            <a:r>
+              <a:rPr lang="en-US" dirty="0" err="1" smtClean="0"/>
+              <a:t>alle</a:t>
+            </a:r>
+            <a:r>
+              <a:rPr lang="en-US" dirty="0" smtClean="0"/>
+              <a:t> code </a:t>
+            </a:r>
+            <a:r>
+              <a:rPr lang="en-US" dirty="0" err="1" smtClean="0"/>
+              <a:t>doorlopen</a:t>
+            </a:r>
+            <a:r>
+              <a:rPr lang="en-US" dirty="0" smtClean="0"/>
+              <a:t> en de </a:t>
+            </a:r>
+            <a:r>
+              <a:rPr lang="en-US" dirty="0" err="1" smtClean="0"/>
+              <a:t>applicatie</a:t>
+            </a:r>
+            <a:r>
+              <a:rPr lang="en-US" dirty="0" smtClean="0"/>
+              <a:t> in </a:t>
+            </a:r>
+            <a:r>
+              <a:rPr lang="en-US" dirty="0" err="1" smtClean="0"/>
+              <a:t>actie</a:t>
+            </a:r>
+            <a:r>
+              <a:rPr lang="en-US" dirty="0" smtClean="0"/>
+              <a:t> </a:t>
+            </a:r>
+            <a:r>
+              <a:rPr lang="en-US" dirty="0" err="1" smtClean="0"/>
+              <a:t>zien</a:t>
             </a:r>
             <a:endParaRPr lang="nl-NL" sz="1200" baseline="0" dirty="0"/>
           </a:p>
@@ -2063,7 +2348,7 @@
     </p:spTree>
     <p:extLst>
       <p:ext uri="{BB962C8B-B14F-4D97-AF65-F5344CB8AC3E}">
-        <p14:creationId xmlns="" xmlns:p14="http://schemas.microsoft.com/office/powerpoint/2010/main" val="1611590157"/>
+        <p14:creationId xmlns:p14="http://schemas.microsoft.com/office/powerpoint/2010/main" val="1611590157"/>
       </p:ext>
     </p:extLst>
   </p:cSld>
@@ -2117,65 +2402,6 @@
           <a:bodyPr/>
           <a:lstStyle/>
           <a:p>
-            <a:r>
-              <a:rPr lang="en-US" dirty="0" smtClean="0"/>
-              <a:t>/</a:t>
-            </a:r>
-            <a:r>
-              <a:rPr lang="en-US" dirty="0" err="1" smtClean="0"/>
-              <a:t>jboss</a:t>
-            </a:r>
-            <a:r>
-              <a:rPr lang="en-US" dirty="0" smtClean="0"/>
-              <a:t>/jboss-eap-7.0.0.GA-quickstarts/alternative/README.html</a:t>
-            </a:r>
-            <a:br>
-              <a:rPr lang="en-US" dirty="0" smtClean="0"/>
-            </a:br>
-            <a:r>
-              <a:rPr lang="en-US" dirty="0" err="1" smtClean="0"/>
-              <a:t>Kort</a:t>
-            </a:r>
-            <a:r>
-              <a:rPr lang="en-US" dirty="0" smtClean="0"/>
-              <a:t> </a:t>
-            </a:r>
-            <a:r>
-              <a:rPr lang="en-US" dirty="0" err="1" smtClean="0"/>
-              <a:t>alle</a:t>
-            </a:r>
-            <a:r>
-              <a:rPr lang="en-US" dirty="0" smtClean="0"/>
-              <a:t> code </a:t>
-            </a:r>
-            <a:r>
-              <a:rPr lang="en-US" dirty="0" err="1" smtClean="0"/>
-              <a:t>doorlopen</a:t>
-            </a:r>
-            <a:r>
-              <a:rPr lang="en-US" dirty="0" smtClean="0"/>
-              <a:t> en de </a:t>
-            </a:r>
-            <a:r>
-              <a:rPr lang="en-US" dirty="0" err="1" smtClean="0"/>
-              <a:t>applicatie</a:t>
-            </a:r>
-            <a:r>
-              <a:rPr lang="en-US" dirty="0" smtClean="0"/>
-              <a:t> in </a:t>
-            </a:r>
-            <a:r>
-              <a:rPr lang="en-US" dirty="0" err="1" smtClean="0"/>
-              <a:t>actie</a:t>
-            </a:r>
-            <a:r>
-              <a:rPr lang="en-US" dirty="0" smtClean="0"/>
-              <a:t> </a:t>
-            </a:r>
-            <a:r>
-              <a:rPr lang="en-US" dirty="0" err="1" smtClean="0"/>
-              <a:t>zien</a:t>
-            </a:r>
             <a:endParaRPr lang="nl-NL" sz="1200" baseline="0" dirty="0"/>
           </a:p>
         </p:txBody>
@@ -2207,7 +2433,7 @@
     </p:spTree>
     <p:extLst>
       <p:ext uri="{BB962C8B-B14F-4D97-AF65-F5344CB8AC3E}">
-        <p14:creationId xmlns="" xmlns:p14="http://schemas.microsoft.com/office/powerpoint/2010/main" val="1611590157"/>
+        <p14:creationId xmlns:p14="http://schemas.microsoft.com/office/powerpoint/2010/main" val="1611590157"/>
       </p:ext>
     </p:extLst>
   </p:cSld>
@@ -2261,7 +2487,93 @@
           <a:bodyPr/>
           <a:lstStyle/>
           <a:p>
-            <a:endParaRPr lang="nl-NL" sz="1200" baseline="0" dirty="0"/>
+            <a:r>
+              <a:rPr lang="nl-NL" sz="1200" baseline="0" dirty="0" err="1" smtClean="0"/>
+              <a:t>Beans.xml</a:t>
+            </a:r>
+            <a:r>
+              <a:rPr lang="nl-NL" sz="1200" baseline="0" dirty="0" smtClean="0"/>
+              <a:t> verplicht anders werkt het niet, laat &lt;</a:t>
+            </a:r>
+            <a:r>
+              <a:rPr lang="nl-NL" sz="1200" baseline="0" dirty="0" err="1" smtClean="0"/>
+              <a:t>alternatives</a:t>
+            </a:r>
+            <a:r>
+              <a:rPr lang="nl-NL" sz="1200" baseline="0" dirty="0" smtClean="0"/>
+              <a:t>&gt;&lt;/</a:t>
+            </a:r>
+            <a:r>
+              <a:rPr lang="nl-NL" sz="1200" baseline="0" dirty="0" err="1" smtClean="0"/>
+              <a:t>alternatives</a:t>
+            </a:r>
+            <a:r>
+              <a:rPr lang="nl-NL" sz="1200" baseline="0" dirty="0" smtClean="0"/>
+              <a:t>&gt; zien, ideaal voor </a:t>
+            </a:r>
+            <a:r>
+              <a:rPr lang="nl-NL" sz="1200" baseline="0" dirty="0" err="1" smtClean="0"/>
+              <a:t>testing</a:t>
+            </a:r>
+            <a:r>
+              <a:rPr lang="nl-NL" sz="1200" baseline="0" dirty="0" smtClean="0"/>
+              <a:t/>
+            </a:r>
+            <a:br>
+              <a:rPr lang="nl-NL" sz="1200" baseline="0" dirty="0" smtClean="0"/>
+            </a:br>
+            <a:r>
+              <a:rPr lang="nl-NL" sz="1200" baseline="0" dirty="0" smtClean="0"/>
+              <a:t>Gebruikt H2 in </a:t>
+            </a:r>
+            <a:r>
+              <a:rPr lang="nl-NL" sz="1200" baseline="0" dirty="0" err="1" smtClean="0"/>
+              <a:t>memory</a:t>
+            </a:r>
+            <a:r>
+              <a:rPr lang="nl-NL" sz="1200" baseline="0" dirty="0" smtClean="0"/>
+              <a:t> database, prima voor nu. Niet voor productie.</a:t>
+            </a:r>
+          </a:p>
+          <a:p>
+            <a:r>
+              <a:rPr lang="nl-NL" sz="1200" baseline="0" dirty="0" err="1" smtClean="0"/>
+              <a:t>Xhtml</a:t>
+            </a:r>
+            <a:r>
+              <a:rPr lang="nl-NL" sz="1200" baseline="0" dirty="0" smtClean="0"/>
+              <a:t> lijkt op </a:t>
+            </a:r>
+            <a:r>
+              <a:rPr lang="nl-NL" sz="1200" baseline="0" dirty="0" err="1" smtClean="0"/>
+              <a:t>html</a:t>
+            </a:r>
+            <a:r>
+              <a:rPr lang="nl-NL" sz="1200" baseline="0" dirty="0" smtClean="0"/>
+              <a:t> maar dan </a:t>
+            </a:r>
+            <a:r>
+              <a:rPr lang="nl-NL" sz="1200" baseline="0" dirty="0" err="1" smtClean="0"/>
+              <a:t>stricter</a:t>
+            </a:r>
+            <a:r>
+              <a:rPr lang="nl-NL" sz="1200" baseline="0" dirty="0" smtClean="0"/>
+              <a:t/>
+            </a:r>
+            <a:br>
+              <a:rPr lang="nl-NL" sz="1200" baseline="0" dirty="0" smtClean="0"/>
+            </a:br>
+            <a:r>
+              <a:rPr lang="nl-NL" sz="1200" baseline="0" dirty="0" smtClean="0"/>
+              <a:t>-Leg na elke stap uit hoe het eruit moet zien</a:t>
+            </a:r>
+            <a:br>
+              <a:rPr lang="nl-NL" sz="1200" baseline="0" dirty="0" smtClean="0"/>
+            </a:br>
+            <a:r>
+              <a:rPr lang="nl-NL" sz="1200" baseline="0" dirty="0" smtClean="0"/>
+              <a:t>-En op het einde het eindresultaat bekijken</a:t>
+            </a:r>
           </a:p>
         </p:txBody>
       </p:sp>
@@ -2292,7 +2604,7 @@
     </p:spTree>
     <p:extLst>
       <p:ext uri="{BB962C8B-B14F-4D97-AF65-F5344CB8AC3E}">
-        <p14:creationId xmlns="" xmlns:p14="http://schemas.microsoft.com/office/powerpoint/2010/main" val="1611590157"/>
+        <p14:creationId xmlns:p14="http://schemas.microsoft.com/office/powerpoint/2010/main" val="1611590157"/>
       </p:ext>
     </p:extLst>
   </p:cSld>
@@ -2347,92 +2659,10 @@
           <a:lstStyle/>
           <a:p>
             <a:r>
-              <a:rPr lang="nl-NL" sz="1200" baseline="0" dirty="0" err="1" smtClean="0"/>
-              <a:t>Beans.xml</a:t>
-            </a:r>
-            <a:r>
-              <a:rPr lang="nl-NL" sz="1200" baseline="0" dirty="0" smtClean="0"/>
-              <a:t> verplicht anders werkt het niet, laat &lt;</a:t>
-            </a:r>
-            <a:r>
-              <a:rPr lang="nl-NL" sz="1200" baseline="0" dirty="0" err="1" smtClean="0"/>
-              <a:t>alternatives</a:t>
-            </a:r>
-            <a:r>
-              <a:rPr lang="nl-NL" sz="1200" baseline="0" dirty="0" smtClean="0"/>
-              <a:t>&gt;&lt;/</a:t>
-            </a:r>
-            <a:r>
-              <a:rPr lang="nl-NL" sz="1200" baseline="0" dirty="0" err="1" smtClean="0"/>
-              <a:t>alternatives</a:t>
-            </a:r>
-            <a:r>
-              <a:rPr lang="nl-NL" sz="1200" baseline="0" dirty="0" smtClean="0"/>
-              <a:t>&gt; zien, ideaal voor </a:t>
-            </a:r>
-            <a:r>
-              <a:rPr lang="nl-NL" sz="1200" baseline="0" dirty="0" err="1" smtClean="0"/>
-              <a:t>testing</a:t>
-            </a:r>
-            <a:r>
-              <a:rPr lang="nl-NL" sz="1200" baseline="0" dirty="0" smtClean="0"/>
-              <a:t/>
-            </a:r>
-            <a:br>
-              <a:rPr lang="nl-NL" sz="1200" baseline="0" dirty="0" smtClean="0"/>
-            </a:br>
-            <a:r>
-              <a:rPr lang="nl-NL" sz="1200" baseline="0" dirty="0" smtClean="0"/>
-              <a:t>Gebruikt H2 in </a:t>
-            </a:r>
-            <a:r>
-              <a:rPr lang="nl-NL" sz="1200" baseline="0" dirty="0" err="1" smtClean="0"/>
-              <a:t>memory</a:t>
-            </a:r>
-            <a:r>
-              <a:rPr lang="nl-NL" sz="1200" baseline="0" dirty="0" smtClean="0"/>
-              <a:t> database, prima voor nu. Niet voor productie.</a:t>
-            </a:r>
-          </a:p>
-          <a:p>
-            <a:r>
-              <a:rPr lang="nl-NL" sz="1200" baseline="0" dirty="0" err="1" smtClean="0"/>
-              <a:t>Xhtml</a:t>
-            </a:r>
-            <a:r>
-              <a:rPr lang="nl-NL" sz="1200" baseline="0" dirty="0" smtClean="0"/>
-              <a:t> lijkt op </a:t>
-            </a:r>
-            <a:r>
-              <a:rPr lang="nl-NL" sz="1200" baseline="0" dirty="0" err="1" smtClean="0"/>
-              <a:t>html</a:t>
-            </a:r>
-            <a:r>
-              <a:rPr lang="nl-NL" sz="1200" baseline="0" dirty="0" smtClean="0"/>
-              <a:t> maar dan </a:t>
-            </a:r>
-            <a:r>
-              <a:rPr lang="nl-NL" sz="1200" baseline="0" dirty="0" err="1" smtClean="0"/>
-              <a:t>stricter</a:t>
-            </a:r>
-            <a:r>
-              <a:rPr lang="nl-NL" sz="1200" baseline="0" dirty="0" smtClean="0"/>
-              <a:t/>
-            </a:r>
-            <a:br>
-              <a:rPr lang="nl-NL" sz="1200" baseline="0" dirty="0" smtClean="0"/>
-            </a:br>
-            <a:r>
-              <a:rPr lang="nl-NL" sz="1200" baseline="0" dirty="0" smtClean="0"/>
-              <a:t>-Leg na elke stap uit hoe het eruit moet zien</a:t>
-            </a:r>
-            <a:br>
-              <a:rPr lang="nl-NL" sz="1200" baseline="0" dirty="0" smtClean="0"/>
-            </a:br>
-            <a:r>
-              <a:rPr lang="nl-NL" sz="1200" baseline="0" dirty="0" smtClean="0"/>
-              <a:t>-En op het einde het eindresultaat bekijken</a:t>
-            </a:r>
+              <a:rPr lang="en-US" dirty="0" smtClean="0"/>
+              <a:t>his will deploy target/jboss-greeter.war to the running instance of the server.</a:t>
+            </a:r>
+            <a:endParaRPr lang="nl-NL" sz="1200" baseline="0" dirty="0"/>
           </a:p>
         </p:txBody>
       </p:sp>
@@ -2463,7 +2693,7 @@
     </p:spTree>
     <p:extLst>
       <p:ext uri="{BB962C8B-B14F-4D97-AF65-F5344CB8AC3E}">
-        <p14:creationId xmlns="" xmlns:p14="http://schemas.microsoft.com/office/powerpoint/2010/main" val="1611590157"/>
+        <p14:creationId xmlns:p14="http://schemas.microsoft.com/office/powerpoint/2010/main" val="1611590157"/>
       </p:ext>
     </p:extLst>
   </p:cSld>
@@ -2519,7 +2749,70 @@
           <a:p>
             <a:r>
               <a:rPr lang="en-US" dirty="0" smtClean="0"/>
-              <a:t>his will deploy target/jboss-greeter.war to the running instance of the server.</a:t>
+              <a:t>/</a:t>
+            </a:r>
+            <a:r>
+              <a:rPr lang="en-US" dirty="0" err="1" smtClean="0"/>
+              <a:t>jboss</a:t>
+            </a:r>
+            <a:r>
+              <a:rPr lang="en-US" dirty="0" smtClean="0"/>
+              <a:t>/jboss-eap-7.0.0.GA-quickstarts/greeter/README.html</a:t>
+            </a:r>
+            <a:br>
+              <a:rPr lang="en-US" dirty="0" smtClean="0"/>
+            </a:br>
+            <a:r>
+              <a:rPr lang="en-US" dirty="0" err="1" smtClean="0"/>
+              <a:t>Kort</a:t>
+            </a:r>
+            <a:r>
+              <a:rPr lang="en-US" dirty="0" smtClean="0"/>
+              <a:t> </a:t>
+            </a:r>
+            <a:r>
+              <a:rPr lang="en-US" dirty="0" err="1" smtClean="0"/>
+              <a:t>alle</a:t>
+            </a:r>
+            <a:r>
+              <a:rPr lang="en-US" dirty="0" smtClean="0"/>
+              <a:t> </a:t>
+            </a:r>
+            <a:r>
+              <a:rPr lang="en-US" dirty="0" err="1" smtClean="0"/>
+              <a:t>stappen</a:t>
+            </a:r>
+            <a:r>
+              <a:rPr lang="en-US" dirty="0" smtClean="0"/>
+              <a:t> </a:t>
+            </a:r>
+            <a:r>
+              <a:rPr lang="en-US" dirty="0" err="1" smtClean="0"/>
+              <a:t>doorlopen</a:t>
+            </a:r>
+            <a:r>
+              <a:rPr lang="en-US" dirty="0" smtClean="0"/>
+              <a:t> en de </a:t>
+            </a:r>
+            <a:r>
+              <a:rPr lang="en-US" dirty="0" err="1" smtClean="0"/>
+              <a:t>applicatie</a:t>
+            </a:r>
+            <a:r>
+              <a:rPr lang="en-US" dirty="0" smtClean="0"/>
+              <a:t> in </a:t>
+            </a:r>
+            <a:r>
+              <a:rPr lang="en-US" dirty="0" err="1" smtClean="0"/>
+              <a:t>actie</a:t>
+            </a:r>
+            <a:r>
+              <a:rPr lang="en-US" dirty="0" smtClean="0"/>
+              <a:t> </a:t>
+            </a:r>
+            <a:r>
+              <a:rPr lang="en-US" dirty="0" err="1" smtClean="0"/>
+              <a:t>zien</a:t>
             </a:r>
             <a:endParaRPr lang="nl-NL" sz="1200" baseline="0" dirty="0"/>
           </a:p>
@@ -2552,7 +2845,7 @@
     </p:spTree>
     <p:extLst>
       <p:ext uri="{BB962C8B-B14F-4D97-AF65-F5344CB8AC3E}">
-        <p14:creationId xmlns="" xmlns:p14="http://schemas.microsoft.com/office/powerpoint/2010/main" val="1611590157"/>
+        <p14:creationId xmlns:p14="http://schemas.microsoft.com/office/powerpoint/2010/main" val="1611590157"/>
       </p:ext>
     </p:extLst>
   </p:cSld>
@@ -2606,73 +2899,6 @@
           <a:bodyPr/>
           <a:lstStyle/>
           <a:p>
-            <a:r>
-              <a:rPr lang="en-US" dirty="0" smtClean="0"/>
-              <a:t>/</a:t>
-            </a:r>
-            <a:r>
-              <a:rPr lang="en-US" dirty="0" err="1" smtClean="0"/>
-              <a:t>jboss</a:t>
-            </a:r>
-            <a:r>
-              <a:rPr lang="en-US" dirty="0" smtClean="0"/>
-              <a:t>/jboss-eap-7.0.0.GA-quickstarts/greeter/README.html</a:t>
-            </a:r>
-            <a:br>
-              <a:rPr lang="en-US" dirty="0" smtClean="0"/>
-            </a:br>
-            <a:r>
-              <a:rPr lang="en-US" dirty="0" err="1" smtClean="0"/>
-              <a:t>Kort</a:t>
-            </a:r>
-            <a:r>
-              <a:rPr lang="en-US" dirty="0" smtClean="0"/>
-              <a:t> </a:t>
-            </a:r>
-            <a:r>
-              <a:rPr lang="en-US" dirty="0" err="1" smtClean="0"/>
-              <a:t>alle</a:t>
-            </a:r>
-            <a:r>
-              <a:rPr lang="en-US" dirty="0" smtClean="0"/>
-              <a:t> </a:t>
-            </a:r>
-            <a:r>
-              <a:rPr lang="en-US" dirty="0" err="1" smtClean="0"/>
-              <a:t>stappen</a:t>
-            </a:r>
-            <a:r>
-              <a:rPr lang="en-US" dirty="0" smtClean="0"/>
-              <a:t> </a:t>
-            </a:r>
-            <a:r>
-              <a:rPr lang="en-US" dirty="0" err="1" smtClean="0"/>
-              <a:t>doorlopen</a:t>
-            </a:r>
-            <a:r>
-              <a:rPr lang="en-US" dirty="0" smtClean="0"/>
-              <a:t> en de </a:t>
-            </a:r>
-            <a:r>
-              <a:rPr lang="en-US" dirty="0" err="1" smtClean="0"/>
-              <a:t>applicatie</a:t>
-            </a:r>
-            <a:r>
-              <a:rPr lang="en-US" dirty="0" smtClean="0"/>
-              <a:t> in </a:t>
-            </a:r>
-            <a:r>
-              <a:rPr lang="en-US" dirty="0" err="1" smtClean="0"/>
-              <a:t>actie</a:t>
-            </a:r>
-            <a:r>
-              <a:rPr lang="en-US" dirty="0" smtClean="0"/>
-              <a:t> </a:t>
-            </a:r>
-            <a:r>
-              <a:rPr lang="en-US" dirty="0" err="1" smtClean="0"/>
-              <a:t>zien</a:t>
-            </a:r>
             <a:endParaRPr lang="nl-NL" sz="1200" baseline="0" dirty="0"/>
           </a:p>
         </p:txBody>
@@ -2704,7 +2930,7 @@
     </p:spTree>
     <p:extLst>
       <p:ext uri="{BB962C8B-B14F-4D97-AF65-F5344CB8AC3E}">
-        <p14:creationId xmlns="" xmlns:p14="http://schemas.microsoft.com/office/powerpoint/2010/main" val="1611590157"/>
+        <p14:creationId xmlns:p14="http://schemas.microsoft.com/office/powerpoint/2010/main" val="1611590157"/>
       </p:ext>
     </p:extLst>
   </p:cSld>
@@ -2758,7 +2984,93 @@
           <a:bodyPr/>
           <a:lstStyle/>
           <a:p>
-            <a:endParaRPr lang="nl-NL" sz="1200" baseline="0" dirty="0"/>
+            <a:r>
+              <a:rPr lang="nl-NL" sz="1200" baseline="0" dirty="0" err="1" smtClean="0"/>
+              <a:t>Beans.xml</a:t>
+            </a:r>
+            <a:r>
+              <a:rPr lang="nl-NL" sz="1200" baseline="0" dirty="0" smtClean="0"/>
+              <a:t> verplicht anders werkt het niet, laat &lt;</a:t>
+            </a:r>
+            <a:r>
+              <a:rPr lang="nl-NL" sz="1200" baseline="0" dirty="0" err="1" smtClean="0"/>
+              <a:t>alternatives</a:t>
+            </a:r>
+            <a:r>
+              <a:rPr lang="nl-NL" sz="1200" baseline="0" dirty="0" smtClean="0"/>
+              <a:t>&gt;&lt;/</a:t>
+            </a:r>
+            <a:r>
+              <a:rPr lang="nl-NL" sz="1200" baseline="0" dirty="0" err="1" smtClean="0"/>
+              <a:t>alternatives</a:t>
+            </a:r>
+            <a:r>
+              <a:rPr lang="nl-NL" sz="1200" baseline="0" dirty="0" smtClean="0"/>
+              <a:t>&gt; zien, ideaal voor </a:t>
+            </a:r>
+            <a:r>
+              <a:rPr lang="nl-NL" sz="1200" baseline="0" dirty="0" err="1" smtClean="0"/>
+              <a:t>testing</a:t>
+            </a:r>
+            <a:r>
+              <a:rPr lang="nl-NL" sz="1200" baseline="0" dirty="0" smtClean="0"/>
+              <a:t/>
+            </a:r>
+            <a:br>
+              <a:rPr lang="nl-NL" sz="1200" baseline="0" dirty="0" smtClean="0"/>
+            </a:br>
+            <a:r>
+              <a:rPr lang="nl-NL" sz="1200" baseline="0" dirty="0" smtClean="0"/>
+              <a:t>Gebruikt H2 in </a:t>
+            </a:r>
+            <a:r>
+              <a:rPr lang="nl-NL" sz="1200" baseline="0" dirty="0" err="1" smtClean="0"/>
+              <a:t>memory</a:t>
+            </a:r>
+            <a:r>
+              <a:rPr lang="nl-NL" sz="1200" baseline="0" dirty="0" smtClean="0"/>
+              <a:t> database, prima voor nu. Niet voor productie.</a:t>
+            </a:r>
+          </a:p>
+          <a:p>
+            <a:r>
+              <a:rPr lang="nl-NL" sz="1200" baseline="0" dirty="0" err="1" smtClean="0"/>
+              <a:t>Xhtml</a:t>
+            </a:r>
+            <a:r>
+              <a:rPr lang="nl-NL" sz="1200" baseline="0" dirty="0" smtClean="0"/>
+              <a:t> lijkt op </a:t>
+            </a:r>
+            <a:r>
+              <a:rPr lang="nl-NL" sz="1200" baseline="0" dirty="0" err="1" smtClean="0"/>
+              <a:t>html</a:t>
+            </a:r>
+            <a:r>
+              <a:rPr lang="nl-NL" sz="1200" baseline="0" dirty="0" smtClean="0"/>
+              <a:t> maar dan </a:t>
+            </a:r>
+            <a:r>
+              <a:rPr lang="nl-NL" sz="1200" baseline="0" dirty="0" err="1" smtClean="0"/>
+              <a:t>stricter</a:t>
+            </a:r>
+            <a:r>
+              <a:rPr lang="nl-NL" sz="1200" baseline="0" dirty="0" smtClean="0"/>
+              <a:t/>
+            </a:r>
+            <a:br>
+              <a:rPr lang="nl-NL" sz="1200" baseline="0" dirty="0" smtClean="0"/>
+            </a:br>
+            <a:r>
+              <a:rPr lang="nl-NL" sz="1200" baseline="0" dirty="0" smtClean="0"/>
+              <a:t>-Leg na elke stap uit hoe het eruit moet zien</a:t>
+            </a:r>
+            <a:br>
+              <a:rPr lang="nl-NL" sz="1200" baseline="0" dirty="0" smtClean="0"/>
+            </a:br>
+            <a:r>
+              <a:rPr lang="nl-NL" sz="1200" baseline="0" dirty="0" smtClean="0"/>
+              <a:t>-En op het einde het eindresultaat bekijken</a:t>
+            </a:r>
           </a:p>
         </p:txBody>
       </p:sp>
@@ -2789,7 +3101,7 @@
     </p:spTree>
     <p:extLst>
       <p:ext uri="{BB962C8B-B14F-4D97-AF65-F5344CB8AC3E}">
-        <p14:creationId xmlns="" xmlns:p14="http://schemas.microsoft.com/office/powerpoint/2010/main" val="1611590157"/>
+        <p14:creationId xmlns:p14="http://schemas.microsoft.com/office/powerpoint/2010/main" val="1611590157"/>
       </p:ext>
     </p:extLst>
   </p:cSld>
@@ -2844,92 +3156,28 @@
           <a:lstStyle/>
           <a:p>
             <a:r>
+              <a:rPr lang="en-US" dirty="0" smtClean="0"/>
+              <a:t>his will deploy target/jboss-greeter.war to the running instance of the server.</a:t>
+            </a:r>
+          </a:p>
+          <a:p>
+            <a:r>
+              <a:rPr lang="nl-NL" sz="1200" baseline="0" dirty="0" smtClean="0"/>
+              <a:t>boss/jboss-eap-7.0.0.GA-quickstarts/</a:t>
+            </a:r>
+            <a:r>
               <a:rPr lang="nl-NL" sz="1200" baseline="0" dirty="0" err="1" smtClean="0"/>
-              <a:t>Beans.xml</a:t>
+              <a:t>cdi-interceptors</a:t>
             </a:r>
             <a:r>
               <a:rPr lang="nl-NL" sz="1200" baseline="0" dirty="0" smtClean="0"/>
-              <a:t> verplicht anders werkt het niet, laat &lt;</a:t>
+              <a:t>/</a:t>
             </a:r>
             <a:r>
               <a:rPr lang="nl-NL" sz="1200" baseline="0" dirty="0" err="1" smtClean="0"/>
-              <a:t>alternatives</a:t>
-            </a:r>
-            <a:r>
-              <a:rPr lang="nl-NL" sz="1200" baseline="0" dirty="0" smtClean="0"/>
-              <a:t>&gt;&lt;/</a:t>
-            </a:r>
-            <a:r>
-              <a:rPr lang="nl-NL" sz="1200" baseline="0" dirty="0" err="1" smtClean="0"/>
-              <a:t>alternatives</a:t>
-            </a:r>
-            <a:r>
-              <a:rPr lang="nl-NL" sz="1200" baseline="0" dirty="0" smtClean="0"/>
-              <a:t>&gt; zien, ideaal voor </a:t>
-            </a:r>
-            <a:r>
-              <a:rPr lang="nl-NL" sz="1200" baseline="0" dirty="0" err="1" smtClean="0"/>
-              <a:t>testing</a:t>
-            </a:r>
-            <a:r>
-              <a:rPr lang="nl-NL" sz="1200" baseline="0" dirty="0" smtClean="0"/>
-              <a:t/>
-            </a:r>
-            <a:br>
-              <a:rPr lang="nl-NL" sz="1200" baseline="0" dirty="0" smtClean="0"/>
-            </a:br>
-            <a:r>
-              <a:rPr lang="nl-NL" sz="1200" baseline="0" dirty="0" smtClean="0"/>
-              <a:t>Gebruikt H2 in </a:t>
-            </a:r>
-            <a:r>
-              <a:rPr lang="nl-NL" sz="1200" baseline="0" dirty="0" err="1" smtClean="0"/>
-              <a:t>memory</a:t>
-            </a:r>
-            <a:r>
-              <a:rPr lang="nl-NL" sz="1200" baseline="0" dirty="0" smtClean="0"/>
-              <a:t> database, prima voor nu. Niet voor productie.</a:t>
-            </a:r>
-          </a:p>
-          <a:p>
-            <a:r>
-              <a:rPr lang="nl-NL" sz="1200" baseline="0" dirty="0" err="1" smtClean="0"/>
-              <a:t>Xhtml</a:t>
-            </a:r>
-            <a:r>
-              <a:rPr lang="nl-NL" sz="1200" baseline="0" dirty="0" smtClean="0"/>
-              <a:t> lijkt op </a:t>
-            </a:r>
-            <a:r>
-              <a:rPr lang="nl-NL" sz="1200" baseline="0" dirty="0" err="1" smtClean="0"/>
-              <a:t>html</a:t>
-            </a:r>
-            <a:r>
-              <a:rPr lang="nl-NL" sz="1200" baseline="0" dirty="0" smtClean="0"/>
-              <a:t> maar dan </a:t>
-            </a:r>
-            <a:r>
-              <a:rPr lang="nl-NL" sz="1200" baseline="0" dirty="0" err="1" smtClean="0"/>
-              <a:t>stricter</a:t>
-            </a:r>
-            <a:r>
-              <a:rPr lang="nl-NL" sz="1200" baseline="0" dirty="0" smtClean="0"/>
-              <a:t/>
-            </a:r>
-            <a:br>
-              <a:rPr lang="nl-NL" sz="1200" baseline="0" dirty="0" smtClean="0"/>
-            </a:br>
-            <a:r>
-              <a:rPr lang="nl-NL" sz="1200" baseline="0" dirty="0" smtClean="0"/>
-              <a:t>-Leg na elke stap uit hoe het eruit moet zien</a:t>
-            </a:r>
-            <a:br>
-              <a:rPr lang="nl-NL" sz="1200" baseline="0" dirty="0" smtClean="0"/>
-            </a:br>
-            <a:r>
-              <a:rPr lang="nl-NL" sz="1200" baseline="0" dirty="0" smtClean="0"/>
-              <a:t>-En op het einde het eindresultaat bekijken</a:t>
-            </a:r>
+              <a:t>README.html</a:t>
+            </a:r>
+            <a:endParaRPr lang="nl-NL" sz="1200" baseline="0" dirty="0"/>
           </a:p>
         </p:txBody>
       </p:sp>
@@ -2960,7 +3208,7 @@
     </p:spTree>
     <p:extLst>
       <p:ext uri="{BB962C8B-B14F-4D97-AF65-F5344CB8AC3E}">
-        <p14:creationId xmlns="" xmlns:p14="http://schemas.microsoft.com/office/powerpoint/2010/main" val="1611590157"/>
+        <p14:creationId xmlns:p14="http://schemas.microsoft.com/office/powerpoint/2010/main" val="1611590157"/>
       </p:ext>
     </p:extLst>
   </p:cSld>
@@ -3016,25 +3264,70 @@
           <a:p>
             <a:r>
               <a:rPr lang="en-US" dirty="0" smtClean="0"/>
-              <a:t>his will deploy target/jboss-greeter.war to the running instance of the server.</a:t>
-            </a:r>
-          </a:p>
-          <a:p>
-            <a:r>
-              <a:rPr lang="nl-NL" sz="1200" baseline="0" dirty="0" smtClean="0"/>
-              <a:t>boss/jboss-eap-7.0.0.GA-quickstarts/</a:t>
-            </a:r>
-            <a:r>
-              <a:rPr lang="nl-NL" sz="1200" baseline="0" dirty="0" err="1" smtClean="0"/>
-              <a:t>cdi-interceptors</a:t>
-            </a:r>
-            <a:r>
-              <a:rPr lang="nl-NL" sz="1200" baseline="0" dirty="0" smtClean="0"/>
               <a:t>/</a:t>
             </a:r>
             <a:r>
-              <a:rPr lang="nl-NL" sz="1200" baseline="0" dirty="0" err="1" smtClean="0"/>
-              <a:t>README.html</a:t>
+              <a:rPr lang="en-US" dirty="0" err="1" smtClean="0"/>
+              <a:t>jboss</a:t>
+            </a:r>
+            <a:r>
+              <a:rPr lang="en-US" dirty="0" smtClean="0"/>
+              <a:t>/jboss-eap-7.0.0.GA-quickstarts/greeter/README.html</a:t>
+            </a:r>
+            <a:br>
+              <a:rPr lang="en-US" dirty="0" smtClean="0"/>
+            </a:br>
+            <a:r>
+              <a:rPr lang="en-US" dirty="0" err="1" smtClean="0"/>
+              <a:t>Kort</a:t>
+            </a:r>
+            <a:r>
+              <a:rPr lang="en-US" dirty="0" smtClean="0"/>
+              <a:t> </a:t>
+            </a:r>
+            <a:r>
+              <a:rPr lang="en-US" dirty="0" err="1" smtClean="0"/>
+              <a:t>alle</a:t>
+            </a:r>
+            <a:r>
+              <a:rPr lang="en-US" dirty="0" smtClean="0"/>
+              <a:t> </a:t>
+            </a:r>
+            <a:r>
+              <a:rPr lang="en-US" dirty="0" err="1" smtClean="0"/>
+              <a:t>stappen</a:t>
+            </a:r>
+            <a:r>
+              <a:rPr lang="en-US" dirty="0" smtClean="0"/>
+              <a:t> </a:t>
+            </a:r>
+            <a:r>
+              <a:rPr lang="en-US" dirty="0" err="1" smtClean="0"/>
+              <a:t>doorlopen</a:t>
+            </a:r>
+            <a:r>
+              <a:rPr lang="en-US" dirty="0" smtClean="0"/>
+              <a:t> en de </a:t>
+            </a:r>
+            <a:r>
+              <a:rPr lang="en-US" dirty="0" err="1" smtClean="0"/>
+              <a:t>applicatie</a:t>
+            </a:r>
+            <a:r>
+              <a:rPr lang="en-US" dirty="0" smtClean="0"/>
+              <a:t> in </a:t>
+            </a:r>
+            <a:r>
+              <a:rPr lang="en-US" dirty="0" err="1" smtClean="0"/>
+              <a:t>actie</a:t>
+            </a:r>
+            <a:r>
+              <a:rPr lang="en-US" dirty="0" smtClean="0"/>
+              <a:t> </a:t>
+            </a:r>
+            <a:r>
+              <a:rPr lang="en-US" dirty="0" err="1" smtClean="0"/>
+              <a:t>zien</a:t>
             </a:r>
             <a:endParaRPr lang="nl-NL" sz="1200" baseline="0" dirty="0"/>
           </a:p>
@@ -3067,7 +3360,7 @@
     </p:spTree>
     <p:extLst>
       <p:ext uri="{BB962C8B-B14F-4D97-AF65-F5344CB8AC3E}">
-        <p14:creationId xmlns="" xmlns:p14="http://schemas.microsoft.com/office/powerpoint/2010/main" val="1611590157"/>
+        <p14:creationId xmlns:p14="http://schemas.microsoft.com/office/powerpoint/2010/main" val="1611590157"/>
       </p:ext>
     </p:extLst>
   </p:cSld>
@@ -3096,7 +3389,7 @@
       </p:grpSpPr>
       <p:sp>
         <p:nvSpPr>
-          <p:cNvPr id="2" name="Tijdelijke aanduiding voor dia-afbeelding 1"/>
+          <p:cNvPr id="2" name="Slide Image Placeholder 1"/>
           <p:cNvSpPr>
             <a:spLocks noGrp="1" noRot="1" noChangeAspect="1"/>
           </p:cNvSpPr>
@@ -3108,7 +3401,7 @@
       </p:sp>
       <p:sp>
         <p:nvSpPr>
-          <p:cNvPr id="3" name="Tijdelijke aanduiding voor notities 2"/>
+          <p:cNvPr id="3" name="Notes Placeholder 2"/>
           <p:cNvSpPr>
             <a:spLocks noGrp="1"/>
           </p:cNvSpPr>
@@ -3118,83 +3411,391 @@
         </p:nvSpPr>
         <p:spPr/>
         <p:txBody>
-          <a:bodyPr/>
-          <a:lstStyle/>
-          <a:p>
-            <a:r>
-              <a:rPr lang="en-US" dirty="0" smtClean="0"/>
-              <a:t>/</a:t>
-            </a:r>
-            <a:r>
-              <a:rPr lang="en-US" dirty="0" err="1" smtClean="0"/>
-              <a:t>jboss</a:t>
-            </a:r>
-            <a:r>
-              <a:rPr lang="en-US" dirty="0" smtClean="0"/>
-              <a:t>/jboss-eap-7.0.0.GA-quickstarts/greeter/README.html</a:t>
+          <a:bodyPr>
+            <a:normAutofit/>
+          </a:bodyPr>
+          <a:lstStyle/>
+          <a:p>
+            <a:r>
+              <a:rPr lang="en-US" sz="1200" b="0" i="0" kern="1200" dirty="0" smtClean="0">
+                <a:solidFill>
+                  <a:schemeClr val="tx1"/>
+                </a:solidFill>
+                <a:latin typeface="+mn-lt"/>
+                <a:ea typeface="+mn-ea"/>
+                <a:cs typeface="+mn-cs"/>
+              </a:rPr>
+              <a:t>The difference only comes in how the object to be invoked is resolved. By "resolved" we simply mean, where and how the container looks for the real instance to invoke.</a:t>
+            </a:r>
+          </a:p>
+          <a:p>
+            <a:r>
+              <a:rPr lang="en-US" sz="1200" b="0" i="0" kern="1200" dirty="0" smtClean="0">
+                <a:solidFill>
+                  <a:schemeClr val="tx1"/>
+                </a:solidFill>
+                <a:latin typeface="+mn-lt"/>
+                <a:ea typeface="+mn-ea"/>
+                <a:cs typeface="+mn-cs"/>
+              </a:rPr>
+              <a:t>In CDI the container looks in a "scope", which will basically be a </a:t>
+            </a:r>
+            <a:r>
+              <a:rPr lang="en-US" sz="1200" b="0" i="0" kern="1200" dirty="0" err="1" smtClean="0">
+                <a:solidFill>
+                  <a:schemeClr val="tx1"/>
+                </a:solidFill>
+                <a:latin typeface="+mn-lt"/>
+                <a:ea typeface="+mn-ea"/>
+                <a:cs typeface="+mn-cs"/>
+              </a:rPr>
+              <a:t>hashmap</a:t>
+            </a:r>
+            <a:r>
+              <a:rPr lang="en-US" sz="1200" b="0" i="0" kern="1200" dirty="0" smtClean="0">
+                <a:solidFill>
+                  <a:schemeClr val="tx1"/>
+                </a:solidFill>
+                <a:latin typeface="+mn-lt"/>
+                <a:ea typeface="+mn-ea"/>
+                <a:cs typeface="+mn-cs"/>
+              </a:rPr>
+              <a:t> that lives for a specific period of time (per request @</a:t>
+            </a:r>
+            <a:r>
+              <a:rPr lang="en-US" sz="1200" b="0" i="0" kern="1200" dirty="0" err="1" smtClean="0">
+                <a:solidFill>
+                  <a:schemeClr val="tx1"/>
+                </a:solidFill>
+                <a:latin typeface="+mn-lt"/>
+                <a:ea typeface="+mn-ea"/>
+                <a:cs typeface="+mn-cs"/>
+              </a:rPr>
+              <a:t>RequestScoped</a:t>
+            </a:r>
+            <a:r>
+              <a:rPr lang="en-US" sz="1200" b="0" i="0" kern="1200" dirty="0" smtClean="0">
+                <a:solidFill>
+                  <a:schemeClr val="tx1"/>
+                </a:solidFill>
+                <a:latin typeface="+mn-lt"/>
+                <a:ea typeface="+mn-ea"/>
+                <a:cs typeface="+mn-cs"/>
+              </a:rPr>
+              <a:t>, per HTTP Session @</a:t>
+            </a:r>
+            <a:r>
+              <a:rPr lang="en-US" sz="1200" b="0" i="0" kern="1200" dirty="0" err="1" smtClean="0">
+                <a:solidFill>
+                  <a:schemeClr val="tx1"/>
+                </a:solidFill>
+                <a:latin typeface="+mn-lt"/>
+                <a:ea typeface="+mn-ea"/>
+                <a:cs typeface="+mn-cs"/>
+              </a:rPr>
+              <a:t>SessionScoped</a:t>
+            </a:r>
+            <a:r>
+              <a:rPr lang="en-US" sz="1200" b="0" i="0" kern="1200" dirty="0" smtClean="0">
+                <a:solidFill>
+                  <a:schemeClr val="tx1"/>
+                </a:solidFill>
+                <a:latin typeface="+mn-lt"/>
+                <a:ea typeface="+mn-ea"/>
+                <a:cs typeface="+mn-cs"/>
+              </a:rPr>
+              <a:t>, per application @</a:t>
+            </a:r>
+            <a:r>
+              <a:rPr lang="en-US" sz="1200" b="0" i="0" kern="1200" dirty="0" err="1" smtClean="0">
+                <a:solidFill>
+                  <a:schemeClr val="tx1"/>
+                </a:solidFill>
+                <a:latin typeface="+mn-lt"/>
+                <a:ea typeface="+mn-ea"/>
+                <a:cs typeface="+mn-cs"/>
+              </a:rPr>
+              <a:t>ApplicationScoped</a:t>
+            </a:r>
+            <a:r>
+              <a:rPr lang="en-US" sz="1200" b="0" i="0" kern="1200" dirty="0" smtClean="0">
+                <a:solidFill>
+                  <a:schemeClr val="tx1"/>
+                </a:solidFill>
+                <a:latin typeface="+mn-lt"/>
+                <a:ea typeface="+mn-ea"/>
+                <a:cs typeface="+mn-cs"/>
+              </a:rPr>
+              <a:t>, JSF Conversation @</a:t>
+            </a:r>
+            <a:r>
+              <a:rPr lang="en-US" sz="1200" b="0" i="0" kern="1200" dirty="0" err="1" smtClean="0">
+                <a:solidFill>
+                  <a:schemeClr val="tx1"/>
+                </a:solidFill>
+                <a:latin typeface="+mn-lt"/>
+                <a:ea typeface="+mn-ea"/>
+                <a:cs typeface="+mn-cs"/>
+              </a:rPr>
+              <a:t>ConversationScoped</a:t>
+            </a:r>
+            <a:r>
+              <a:rPr lang="en-US" sz="1200" b="0" i="0" kern="1200" dirty="0" smtClean="0">
+                <a:solidFill>
+                  <a:schemeClr val="tx1"/>
+                </a:solidFill>
+                <a:latin typeface="+mn-lt"/>
+                <a:ea typeface="+mn-ea"/>
+                <a:cs typeface="+mn-cs"/>
+              </a:rPr>
+              <a:t>, or per your custom scope implementation).</a:t>
+            </a:r>
+          </a:p>
+          <a:p>
+            <a:r>
+              <a:rPr lang="en-US" sz="1200" b="0" i="0" kern="1200" dirty="0" smtClean="0">
+                <a:solidFill>
+                  <a:schemeClr val="tx1"/>
+                </a:solidFill>
+                <a:latin typeface="+mn-lt"/>
+                <a:ea typeface="+mn-ea"/>
+                <a:cs typeface="+mn-cs"/>
+              </a:rPr>
+              <a:t>In EJB the container looks also into a </a:t>
+            </a:r>
+            <a:r>
+              <a:rPr lang="en-US" sz="1200" b="0" i="0" kern="1200" dirty="0" err="1" smtClean="0">
+                <a:solidFill>
+                  <a:schemeClr val="tx1"/>
+                </a:solidFill>
+                <a:latin typeface="+mn-lt"/>
+                <a:ea typeface="+mn-ea"/>
+                <a:cs typeface="+mn-cs"/>
+              </a:rPr>
+              <a:t>hashmap</a:t>
+            </a:r>
+            <a:r>
+              <a:rPr lang="en-US" sz="1200" b="0" i="0" kern="1200" dirty="0" smtClean="0">
+                <a:solidFill>
+                  <a:schemeClr val="tx1"/>
+                </a:solidFill>
+                <a:latin typeface="+mn-lt"/>
+                <a:ea typeface="+mn-ea"/>
+                <a:cs typeface="+mn-cs"/>
+              </a:rPr>
+              <a:t> if the bean is of type @</a:t>
+            </a:r>
+            <a:r>
+              <a:rPr lang="en-US" sz="1200" b="0" i="0" kern="1200" dirty="0" err="1" smtClean="0">
+                <a:solidFill>
+                  <a:schemeClr val="tx1"/>
+                </a:solidFill>
+                <a:latin typeface="+mn-lt"/>
+                <a:ea typeface="+mn-ea"/>
+                <a:cs typeface="+mn-cs"/>
+              </a:rPr>
+              <a:t>Stateful</a:t>
+            </a:r>
+            <a:r>
+              <a:rPr lang="en-US" sz="1200" b="0" i="0" kern="1200" dirty="0" smtClean="0">
+                <a:solidFill>
+                  <a:schemeClr val="tx1"/>
+                </a:solidFill>
+                <a:latin typeface="+mn-lt"/>
+                <a:ea typeface="+mn-ea"/>
+                <a:cs typeface="+mn-cs"/>
+              </a:rPr>
+              <a:t>. An @</a:t>
+            </a:r>
+            <a:r>
+              <a:rPr lang="en-US" sz="1200" b="0" i="0" kern="1200" dirty="0" err="1" smtClean="0">
+                <a:solidFill>
+                  <a:schemeClr val="tx1"/>
+                </a:solidFill>
+                <a:latin typeface="+mn-lt"/>
+                <a:ea typeface="+mn-ea"/>
+                <a:cs typeface="+mn-cs"/>
+              </a:rPr>
+              <a:t>Stateful</a:t>
+            </a:r>
+            <a:r>
+              <a:rPr lang="en-US" sz="1200" b="0" i="0" kern="1200" dirty="0" smtClean="0">
+                <a:solidFill>
+                  <a:schemeClr val="tx1"/>
+                </a:solidFill>
+                <a:latin typeface="+mn-lt"/>
+                <a:ea typeface="+mn-ea"/>
+                <a:cs typeface="+mn-cs"/>
+              </a:rPr>
+              <a:t> bean can also use any of the above scope annotations causing it to live and die with all the other beans in the scope. In EJB @</a:t>
+            </a:r>
+            <a:r>
+              <a:rPr lang="en-US" sz="1200" b="0" i="0" kern="1200" dirty="0" err="1" smtClean="0">
+                <a:solidFill>
+                  <a:schemeClr val="tx1"/>
+                </a:solidFill>
+                <a:latin typeface="+mn-lt"/>
+                <a:ea typeface="+mn-ea"/>
+                <a:cs typeface="+mn-cs"/>
+              </a:rPr>
+              <a:t>Stateful</a:t>
+            </a:r>
+            <a:r>
+              <a:rPr lang="en-US" sz="1200" b="0" i="0" kern="1200" dirty="0" smtClean="0">
+                <a:solidFill>
+                  <a:schemeClr val="tx1"/>
+                </a:solidFill>
+                <a:latin typeface="+mn-lt"/>
+                <a:ea typeface="+mn-ea"/>
+                <a:cs typeface="+mn-cs"/>
+              </a:rPr>
+              <a:t> is essentially the "any scoped" bean. The @Stateless is basically an instance pool -- you get an instance from the pool for the duration of one invocation. The @</a:t>
+            </a:r>
+            <a:r>
+              <a:rPr lang="en-US" sz="1200" b="0" i="0" kern="1200" dirty="0" err="1" smtClean="0">
+                <a:solidFill>
+                  <a:schemeClr val="tx1"/>
+                </a:solidFill>
+                <a:latin typeface="+mn-lt"/>
+                <a:ea typeface="+mn-ea"/>
+                <a:cs typeface="+mn-cs"/>
+              </a:rPr>
+              <a:t>Singletonis</a:t>
+            </a:r>
+            <a:r>
+              <a:rPr lang="en-US" sz="1200" b="0" i="0" kern="1200" dirty="0" smtClean="0">
+                <a:solidFill>
+                  <a:schemeClr val="tx1"/>
+                </a:solidFill>
+                <a:latin typeface="+mn-lt"/>
+                <a:ea typeface="+mn-ea"/>
+                <a:cs typeface="+mn-cs"/>
+              </a:rPr>
+              <a:t> essentially @</a:t>
+            </a:r>
+            <a:r>
+              <a:rPr lang="en-US" sz="1200" b="0" i="0" kern="1200" dirty="0" err="1" smtClean="0">
+                <a:solidFill>
+                  <a:schemeClr val="tx1"/>
+                </a:solidFill>
+                <a:latin typeface="+mn-lt"/>
+                <a:ea typeface="+mn-ea"/>
+                <a:cs typeface="+mn-cs"/>
+              </a:rPr>
+              <a:t>ApplicationScoped</a:t>
+            </a:r>
+            <a:endParaRPr lang="en-US" sz="1200" b="0" i="0" kern="1200" dirty="0" smtClean="0">
+              <a:solidFill>
+                <a:schemeClr val="tx1"/>
+              </a:solidFill>
+              <a:latin typeface="+mn-lt"/>
+              <a:ea typeface="+mn-ea"/>
+              <a:cs typeface="+mn-cs"/>
+            </a:endParaRPr>
+          </a:p>
+          <a:p>
+            <a:r>
+              <a:rPr lang="en-US" sz="1200" b="0" i="0" kern="1200" dirty="0" smtClean="0">
+                <a:solidFill>
+                  <a:schemeClr val="tx1"/>
+                </a:solidFill>
+                <a:latin typeface="+mn-lt"/>
+                <a:ea typeface="+mn-ea"/>
+                <a:cs typeface="+mn-cs"/>
+              </a:rPr>
+              <a:t>So in a fundamental level, anything you can do with an "EJB" bean you should be able to do with a "CDI" bean. Under the covers it's awfully hard to tell them apart. All the plumbing is the same with the exception of how instances are resolved.</a:t>
+            </a:r>
+          </a:p>
+          <a:p>
+            <a:endParaRPr lang="en-US" sz="1200" b="0" i="0" kern="1200" dirty="0" smtClean="0">
+              <a:solidFill>
+                <a:schemeClr val="tx1"/>
+              </a:solidFill>
+              <a:latin typeface="+mn-lt"/>
+              <a:ea typeface="+mn-ea"/>
+              <a:cs typeface="+mn-cs"/>
+            </a:endParaRPr>
+          </a:p>
+          <a:p>
+            <a:r>
+              <a:rPr lang="en-US" sz="1200" b="0" i="0" kern="1200" dirty="0" smtClean="0">
+                <a:solidFill>
+                  <a:schemeClr val="tx1"/>
+                </a:solidFill>
+                <a:latin typeface="+mn-lt"/>
+                <a:ea typeface="+mn-ea"/>
+                <a:cs typeface="+mn-cs"/>
+              </a:rPr>
+              <a:t>CDI: injection, events, interceptor, decorators, lifecycle</a:t>
+            </a:r>
+            <a:r>
+              <a:rPr lang="en-US" sz="1200" b="0" i="0" kern="1200" baseline="0" dirty="0" smtClean="0">
+                <a:solidFill>
+                  <a:schemeClr val="tx1"/>
+                </a:solidFill>
+                <a:latin typeface="+mn-lt"/>
+                <a:ea typeface="+mn-ea"/>
+                <a:cs typeface="+mn-cs"/>
+              </a:rPr>
+              <a:t> tracking</a:t>
             </a:r>
             <a:br>
-              <a:rPr lang="en-US" dirty="0" smtClean="0"/>
+              <a:rPr lang="en-US" sz="1200" b="0" i="0" kern="1200" baseline="0" dirty="0" smtClean="0">
+                <a:solidFill>
+                  <a:schemeClr val="tx1"/>
+                </a:solidFill>
+                <a:latin typeface="+mn-lt"/>
+                <a:ea typeface="+mn-ea"/>
+                <a:cs typeface="+mn-cs"/>
+              </a:rPr>
             </a:br>
             <a:r>
-              <a:rPr lang="en-US" dirty="0" err="1" smtClean="0"/>
-              <a:t>Kort</a:t>
-            </a:r>
-            <a:r>
-              <a:rPr lang="en-US" dirty="0" smtClean="0"/>
-              <a:t> </a:t>
-            </a:r>
-            <a:r>
-              <a:rPr lang="en-US" dirty="0" err="1" smtClean="0"/>
-              <a:t>alle</a:t>
-            </a:r>
-            <a:r>
-              <a:rPr lang="en-US" dirty="0" smtClean="0"/>
-              <a:t> </a:t>
-            </a:r>
-            <a:r>
-              <a:rPr lang="en-US" dirty="0" err="1" smtClean="0"/>
-              <a:t>stappen</a:t>
-            </a:r>
-            <a:r>
-              <a:rPr lang="en-US" dirty="0" smtClean="0"/>
-              <a:t> </a:t>
-            </a:r>
-            <a:r>
-              <a:rPr lang="en-US" dirty="0" err="1" smtClean="0"/>
-              <a:t>doorlopen</a:t>
-            </a:r>
-            <a:r>
-              <a:rPr lang="en-US" dirty="0" smtClean="0"/>
-              <a:t> en de </a:t>
-            </a:r>
-            <a:r>
-              <a:rPr lang="en-US" dirty="0" err="1" smtClean="0"/>
-              <a:t>applicatie</a:t>
-            </a:r>
-            <a:r>
-              <a:rPr lang="en-US" dirty="0" smtClean="0"/>
-              <a:t> in </a:t>
-            </a:r>
-            <a:r>
-              <a:rPr lang="en-US" dirty="0" err="1" smtClean="0"/>
-              <a:t>actie</a:t>
-            </a:r>
-            <a:r>
-              <a:rPr lang="en-US" dirty="0" smtClean="0"/>
-              <a:t> </a:t>
-            </a:r>
-            <a:r>
-              <a:rPr lang="en-US" dirty="0" err="1" smtClean="0"/>
-              <a:t>zien</a:t>
-            </a:r>
-            <a:endParaRPr lang="nl-NL" sz="1200" baseline="0" dirty="0"/>
-          </a:p>
-        </p:txBody>
-      </p:sp>
-      <p:sp>
-        <p:nvSpPr>
-          <p:cNvPr id="4" name="Tijdelijke aanduiding voor dianummer 3"/>
+              <a:rPr lang="en-US" sz="1200" b="0" i="0" kern="1200" baseline="0" dirty="0" smtClean="0">
+                <a:solidFill>
+                  <a:schemeClr val="tx1"/>
+                </a:solidFill>
+                <a:latin typeface="+mn-lt"/>
+                <a:ea typeface="+mn-ea"/>
+                <a:cs typeface="+mn-cs"/>
+              </a:rPr>
+              <a:t>EJB: @</a:t>
+            </a:r>
+            <a:r>
+              <a:rPr lang="en-US" sz="1200" b="0" i="0" kern="1200" baseline="0" dirty="0" err="1" smtClean="0">
+                <a:solidFill>
+                  <a:schemeClr val="tx1"/>
+                </a:solidFill>
+                <a:latin typeface="+mn-lt"/>
+                <a:ea typeface="+mn-ea"/>
+                <a:cs typeface="+mn-cs"/>
+              </a:rPr>
+              <a:t>WebService</a:t>
+            </a:r>
+            <a:r>
+              <a:rPr lang="en-US" sz="1200" b="0" i="0" kern="1200" baseline="0" dirty="0" smtClean="0">
+                <a:solidFill>
+                  <a:schemeClr val="tx1"/>
+                </a:solidFill>
+                <a:latin typeface="+mn-lt"/>
+                <a:ea typeface="+mn-ea"/>
+                <a:cs typeface="+mn-cs"/>
+              </a:rPr>
+              <a:t>, @Path, @Startup, @Asynchronous, </a:t>
+            </a:r>
+            <a:endParaRPr lang="en-US" sz="1200" b="0" i="0" kern="1200" dirty="0">
+              <a:solidFill>
+                <a:schemeClr val="tx1"/>
+              </a:solidFill>
+              <a:latin typeface="+mn-lt"/>
+              <a:ea typeface="+mn-ea"/>
+              <a:cs typeface="+mn-cs"/>
+            </a:endParaRPr>
+          </a:p>
+        </p:txBody>
+      </p:sp>
+      <p:sp>
+        <p:nvSpPr>
+          <p:cNvPr id="4" name="Slide Number Placeholder 3"/>
           <p:cNvSpPr>
             <a:spLocks noGrp="1"/>
           </p:cNvSpPr>
@@ -3217,11 +3818,6 @@
         </p:txBody>
       </p:sp>
     </p:spTree>
-    <p:extLst>
-      <p:ext uri="{BB962C8B-B14F-4D97-AF65-F5344CB8AC3E}">
-        <p14:creationId xmlns="" xmlns:p14="http://schemas.microsoft.com/office/powerpoint/2010/main" val="1611590157"/>
-      </p:ext>
-    </p:extLst>
   </p:cSld>
   <p:clrMapOvr>
     <a:masterClrMapping/>
@@ -3248,7 +3844,7 @@
       </p:grpSpPr>
       <p:sp>
         <p:nvSpPr>
-          <p:cNvPr id="2" name="Slide Image Placeholder 1"/>
+          <p:cNvPr id="2" name="Tijdelijke aanduiding voor dia-afbeelding 1"/>
           <p:cNvSpPr>
             <a:spLocks noGrp="1" noRot="1" noChangeAspect="1"/>
           </p:cNvSpPr>
@@ -3260,7 +3856,7 @@
       </p:sp>
       <p:sp>
         <p:nvSpPr>
-          <p:cNvPr id="3" name="Notes Placeholder 2"/>
+          <p:cNvPr id="3" name="Tijdelijke aanduiding voor notities 2"/>
           <p:cNvSpPr>
             <a:spLocks noGrp="1"/>
           </p:cNvSpPr>
@@ -3270,391 +3866,16 @@
         </p:nvSpPr>
         <p:spPr/>
         <p:txBody>
-          <a:bodyPr>
-            <a:normAutofit/>
-          </a:bodyPr>
-          <a:lstStyle/>
-          <a:p>
-            <a:r>
-              <a:rPr lang="en-US" sz="1200" b="0" i="0" kern="1200" dirty="0" smtClean="0">
-                <a:solidFill>
-                  <a:schemeClr val="tx1"/>
-                </a:solidFill>
-                <a:latin typeface="+mn-lt"/>
-                <a:ea typeface="+mn-ea"/>
-                <a:cs typeface="+mn-cs"/>
-              </a:rPr>
-              <a:t>The difference only comes in how the object to be invoked is resolved. By "resolved" we simply mean, where and how the container looks for the real instance to invoke.</a:t>
-            </a:r>
-          </a:p>
-          <a:p>
-            <a:r>
-              <a:rPr lang="en-US" sz="1200" b="0" i="0" kern="1200" dirty="0" smtClean="0">
-                <a:solidFill>
-                  <a:schemeClr val="tx1"/>
-                </a:solidFill>
-                <a:latin typeface="+mn-lt"/>
-                <a:ea typeface="+mn-ea"/>
-                <a:cs typeface="+mn-cs"/>
-              </a:rPr>
-              <a:t>In CDI the container looks in a "scope", which will basically be a </a:t>
-            </a:r>
-            <a:r>
-              <a:rPr lang="en-US" sz="1200" b="0" i="0" kern="1200" dirty="0" err="1" smtClean="0">
-                <a:solidFill>
-                  <a:schemeClr val="tx1"/>
-                </a:solidFill>
-                <a:latin typeface="+mn-lt"/>
-                <a:ea typeface="+mn-ea"/>
-                <a:cs typeface="+mn-cs"/>
-              </a:rPr>
-              <a:t>hashmap</a:t>
-            </a:r>
-            <a:r>
-              <a:rPr lang="en-US" sz="1200" b="0" i="0" kern="1200" dirty="0" smtClean="0">
-                <a:solidFill>
-                  <a:schemeClr val="tx1"/>
-                </a:solidFill>
-                <a:latin typeface="+mn-lt"/>
-                <a:ea typeface="+mn-ea"/>
-                <a:cs typeface="+mn-cs"/>
-              </a:rPr>
-              <a:t> that lives for a specific period of time (per request @</a:t>
-            </a:r>
-            <a:r>
-              <a:rPr lang="en-US" sz="1200" b="0" i="0" kern="1200" dirty="0" err="1" smtClean="0">
-                <a:solidFill>
-                  <a:schemeClr val="tx1"/>
-                </a:solidFill>
-                <a:latin typeface="+mn-lt"/>
-                <a:ea typeface="+mn-ea"/>
-                <a:cs typeface="+mn-cs"/>
-              </a:rPr>
-              <a:t>RequestScoped</a:t>
-            </a:r>
-            <a:r>
-              <a:rPr lang="en-US" sz="1200" b="0" i="0" kern="1200" dirty="0" smtClean="0">
-                <a:solidFill>
-                  <a:schemeClr val="tx1"/>
-                </a:solidFill>
-                <a:latin typeface="+mn-lt"/>
-                <a:ea typeface="+mn-ea"/>
-                <a:cs typeface="+mn-cs"/>
-              </a:rPr>
-              <a:t>, per HTTP Session @</a:t>
-            </a:r>
-            <a:r>
-              <a:rPr lang="en-US" sz="1200" b="0" i="0" kern="1200" dirty="0" err="1" smtClean="0">
-                <a:solidFill>
-                  <a:schemeClr val="tx1"/>
-                </a:solidFill>
-                <a:latin typeface="+mn-lt"/>
-                <a:ea typeface="+mn-ea"/>
-                <a:cs typeface="+mn-cs"/>
-              </a:rPr>
-              <a:t>SessionScoped</a:t>
-            </a:r>
-            <a:r>
-              <a:rPr lang="en-US" sz="1200" b="0" i="0" kern="1200" dirty="0" smtClean="0">
-                <a:solidFill>
-                  <a:schemeClr val="tx1"/>
-                </a:solidFill>
-                <a:latin typeface="+mn-lt"/>
-                <a:ea typeface="+mn-ea"/>
-                <a:cs typeface="+mn-cs"/>
-              </a:rPr>
-              <a:t>, per application @</a:t>
-            </a:r>
-            <a:r>
-              <a:rPr lang="en-US" sz="1200" b="0" i="0" kern="1200" dirty="0" err="1" smtClean="0">
-                <a:solidFill>
-                  <a:schemeClr val="tx1"/>
-                </a:solidFill>
-                <a:latin typeface="+mn-lt"/>
-                <a:ea typeface="+mn-ea"/>
-                <a:cs typeface="+mn-cs"/>
-              </a:rPr>
-              <a:t>ApplicationScoped</a:t>
-            </a:r>
-            <a:r>
-              <a:rPr lang="en-US" sz="1200" b="0" i="0" kern="1200" dirty="0" smtClean="0">
-                <a:solidFill>
-                  <a:schemeClr val="tx1"/>
-                </a:solidFill>
-                <a:latin typeface="+mn-lt"/>
-                <a:ea typeface="+mn-ea"/>
-                <a:cs typeface="+mn-cs"/>
-              </a:rPr>
-              <a:t>, JSF Conversation @</a:t>
-            </a:r>
-            <a:r>
-              <a:rPr lang="en-US" sz="1200" b="0" i="0" kern="1200" dirty="0" err="1" smtClean="0">
-                <a:solidFill>
-                  <a:schemeClr val="tx1"/>
-                </a:solidFill>
-                <a:latin typeface="+mn-lt"/>
-                <a:ea typeface="+mn-ea"/>
-                <a:cs typeface="+mn-cs"/>
-              </a:rPr>
-              <a:t>ConversationScoped</a:t>
-            </a:r>
-            <a:r>
-              <a:rPr lang="en-US" sz="1200" b="0" i="0" kern="1200" dirty="0" smtClean="0">
-                <a:solidFill>
-                  <a:schemeClr val="tx1"/>
-                </a:solidFill>
-                <a:latin typeface="+mn-lt"/>
-                <a:ea typeface="+mn-ea"/>
-                <a:cs typeface="+mn-cs"/>
-              </a:rPr>
-              <a:t>, or per your custom scope implementation).</a:t>
-            </a:r>
-          </a:p>
-          <a:p>
-            <a:r>
-              <a:rPr lang="en-US" sz="1200" b="0" i="0" kern="1200" dirty="0" smtClean="0">
-                <a:solidFill>
-                  <a:schemeClr val="tx1"/>
-                </a:solidFill>
-                <a:latin typeface="+mn-lt"/>
-                <a:ea typeface="+mn-ea"/>
-                <a:cs typeface="+mn-cs"/>
-              </a:rPr>
-              <a:t>In EJB the container looks also into a </a:t>
-            </a:r>
-            <a:r>
-              <a:rPr lang="en-US" sz="1200" b="0" i="0" kern="1200" dirty="0" err="1" smtClean="0">
-                <a:solidFill>
-                  <a:schemeClr val="tx1"/>
-                </a:solidFill>
-                <a:latin typeface="+mn-lt"/>
-                <a:ea typeface="+mn-ea"/>
-                <a:cs typeface="+mn-cs"/>
-              </a:rPr>
-              <a:t>hashmap</a:t>
-            </a:r>
-            <a:r>
-              <a:rPr lang="en-US" sz="1200" b="0" i="0" kern="1200" dirty="0" smtClean="0">
-                <a:solidFill>
-                  <a:schemeClr val="tx1"/>
-                </a:solidFill>
-                <a:latin typeface="+mn-lt"/>
-                <a:ea typeface="+mn-ea"/>
-                <a:cs typeface="+mn-cs"/>
-              </a:rPr>
-              <a:t> if the bean is of type @</a:t>
-            </a:r>
-            <a:r>
-              <a:rPr lang="en-US" sz="1200" b="0" i="0" kern="1200" dirty="0" err="1" smtClean="0">
-                <a:solidFill>
-                  <a:schemeClr val="tx1"/>
-                </a:solidFill>
-                <a:latin typeface="+mn-lt"/>
-                <a:ea typeface="+mn-ea"/>
-                <a:cs typeface="+mn-cs"/>
-              </a:rPr>
-              <a:t>Stateful</a:t>
-            </a:r>
-            <a:r>
-              <a:rPr lang="en-US" sz="1200" b="0" i="0" kern="1200" dirty="0" smtClean="0">
-                <a:solidFill>
-                  <a:schemeClr val="tx1"/>
-                </a:solidFill>
-                <a:latin typeface="+mn-lt"/>
-                <a:ea typeface="+mn-ea"/>
-                <a:cs typeface="+mn-cs"/>
-              </a:rPr>
-              <a:t>. An @</a:t>
-            </a:r>
-            <a:r>
-              <a:rPr lang="en-US" sz="1200" b="0" i="0" kern="1200" dirty="0" err="1" smtClean="0">
-                <a:solidFill>
-                  <a:schemeClr val="tx1"/>
-                </a:solidFill>
-                <a:latin typeface="+mn-lt"/>
-                <a:ea typeface="+mn-ea"/>
-                <a:cs typeface="+mn-cs"/>
-              </a:rPr>
-              <a:t>Stateful</a:t>
-            </a:r>
-            <a:r>
-              <a:rPr lang="en-US" sz="1200" b="0" i="0" kern="1200" dirty="0" smtClean="0">
-                <a:solidFill>
-                  <a:schemeClr val="tx1"/>
-                </a:solidFill>
-                <a:latin typeface="+mn-lt"/>
-                <a:ea typeface="+mn-ea"/>
-                <a:cs typeface="+mn-cs"/>
-              </a:rPr>
-              <a:t> bean can also use any of the above scope annotations causing it to live and die with all the other beans in the scope. In EJB @</a:t>
-            </a:r>
-            <a:r>
-              <a:rPr lang="en-US" sz="1200" b="0" i="0" kern="1200" dirty="0" err="1" smtClean="0">
-                <a:solidFill>
-                  <a:schemeClr val="tx1"/>
-                </a:solidFill>
-                <a:latin typeface="+mn-lt"/>
-                <a:ea typeface="+mn-ea"/>
-                <a:cs typeface="+mn-cs"/>
-              </a:rPr>
-              <a:t>Stateful</a:t>
-            </a:r>
-            <a:r>
-              <a:rPr lang="en-US" sz="1200" b="0" i="0" kern="1200" dirty="0" smtClean="0">
-                <a:solidFill>
-                  <a:schemeClr val="tx1"/>
-                </a:solidFill>
-                <a:latin typeface="+mn-lt"/>
-                <a:ea typeface="+mn-ea"/>
-                <a:cs typeface="+mn-cs"/>
-              </a:rPr>
-              <a:t> is essentially the "any scoped" bean. The @Stateless is basically an instance pool -- you get an instance from the pool for the duration of one invocation. The @</a:t>
-            </a:r>
-            <a:r>
-              <a:rPr lang="en-US" sz="1200" b="0" i="0" kern="1200" dirty="0" err="1" smtClean="0">
-                <a:solidFill>
-                  <a:schemeClr val="tx1"/>
-                </a:solidFill>
-                <a:latin typeface="+mn-lt"/>
-                <a:ea typeface="+mn-ea"/>
-                <a:cs typeface="+mn-cs"/>
-              </a:rPr>
-              <a:t>Singletonis</a:t>
-            </a:r>
-            <a:r>
-              <a:rPr lang="en-US" sz="1200" b="0" i="0" kern="1200" dirty="0" smtClean="0">
-                <a:solidFill>
-                  <a:schemeClr val="tx1"/>
-                </a:solidFill>
-                <a:latin typeface="+mn-lt"/>
-                <a:ea typeface="+mn-ea"/>
-                <a:cs typeface="+mn-cs"/>
-              </a:rPr>
-              <a:t> essentially @</a:t>
-            </a:r>
-            <a:r>
-              <a:rPr lang="en-US" sz="1200" b="0" i="0" kern="1200" dirty="0" err="1" smtClean="0">
-                <a:solidFill>
-                  <a:schemeClr val="tx1"/>
-                </a:solidFill>
-                <a:latin typeface="+mn-lt"/>
-                <a:ea typeface="+mn-ea"/>
-                <a:cs typeface="+mn-cs"/>
-              </a:rPr>
-              <a:t>ApplicationScoped</a:t>
-            </a:r>
-            <a:endParaRPr lang="en-US" sz="1200" b="0" i="0" kern="1200" dirty="0" smtClean="0">
-              <a:solidFill>
-                <a:schemeClr val="tx1"/>
-              </a:solidFill>
-              <a:latin typeface="+mn-lt"/>
-              <a:ea typeface="+mn-ea"/>
-              <a:cs typeface="+mn-cs"/>
-            </a:endParaRPr>
-          </a:p>
-          <a:p>
-            <a:r>
-              <a:rPr lang="en-US" sz="1200" b="0" i="0" kern="1200" dirty="0" smtClean="0">
-                <a:solidFill>
-                  <a:schemeClr val="tx1"/>
-                </a:solidFill>
-                <a:latin typeface="+mn-lt"/>
-                <a:ea typeface="+mn-ea"/>
-                <a:cs typeface="+mn-cs"/>
-              </a:rPr>
-              <a:t>So in a fundamental level, anything you can do with an "EJB" bean you should be able to do with a "CDI" bean. Under the covers it's awfully hard to tell them apart. All the plumbing is the same with the exception of how instances are resolved.</a:t>
-            </a:r>
-          </a:p>
-          <a:p>
-            <a:endParaRPr lang="en-US" sz="1200" b="0" i="0" kern="1200" dirty="0" smtClean="0">
-              <a:solidFill>
-                <a:schemeClr val="tx1"/>
-              </a:solidFill>
-              <a:latin typeface="+mn-lt"/>
-              <a:ea typeface="+mn-ea"/>
-              <a:cs typeface="+mn-cs"/>
-            </a:endParaRPr>
-          </a:p>
-          <a:p>
-            <a:r>
-              <a:rPr lang="en-US" sz="1200" b="0" i="0" kern="1200" dirty="0" smtClean="0">
-                <a:solidFill>
-                  <a:schemeClr val="tx1"/>
-                </a:solidFill>
-                <a:latin typeface="+mn-lt"/>
-                <a:ea typeface="+mn-ea"/>
-                <a:cs typeface="+mn-cs"/>
-              </a:rPr>
-              <a:t>CDI: injection, events, interceptor, decorators, lifecycle</a:t>
-            </a:r>
-            <a:r>
-              <a:rPr lang="en-US" sz="1200" b="0" i="0" kern="1200" baseline="0" dirty="0" smtClean="0">
-                <a:solidFill>
-                  <a:schemeClr val="tx1"/>
-                </a:solidFill>
-                <a:latin typeface="+mn-lt"/>
-                <a:ea typeface="+mn-ea"/>
-                <a:cs typeface="+mn-cs"/>
-              </a:rPr>
-              <a:t> tracking</a:t>
-            </a:r>
-            <a:br>
-              <a:rPr lang="en-US" sz="1200" b="0" i="0" kern="1200" baseline="0" dirty="0" smtClean="0">
-                <a:solidFill>
-                  <a:schemeClr val="tx1"/>
-                </a:solidFill>
-                <a:latin typeface="+mn-lt"/>
-                <a:ea typeface="+mn-ea"/>
-                <a:cs typeface="+mn-cs"/>
-              </a:rPr>
-            </a:br>
-            <a:r>
-              <a:rPr lang="en-US" sz="1200" b="0" i="0" kern="1200" baseline="0" dirty="0" smtClean="0">
-                <a:solidFill>
-                  <a:schemeClr val="tx1"/>
-                </a:solidFill>
-                <a:latin typeface="+mn-lt"/>
-                <a:ea typeface="+mn-ea"/>
-                <a:cs typeface="+mn-cs"/>
-              </a:rPr>
-              <a:t>EJB: @</a:t>
-            </a:r>
-            <a:r>
-              <a:rPr lang="en-US" sz="1200" b="0" i="0" kern="1200" baseline="0" dirty="0" err="1" smtClean="0">
-                <a:solidFill>
-                  <a:schemeClr val="tx1"/>
-                </a:solidFill>
-                <a:latin typeface="+mn-lt"/>
-                <a:ea typeface="+mn-ea"/>
-                <a:cs typeface="+mn-cs"/>
-              </a:rPr>
-              <a:t>WebService</a:t>
-            </a:r>
-            <a:r>
-              <a:rPr lang="en-US" sz="1200" b="0" i="0" kern="1200" baseline="0" dirty="0" smtClean="0">
-                <a:solidFill>
-                  <a:schemeClr val="tx1"/>
-                </a:solidFill>
-                <a:latin typeface="+mn-lt"/>
-                <a:ea typeface="+mn-ea"/>
-                <a:cs typeface="+mn-cs"/>
-              </a:rPr>
-              <a:t>, @Path, @Startup, @Asynchronous, </a:t>
-            </a:r>
-            <a:endParaRPr lang="en-US" sz="1200" b="0" i="0" kern="1200" dirty="0">
-              <a:solidFill>
-                <a:schemeClr val="tx1"/>
-              </a:solidFill>
-              <a:latin typeface="+mn-lt"/>
-              <a:ea typeface="+mn-ea"/>
-              <a:cs typeface="+mn-cs"/>
-            </a:endParaRPr>
-          </a:p>
-        </p:txBody>
-      </p:sp>
-      <p:sp>
-        <p:nvSpPr>
-          <p:cNvPr id="4" name="Slide Number Placeholder 3"/>
+          <a:bodyPr/>
+          <a:lstStyle/>
+          <a:p>
+            <a:endParaRPr lang="nl-NL" sz="1200" baseline="0" dirty="0"/>
+          </a:p>
+        </p:txBody>
+      </p:sp>
+      <p:sp>
+        <p:nvSpPr>
+          <p:cNvPr id="4" name="Tijdelijke aanduiding voor dianummer 3"/>
           <p:cNvSpPr>
             <a:spLocks noGrp="1"/>
           </p:cNvSpPr>
@@ -3677,6 +3898,11 @@
         </p:txBody>
       </p:sp>
     </p:spTree>
+    <p:extLst>
+      <p:ext uri="{BB962C8B-B14F-4D97-AF65-F5344CB8AC3E}">
+        <p14:creationId xmlns:p14="http://schemas.microsoft.com/office/powerpoint/2010/main" val="1611590157"/>
+      </p:ext>
+    </p:extLst>
   </p:cSld>
   <p:clrMapOvr>
     <a:masterClrMapping/>
@@ -3837,237 +4063,6 @@
           <a:bodyPr/>
           <a:lstStyle/>
           <a:p>
-            <a:r>
-              <a:rPr lang="nl-NL" sz="1200" u="sng" kern="1200" dirty="0" smtClean="0">
-                <a:solidFill>
-                  <a:schemeClr val="tx1"/>
-                </a:solidFill>
-                <a:latin typeface="+mn-lt"/>
-                <a:ea typeface="+mn-ea"/>
-                <a:cs typeface="+mn-cs"/>
-              </a:rPr>
-              <a:t>Wat is het?</a:t>
-            </a:r>
-            <a:endParaRPr lang="nl-NL" sz="1200" kern="1200" dirty="0" smtClean="0">
-              <a:solidFill>
-                <a:schemeClr val="tx1"/>
-              </a:solidFill>
-              <a:latin typeface="+mn-lt"/>
-              <a:ea typeface="+mn-ea"/>
-              <a:cs typeface="+mn-cs"/>
-            </a:endParaRPr>
-          </a:p>
-          <a:p>
-            <a:r>
-              <a:rPr lang="nl-NL" sz="1200" kern="1200" dirty="0" smtClean="0">
-                <a:solidFill>
-                  <a:schemeClr val="tx1"/>
-                </a:solidFill>
-                <a:latin typeface="+mn-lt"/>
-                <a:ea typeface="+mn-ea"/>
-                <a:cs typeface="+mn-cs"/>
-              </a:rPr>
-              <a:t>Klassieke DI (</a:t>
-            </a:r>
-            <a:r>
-              <a:rPr lang="nl-NL" sz="1200" kern="1200" dirty="0" err="1" smtClean="0">
-                <a:solidFill>
-                  <a:schemeClr val="tx1"/>
-                </a:solidFill>
-                <a:latin typeface="+mn-lt"/>
-                <a:ea typeface="+mn-ea"/>
-                <a:cs typeface="+mn-cs"/>
-              </a:rPr>
-              <a:t>Dependency</a:t>
-            </a:r>
-            <a:r>
-              <a:rPr lang="nl-NL" sz="1200" kern="1200" dirty="0" smtClean="0">
-                <a:solidFill>
-                  <a:schemeClr val="tx1"/>
-                </a:solidFill>
-                <a:latin typeface="+mn-lt"/>
-                <a:ea typeface="+mn-ea"/>
-                <a:cs typeface="+mn-cs"/>
-              </a:rPr>
-              <a:t> </a:t>
-            </a:r>
-            <a:r>
-              <a:rPr lang="nl-NL" sz="1200" kern="1200" dirty="0" err="1" smtClean="0">
-                <a:solidFill>
-                  <a:schemeClr val="tx1"/>
-                </a:solidFill>
-                <a:latin typeface="+mn-lt"/>
-                <a:ea typeface="+mn-ea"/>
-                <a:cs typeface="+mn-cs"/>
-              </a:rPr>
-              <a:t>Injection</a:t>
-            </a:r>
-            <a:r>
-              <a:rPr lang="nl-NL" sz="1200" kern="1200" dirty="0" smtClean="0">
-                <a:solidFill>
-                  <a:schemeClr val="tx1"/>
-                </a:solidFill>
-                <a:latin typeface="+mn-lt"/>
-                <a:ea typeface="+mn-ea"/>
-                <a:cs typeface="+mn-cs"/>
-              </a:rPr>
-              <a:t> ook wel EBJ) was beperkt. En daarom is er vanaf Java EE 6, CDI toegevoegd. CDI is meer flexibel DI en er is niet per se een applicatie server nodig om het te laten werken.</a:t>
-            </a:r>
-            <a:br>
-              <a:rPr lang="nl-NL" sz="1200" kern="1200" dirty="0" smtClean="0">
-                <a:solidFill>
-                  <a:schemeClr val="tx1"/>
-                </a:solidFill>
-                <a:latin typeface="+mn-lt"/>
-                <a:ea typeface="+mn-ea"/>
-                <a:cs typeface="+mn-cs"/>
-              </a:rPr>
-            </a:br>
-            <a:r>
-              <a:rPr lang="nl-NL" sz="1200" kern="1200" dirty="0" smtClean="0">
-                <a:solidFill>
-                  <a:schemeClr val="tx1"/>
-                </a:solidFill>
-                <a:latin typeface="+mn-lt"/>
-                <a:ea typeface="+mn-ea"/>
-                <a:cs typeface="+mn-cs"/>
-              </a:rPr>
-              <a:t>In </a:t>
-            </a:r>
-            <a:r>
-              <a:rPr lang="nl-NL" sz="1200" kern="1200" dirty="0" err="1" smtClean="0">
-                <a:solidFill>
-                  <a:schemeClr val="tx1"/>
-                </a:solidFill>
-                <a:latin typeface="+mn-lt"/>
-                <a:ea typeface="+mn-ea"/>
-                <a:cs typeface="+mn-cs"/>
-              </a:rPr>
-              <a:t>lib</a:t>
-            </a:r>
-            <a:r>
-              <a:rPr lang="nl-NL" sz="1200" kern="1200" dirty="0" smtClean="0">
-                <a:solidFill>
-                  <a:schemeClr val="tx1"/>
-                </a:solidFill>
-                <a:latin typeface="+mn-lt"/>
-                <a:ea typeface="+mn-ea"/>
-                <a:cs typeface="+mn-cs"/>
-              </a:rPr>
-              <a:t> folder moet je </a:t>
-            </a:r>
-            <a:r>
-              <a:rPr lang="nl-NL" sz="1200" kern="1200" dirty="0" err="1" smtClean="0">
-                <a:solidFill>
-                  <a:schemeClr val="tx1"/>
-                </a:solidFill>
-                <a:latin typeface="+mn-lt"/>
-                <a:ea typeface="+mn-ea"/>
-                <a:cs typeface="+mn-cs"/>
-              </a:rPr>
-              <a:t>weld-se.jar</a:t>
-            </a:r>
-            <a:r>
-              <a:rPr lang="nl-NL" sz="1200" kern="1200" dirty="0" smtClean="0">
-                <a:solidFill>
-                  <a:schemeClr val="tx1"/>
-                </a:solidFill>
-                <a:latin typeface="+mn-lt"/>
-                <a:ea typeface="+mn-ea"/>
-                <a:cs typeface="+mn-cs"/>
-              </a:rPr>
-              <a:t> opnemen, </a:t>
-            </a:r>
-            <a:r>
-              <a:rPr lang="nl-NL" sz="1200" kern="1200" dirty="0" err="1" smtClean="0">
-                <a:solidFill>
-                  <a:schemeClr val="tx1"/>
-                </a:solidFill>
-                <a:latin typeface="+mn-lt"/>
-                <a:ea typeface="+mn-ea"/>
-                <a:cs typeface="+mn-cs"/>
-              </a:rPr>
-              <a:t>weld</a:t>
-            </a:r>
-            <a:r>
-              <a:rPr lang="nl-NL" sz="1200" kern="1200" dirty="0" smtClean="0">
-                <a:solidFill>
-                  <a:schemeClr val="tx1"/>
-                </a:solidFill>
-                <a:latin typeface="+mn-lt"/>
-                <a:ea typeface="+mn-ea"/>
-                <a:cs typeface="+mn-cs"/>
-              </a:rPr>
-              <a:t> is een </a:t>
-            </a:r>
-            <a:r>
-              <a:rPr lang="nl-NL" sz="1200" kern="1200" dirty="0" err="1" smtClean="0">
-                <a:solidFill>
-                  <a:schemeClr val="tx1"/>
-                </a:solidFill>
-                <a:latin typeface="+mn-lt"/>
-                <a:ea typeface="+mn-ea"/>
-                <a:cs typeface="+mn-cs"/>
-              </a:rPr>
-              <a:t>library</a:t>
-            </a:r>
-            <a:r>
-              <a:rPr lang="nl-NL" sz="1200" kern="1200" dirty="0" smtClean="0">
-                <a:solidFill>
-                  <a:schemeClr val="tx1"/>
-                </a:solidFill>
-                <a:latin typeface="+mn-lt"/>
-                <a:ea typeface="+mn-ea"/>
-                <a:cs typeface="+mn-cs"/>
-              </a:rPr>
-              <a:t> die de </a:t>
-            </a:r>
-            <a:r>
-              <a:rPr lang="nl-NL" sz="1200" kern="1200" dirty="0" err="1" smtClean="0">
-                <a:solidFill>
-                  <a:schemeClr val="tx1"/>
-                </a:solidFill>
-                <a:latin typeface="+mn-lt"/>
-                <a:ea typeface="+mn-ea"/>
-                <a:cs typeface="+mn-cs"/>
-              </a:rPr>
-              <a:t>reference</a:t>
-            </a:r>
-            <a:r>
-              <a:rPr lang="nl-NL" sz="1200" kern="1200" dirty="0" smtClean="0">
-                <a:solidFill>
-                  <a:schemeClr val="tx1"/>
-                </a:solidFill>
-                <a:latin typeface="+mn-lt"/>
-                <a:ea typeface="+mn-ea"/>
-                <a:cs typeface="+mn-cs"/>
-              </a:rPr>
-              <a:t> </a:t>
-            </a:r>
-            <a:r>
-              <a:rPr lang="nl-NL" sz="1200" kern="1200" dirty="0" err="1" smtClean="0">
-                <a:solidFill>
-                  <a:schemeClr val="tx1"/>
-                </a:solidFill>
-                <a:latin typeface="+mn-lt"/>
-                <a:ea typeface="+mn-ea"/>
-                <a:cs typeface="+mn-cs"/>
-              </a:rPr>
-              <a:t>implementation</a:t>
-            </a:r>
-            <a:r>
-              <a:rPr lang="nl-NL" sz="1200" kern="1200" dirty="0" smtClean="0">
-                <a:solidFill>
-                  <a:schemeClr val="tx1"/>
-                </a:solidFill>
-                <a:latin typeface="+mn-lt"/>
-                <a:ea typeface="+mn-ea"/>
-                <a:cs typeface="+mn-cs"/>
-              </a:rPr>
-              <a:t> geeft voor CDI.</a:t>
-            </a:r>
-          </a:p>
-          <a:p>
             <a:endParaRPr lang="nl-NL" sz="1200" baseline="0" dirty="0"/>
           </a:p>
         </p:txBody>
@@ -4099,7 +4094,7 @@
     </p:spTree>
     <p:extLst>
       <p:ext uri="{BB962C8B-B14F-4D97-AF65-F5344CB8AC3E}">
-        <p14:creationId xmlns="" xmlns:p14="http://schemas.microsoft.com/office/powerpoint/2010/main" val="1611590157"/>
+        <p14:creationId xmlns:p14="http://schemas.microsoft.com/office/powerpoint/2010/main" val="1611590157"/>
       </p:ext>
     </p:extLst>
   </p:cSld>
@@ -4153,6 +4148,158 @@
           <a:bodyPr/>
           <a:lstStyle/>
           <a:p>
+            <a:r>
+              <a:rPr lang="en-US" sz="1200" b="0" i="0" kern="1200" dirty="0" smtClean="0">
+                <a:solidFill>
+                  <a:schemeClr val="tx1"/>
+                </a:solidFill>
+                <a:latin typeface="+mn-lt"/>
+                <a:ea typeface="+mn-ea"/>
+                <a:cs typeface="+mn-cs"/>
+              </a:rPr>
+              <a:t>The concept of injection has been part of Java technology for some time. Since the Java EE 5 platform was introduced, annotations have made it possible to inject resources and some other kinds of objects into container-managed objects. CDI makes it possible to inject more kinds of objects and to inject them into objects that are not container-managed.</a:t>
+            </a:r>
+          </a:p>
+          <a:p>
+            <a:r>
+              <a:rPr lang="en-US" sz="1200" b="0" i="0" kern="1200" dirty="0" smtClean="0">
+                <a:solidFill>
+                  <a:schemeClr val="tx1"/>
+                </a:solidFill>
+                <a:latin typeface="+mn-lt"/>
+                <a:ea typeface="+mn-ea"/>
+                <a:cs typeface="+mn-cs"/>
+              </a:rPr>
+              <a:t>The following kinds of objects can be injected:</a:t>
+            </a:r>
+          </a:p>
+          <a:p>
+            <a:r>
+              <a:rPr lang="en-US" sz="1200" b="0" i="0" kern="1200" dirty="0" smtClean="0">
+                <a:solidFill>
+                  <a:schemeClr val="tx1"/>
+                </a:solidFill>
+                <a:latin typeface="+mn-lt"/>
+                <a:ea typeface="+mn-ea"/>
+                <a:cs typeface="+mn-cs"/>
+              </a:rPr>
+              <a:t>(Almost) any Java class</a:t>
+            </a:r>
+          </a:p>
+          <a:p>
+            <a:r>
+              <a:rPr lang="en-US" sz="1200" b="0" i="0" kern="1200" dirty="0" smtClean="0">
+                <a:solidFill>
+                  <a:schemeClr val="tx1"/>
+                </a:solidFill>
+                <a:latin typeface="+mn-lt"/>
+                <a:ea typeface="+mn-ea"/>
+                <a:cs typeface="+mn-cs"/>
+              </a:rPr>
+              <a:t>Session beans</a:t>
+            </a:r>
+          </a:p>
+          <a:p>
+            <a:r>
+              <a:rPr lang="en-US" sz="1200" b="0" i="0" kern="1200" dirty="0" smtClean="0">
+                <a:solidFill>
+                  <a:schemeClr val="tx1"/>
+                </a:solidFill>
+                <a:latin typeface="+mn-lt"/>
+                <a:ea typeface="+mn-ea"/>
+                <a:cs typeface="+mn-cs"/>
+              </a:rPr>
+              <a:t>Java EE resources: data sources, Java Message Service topics, queues, connection factories, and the like</a:t>
+            </a:r>
+          </a:p>
+          <a:p>
+            <a:r>
+              <a:rPr lang="en-US" sz="1200" b="0" i="0" kern="1200" dirty="0" smtClean="0">
+                <a:solidFill>
+                  <a:schemeClr val="tx1"/>
+                </a:solidFill>
+                <a:latin typeface="+mn-lt"/>
+                <a:ea typeface="+mn-ea"/>
+                <a:cs typeface="+mn-cs"/>
+              </a:rPr>
+              <a:t>Persistence contexts (JPA </a:t>
+            </a:r>
+            <a:r>
+              <a:rPr lang="en-US" sz="1200" b="0" i="0" kern="1200" dirty="0" err="1" smtClean="0">
+                <a:solidFill>
+                  <a:schemeClr val="tx1"/>
+                </a:solidFill>
+                <a:latin typeface="+mn-lt"/>
+                <a:ea typeface="+mn-ea"/>
+                <a:cs typeface="+mn-cs"/>
+              </a:rPr>
+              <a:t>EntityManager</a:t>
+            </a:r>
+            <a:r>
+              <a:rPr lang="en-US" sz="1200" b="0" i="0" kern="1200" dirty="0" smtClean="0">
+                <a:solidFill>
+                  <a:schemeClr val="tx1"/>
+                </a:solidFill>
+                <a:latin typeface="+mn-lt"/>
+                <a:ea typeface="+mn-ea"/>
+                <a:cs typeface="+mn-cs"/>
+              </a:rPr>
+              <a:t> objects)</a:t>
+            </a:r>
+          </a:p>
+          <a:p>
+            <a:r>
+              <a:rPr lang="en-US" sz="1200" b="0" i="0" kern="1200" dirty="0" smtClean="0">
+                <a:solidFill>
+                  <a:schemeClr val="tx1"/>
+                </a:solidFill>
+                <a:latin typeface="+mn-lt"/>
+                <a:ea typeface="+mn-ea"/>
+                <a:cs typeface="+mn-cs"/>
+              </a:rPr>
+              <a:t>Producer fields</a:t>
+            </a:r>
+          </a:p>
+          <a:p>
+            <a:r>
+              <a:rPr lang="en-US" sz="1200" b="0" i="0" kern="1200" dirty="0" smtClean="0">
+                <a:solidFill>
+                  <a:schemeClr val="tx1"/>
+                </a:solidFill>
+                <a:latin typeface="+mn-lt"/>
+                <a:ea typeface="+mn-ea"/>
+                <a:cs typeface="+mn-cs"/>
+              </a:rPr>
+              <a:t>Objects returned by producer methods</a:t>
+            </a:r>
+          </a:p>
+          <a:p>
+            <a:r>
+              <a:rPr lang="en-US" sz="1200" b="0" i="0" kern="1200" dirty="0" smtClean="0">
+                <a:solidFill>
+                  <a:schemeClr val="tx1"/>
+                </a:solidFill>
+                <a:latin typeface="+mn-lt"/>
+                <a:ea typeface="+mn-ea"/>
+                <a:cs typeface="+mn-cs"/>
+              </a:rPr>
+              <a:t>Web service references</a:t>
+            </a:r>
+          </a:p>
+          <a:p>
+            <a:r>
+              <a:rPr lang="en-US" sz="1200" b="0" i="0" kern="1200" dirty="0" smtClean="0">
+                <a:solidFill>
+                  <a:schemeClr val="tx1"/>
+                </a:solidFill>
+                <a:latin typeface="+mn-lt"/>
+                <a:ea typeface="+mn-ea"/>
+                <a:cs typeface="+mn-cs"/>
+              </a:rPr>
+              <a:t>Remote enterprise bean references</a:t>
+            </a:r>
+          </a:p>
+          <a:p>
             <a:endParaRPr lang="nl-NL" sz="1200" baseline="0" dirty="0"/>
           </a:p>
         </p:txBody>
@@ -4184,7 +4331,7 @@
     </p:spTree>
     <p:extLst>
       <p:ext uri="{BB962C8B-B14F-4D97-AF65-F5344CB8AC3E}">
-        <p14:creationId xmlns="" xmlns:p14="http://schemas.microsoft.com/office/powerpoint/2010/main" val="1611590157"/>
+        <p14:creationId xmlns:p14="http://schemas.microsoft.com/office/powerpoint/2010/main" val="1611590157"/>
       </p:ext>
     </p:extLst>
   </p:cSld>
@@ -4239,157 +4386,17 @@
           <a:lstStyle/>
           <a:p>
             <a:r>
-              <a:rPr lang="en-US" sz="1200" b="0" i="0" kern="1200" dirty="0" smtClean="0">
-                <a:solidFill>
-                  <a:schemeClr val="tx1"/>
-                </a:solidFill>
-                <a:latin typeface="+mn-lt"/>
-                <a:ea typeface="+mn-ea"/>
-                <a:cs typeface="+mn-cs"/>
-              </a:rPr>
-              <a:t>The concept of injection has been part of Java technology for some time. Since the Java EE 5 platform was introduced, annotations have made it possible to inject resources and some other kinds of objects into container-managed objects. CDI makes it possible to inject more kinds of objects and to inject them into objects that are not container-managed.</a:t>
-            </a:r>
-          </a:p>
-          <a:p>
-            <a:r>
-              <a:rPr lang="en-US" sz="1200" b="0" i="0" kern="1200" dirty="0" smtClean="0">
-                <a:solidFill>
-                  <a:schemeClr val="tx1"/>
-                </a:solidFill>
-                <a:latin typeface="+mn-lt"/>
-                <a:ea typeface="+mn-ea"/>
-                <a:cs typeface="+mn-cs"/>
-              </a:rPr>
-              <a:t>The following kinds of objects can be injected:</a:t>
-            </a:r>
-          </a:p>
-          <a:p>
-            <a:r>
-              <a:rPr lang="en-US" sz="1200" b="0" i="0" kern="1200" dirty="0" smtClean="0">
-                <a:solidFill>
-                  <a:schemeClr val="tx1"/>
-                </a:solidFill>
-                <a:latin typeface="+mn-lt"/>
-                <a:ea typeface="+mn-ea"/>
-                <a:cs typeface="+mn-cs"/>
-              </a:rPr>
-              <a:t>(Almost) any Java class</a:t>
-            </a:r>
-          </a:p>
-          <a:p>
-            <a:r>
-              <a:rPr lang="en-US" sz="1200" b="0" i="0" kern="1200" dirty="0" smtClean="0">
-                <a:solidFill>
-                  <a:schemeClr val="tx1"/>
-                </a:solidFill>
-                <a:latin typeface="+mn-lt"/>
-                <a:ea typeface="+mn-ea"/>
-                <a:cs typeface="+mn-cs"/>
-              </a:rPr>
-              <a:t>Session beans</a:t>
-            </a:r>
-          </a:p>
-          <a:p>
-            <a:r>
-              <a:rPr lang="en-US" sz="1200" b="0" i="0" kern="1200" dirty="0" smtClean="0">
-                <a:solidFill>
-                  <a:schemeClr val="tx1"/>
-                </a:solidFill>
-                <a:latin typeface="+mn-lt"/>
-                <a:ea typeface="+mn-ea"/>
-                <a:cs typeface="+mn-cs"/>
-              </a:rPr>
-              <a:t>Java EE resources: data sources, Java Message Service topics, queues, connection factories, and the like</a:t>
-            </a:r>
-          </a:p>
-          <a:p>
-            <a:r>
-              <a:rPr lang="en-US" sz="1200" b="0" i="0" kern="1200" dirty="0" smtClean="0">
-                <a:solidFill>
-                  <a:schemeClr val="tx1"/>
-                </a:solidFill>
-                <a:latin typeface="+mn-lt"/>
-                <a:ea typeface="+mn-ea"/>
-                <a:cs typeface="+mn-cs"/>
-              </a:rPr>
-              <a:t>Persistence contexts (JPA </a:t>
-            </a:r>
-            <a:r>
-              <a:rPr lang="en-US" sz="1200" b="0" i="0" kern="1200" dirty="0" err="1" smtClean="0">
-                <a:solidFill>
-                  <a:schemeClr val="tx1"/>
-                </a:solidFill>
-                <a:latin typeface="+mn-lt"/>
-                <a:ea typeface="+mn-ea"/>
-                <a:cs typeface="+mn-cs"/>
-              </a:rPr>
-              <a:t>EntityManager</a:t>
-            </a:r>
-            <a:r>
-              <a:rPr lang="en-US" sz="1200" b="0" i="0" kern="1200" dirty="0" smtClean="0">
-                <a:solidFill>
-                  <a:schemeClr val="tx1"/>
-                </a:solidFill>
-                <a:latin typeface="+mn-lt"/>
-                <a:ea typeface="+mn-ea"/>
-                <a:cs typeface="+mn-cs"/>
-              </a:rPr>
-              <a:t> objects)</a:t>
-            </a:r>
-          </a:p>
-          <a:p>
-            <a:r>
-              <a:rPr lang="en-US" sz="1200" b="0" i="0" kern="1200" dirty="0" smtClean="0">
-                <a:solidFill>
-                  <a:schemeClr val="tx1"/>
-                </a:solidFill>
-                <a:latin typeface="+mn-lt"/>
-                <a:ea typeface="+mn-ea"/>
-                <a:cs typeface="+mn-cs"/>
-              </a:rPr>
-              <a:t>Producer fields</a:t>
-            </a:r>
-          </a:p>
-          <a:p>
-            <a:r>
-              <a:rPr lang="en-US" sz="1200" b="0" i="0" kern="1200" dirty="0" smtClean="0">
-                <a:solidFill>
-                  <a:schemeClr val="tx1"/>
-                </a:solidFill>
-                <a:latin typeface="+mn-lt"/>
-                <a:ea typeface="+mn-ea"/>
-                <a:cs typeface="+mn-cs"/>
-              </a:rPr>
-              <a:t>Objects returned by producer methods</a:t>
-            </a:r>
-          </a:p>
-          <a:p>
-            <a:r>
-              <a:rPr lang="en-US" sz="1200" b="0" i="0" kern="1200" dirty="0" smtClean="0">
-                <a:solidFill>
-                  <a:schemeClr val="tx1"/>
-                </a:solidFill>
-                <a:latin typeface="+mn-lt"/>
-                <a:ea typeface="+mn-ea"/>
-                <a:cs typeface="+mn-cs"/>
-              </a:rPr>
-              <a:t>Web service references</a:t>
-            </a:r>
-          </a:p>
-          <a:p>
-            <a:r>
-              <a:rPr lang="en-US" sz="1200" b="0" i="0" kern="1200" dirty="0" smtClean="0">
-                <a:solidFill>
-                  <a:schemeClr val="tx1"/>
-                </a:solidFill>
-                <a:latin typeface="+mn-lt"/>
-                <a:ea typeface="+mn-ea"/>
-                <a:cs typeface="+mn-cs"/>
-              </a:rPr>
-              <a:t>Remote enterprise bean references</a:t>
-            </a:r>
-          </a:p>
-          <a:p>
+              <a:rPr lang="nl-NL" sz="1200" baseline="0" dirty="0" smtClean="0"/>
+              <a:t>Op meerdere </a:t>
+            </a:r>
+            <a:r>
+              <a:rPr lang="nl-NL" sz="1200" baseline="0" dirty="0" err="1" smtClean="0"/>
+              <a:t>usb</a:t>
+            </a:r>
+            <a:r>
+              <a:rPr lang="nl-NL" sz="1200" baseline="0" dirty="0" smtClean="0"/>
+              <a:t> stick dit allemaal klaar hebben staan, zodat ze gelijk aan de slag kunnen met de voorbeeld. Plan is om de voorbeeld gedeeltelijk te strippen en ze zelf dit te laten oplossen. </a:t>
+            </a:r>
             <a:endParaRPr lang="nl-NL" sz="1200" baseline="0" dirty="0"/>
           </a:p>
         </p:txBody>
@@ -4421,7 +4428,7 @@
     </p:spTree>
     <p:extLst>
       <p:ext uri="{BB962C8B-B14F-4D97-AF65-F5344CB8AC3E}">
-        <p14:creationId xmlns="" xmlns:p14="http://schemas.microsoft.com/office/powerpoint/2010/main" val="1611590157"/>
+        <p14:creationId xmlns:p14="http://schemas.microsoft.com/office/powerpoint/2010/main" val="1611590157"/>
       </p:ext>
     </p:extLst>
   </p:cSld>
@@ -4630,7 +4637,7 @@
     </p:spTree>
     <p:extLst>
       <p:ext uri="{BB962C8B-B14F-4D97-AF65-F5344CB8AC3E}">
-        <p14:creationId xmlns="" xmlns:p14="http://schemas.microsoft.com/office/powerpoint/2010/main" val="1611590157"/>
+        <p14:creationId xmlns:p14="http://schemas.microsoft.com/office/powerpoint/2010/main" val="1611590157"/>
       </p:ext>
     </p:extLst>
   </p:cSld>
@@ -4867,7 +4874,7 @@
     </p:spTree>
     <p:extLst>
       <p:ext uri="{BB962C8B-B14F-4D97-AF65-F5344CB8AC3E}">
-        <p14:creationId xmlns="" xmlns:p14="http://schemas.microsoft.com/office/powerpoint/2010/main" val="1611590157"/>
+        <p14:creationId xmlns:p14="http://schemas.microsoft.com/office/powerpoint/2010/main" val="1611590157"/>
       </p:ext>
     </p:extLst>
   </p:cSld>
@@ -4952,7 +4959,7 @@
     </p:spTree>
     <p:extLst>
       <p:ext uri="{BB962C8B-B14F-4D97-AF65-F5344CB8AC3E}">
-        <p14:creationId xmlns="" xmlns:p14="http://schemas.microsoft.com/office/powerpoint/2010/main" val="1611590157"/>
+        <p14:creationId xmlns:p14="http://schemas.microsoft.com/office/powerpoint/2010/main" val="1611590157"/>
       </p:ext>
     </p:extLst>
   </p:cSld>
@@ -6744,7 +6751,7 @@
             <a:fld id="{4EACBA47-91FC-4F0F-98EF-AF8B449ABA17}" type="slidenum">
               <a:rPr lang="nl-NL" noProof="0" smtClean="0"/>
               <a:pPr/>
-              <a:t>‹#›</a:t>
+              <a:t>‹nr.›</a:t>
             </a:fld>
             <a:endParaRPr lang="nl-NL" noProof="0"/>
           </a:p>
@@ -6816,7 +6823,7 @@
             <a:fld id="{4EACBA47-91FC-4F0F-98EF-AF8B449ABA17}" type="slidenum">
               <a:rPr lang="nl-NL" noProof="0" smtClean="0"/>
               <a:pPr/>
-              <a:t>‹#›</a:t>
+              <a:t>‹nr.›</a:t>
             </a:fld>
             <a:endParaRPr lang="nl-NL" noProof="0"/>
           </a:p>
@@ -6953,7 +6960,7 @@
             <a:fld id="{4EACBA47-91FC-4F0F-98EF-AF8B449ABA17}" type="slidenum">
               <a:rPr lang="nl-NL" noProof="0" smtClean="0"/>
               <a:pPr/>
-              <a:t>‹#›</a:t>
+              <a:t>‹nr.›</a:t>
             </a:fld>
             <a:endParaRPr lang="nl-NL" noProof="0"/>
           </a:p>
@@ -7252,7 +7259,7 @@
             <a:fld id="{4EACBA47-91FC-4F0F-98EF-AF8B449ABA17}" type="slidenum">
               <a:rPr lang="nl-NL" noProof="0" smtClean="0"/>
               <a:pPr/>
-              <a:t>‹#›</a:t>
+              <a:t>‹nr.›</a:t>
             </a:fld>
             <a:endParaRPr lang="nl-NL" noProof="0"/>
           </a:p>
@@ -9333,7 +9340,7 @@
             <a:fld id="{4EACBA47-91FC-4F0F-98EF-AF8B449ABA17}" type="slidenum">
               <a:rPr lang="nl-NL" noProof="0" smtClean="0"/>
               <a:pPr/>
-              <a:t>‹#›</a:t>
+              <a:t>‹nr.›</a:t>
             </a:fld>
             <a:endParaRPr lang="nl-NL" noProof="0"/>
           </a:p>
@@ -9478,7 +9485,7 @@
             <a:fld id="{4EACBA47-91FC-4F0F-98EF-AF8B449ABA17}" type="slidenum">
               <a:rPr lang="nl-NL" noProof="0" smtClean="0"/>
               <a:pPr/>
-              <a:t>‹#›</a:t>
+              <a:t>‹nr.›</a:t>
             </a:fld>
             <a:endParaRPr lang="nl-NL" noProof="0"/>
           </a:p>
@@ -9638,7 +9645,7 @@
             <a:fld id="{4EACBA47-91FC-4F0F-98EF-AF8B449ABA17}" type="slidenum">
               <a:rPr lang="nl-NL" noProof="0" smtClean="0"/>
               <a:pPr/>
-              <a:t>‹#›</a:t>
+              <a:t>‹nr.›</a:t>
             </a:fld>
             <a:endParaRPr lang="nl-NL" noProof="0"/>
           </a:p>
@@ -9803,7 +9810,7 @@
             <a:fld id="{4EACBA47-91FC-4F0F-98EF-AF8B449ABA17}" type="slidenum">
               <a:rPr lang="nl-NL" noProof="0" smtClean="0"/>
               <a:pPr/>
-              <a:t>‹#›</a:t>
+              <a:t>‹nr.›</a:t>
             </a:fld>
             <a:endParaRPr lang="nl-NL" noProof="0"/>
           </a:p>
@@ -10017,7 +10024,7 @@
             <a:fld id="{4EACBA47-91FC-4F0F-98EF-AF8B449ABA17}" type="slidenum">
               <a:rPr lang="nl-NL" noProof="0" smtClean="0"/>
               <a:pPr/>
-              <a:t>‹#›</a:t>
+              <a:t>‹nr.›</a:t>
             </a:fld>
             <a:endParaRPr lang="nl-NL" noProof="0"/>
           </a:p>
@@ -10243,7 +10250,7 @@
             <a:fld id="{4EACBA47-91FC-4F0F-98EF-AF8B449ABA17}" type="slidenum">
               <a:rPr lang="nl-NL" noProof="0" smtClean="0"/>
               <a:pPr/>
-              <a:t>‹#›</a:t>
+              <a:t>‹nr.›</a:t>
             </a:fld>
             <a:endParaRPr lang="nl-NL" noProof="0"/>
           </a:p>
@@ -10338,7 +10345,7 @@
             <a:fld id="{4EACBA47-91FC-4F0F-98EF-AF8B449ABA17}" type="slidenum">
               <a:rPr lang="nl-NL" noProof="0" smtClean="0"/>
               <a:pPr/>
-              <a:t>‹#›</a:t>
+              <a:t>‹nr.›</a:t>
             </a:fld>
             <a:endParaRPr lang="nl-NL" noProof="0"/>
           </a:p>
@@ -10538,7 +10545,7 @@
             <a:fld id="{4EACBA47-91FC-4F0F-98EF-AF8B449ABA17}" type="slidenum">
               <a:rPr lang="nl-NL" noProof="0" smtClean="0"/>
               <a:pPr/>
-              <a:t>‹#›</a:t>
+              <a:t>‹nr.›</a:t>
             </a:fld>
             <a:endParaRPr lang="nl-NL" noProof="0"/>
           </a:p>
@@ -10786,7 +10793,7 @@
             <a:fld id="{4EACBA47-91FC-4F0F-98EF-AF8B449ABA17}" type="slidenum">
               <a:rPr lang="nl-NL" noProof="0" smtClean="0"/>
               <a:pPr/>
-              <a:t>‹#›</a:t>
+              <a:t>‹nr.›</a:t>
             </a:fld>
             <a:endParaRPr lang="nl-NL" noProof="0"/>
           </a:p>
@@ -12639,7 +12646,7 @@
   <p:timing>
     <p:tnLst>
       <p:par>
-        <p:cTn id="1" dur="indefinite" restart="never" nodeType="tmRoot"/>
+        <p:cTn xmlns:p14="http://schemas.microsoft.com/office/powerpoint/2010/main" id="1" dur="indefinite" restart="never" nodeType="tmRoot"/>
       </p:par>
     </p:tnLst>
   </p:timing>
@@ -12921,7 +12928,7 @@
     </p:spTree>
     <p:extLst>
       <p:ext uri="{BB962C8B-B14F-4D97-AF65-F5344CB8AC3E}">
-        <p14:creationId xmlns="" xmlns:p14="http://schemas.microsoft.com/office/powerpoint/2010/main" val="869414858"/>
+        <p14:creationId xmlns:p14="http://schemas.microsoft.com/office/powerpoint/2010/main" val="869414858"/>
       </p:ext>
     </p:extLst>
   </p:cSld>
@@ -12931,7 +12938,7 @@
   <p:timing>
     <p:tnLst>
       <p:par>
-        <p:cTn id="1" dur="indefinite" restart="never" nodeType="tmRoot"/>
+        <p:cTn xmlns:p14="http://schemas.microsoft.com/office/powerpoint/2010/main" id="1" dur="indefinite" restart="never" nodeType="tmRoot"/>
       </p:par>
     </p:tnLst>
   </p:timing>
@@ -13096,7 +13103,7 @@
     </p:spTree>
     <p:extLst>
       <p:ext uri="{BB962C8B-B14F-4D97-AF65-F5344CB8AC3E}">
-        <p14:creationId xmlns="" xmlns:p14="http://schemas.microsoft.com/office/powerpoint/2010/main" val="869414858"/>
+        <p14:creationId xmlns:p14="http://schemas.microsoft.com/office/powerpoint/2010/main" val="869414858"/>
       </p:ext>
     </p:extLst>
   </p:cSld>
@@ -13106,7 +13113,7 @@
   <p:timing>
     <p:tnLst>
       <p:par>
-        <p:cTn id="1" dur="indefinite" restart="never" nodeType="tmRoot"/>
+        <p:cTn xmlns:p14="http://schemas.microsoft.com/office/powerpoint/2010/main" id="1" dur="indefinite" restart="never" nodeType="tmRoot"/>
       </p:par>
     </p:tnLst>
   </p:timing>
@@ -13441,7 +13448,7 @@
     </p:spTree>
     <p:extLst>
       <p:ext uri="{BB962C8B-B14F-4D97-AF65-F5344CB8AC3E}">
-        <p14:creationId xmlns="" xmlns:p14="http://schemas.microsoft.com/office/powerpoint/2010/main" val="869414858"/>
+        <p14:creationId xmlns:p14="http://schemas.microsoft.com/office/powerpoint/2010/main" val="869414858"/>
       </p:ext>
     </p:extLst>
   </p:cSld>
@@ -13764,7 +13771,7 @@
     </p:spTree>
     <p:extLst>
       <p:ext uri="{BB962C8B-B14F-4D97-AF65-F5344CB8AC3E}">
-        <p14:creationId xmlns="" xmlns:p14="http://schemas.microsoft.com/office/powerpoint/2010/main" val="869414858"/>
+        <p14:creationId xmlns:p14="http://schemas.microsoft.com/office/powerpoint/2010/main" val="869414858"/>
       </p:ext>
     </p:extLst>
   </p:cSld>
@@ -13952,7 +13959,7 @@
     </p:spTree>
     <p:extLst>
       <p:ext uri="{BB962C8B-B14F-4D97-AF65-F5344CB8AC3E}">
-        <p14:creationId xmlns="" xmlns:p14="http://schemas.microsoft.com/office/powerpoint/2010/main" val="869414858"/>
+        <p14:creationId xmlns:p14="http://schemas.microsoft.com/office/powerpoint/2010/main" val="869414858"/>
       </p:ext>
     </p:extLst>
   </p:cSld>
@@ -14041,11 +14048,7 @@
             </a:r>
             <a:r>
               <a:rPr lang="nl-NL" dirty="0" smtClean="0"/>
-              <a:t> in de scope </a:t>
-            </a:r>
-            <a:r>
-              <a:rPr lang="nl-NL" dirty="0" smtClean="0"/>
-              <a:t>automatisch</a:t>
+              <a:t> in de scope automatisch</a:t>
             </a:r>
           </a:p>
           <a:p>
@@ -14105,11 +14108,6 @@
               </a:rPr>
               <a:t> duidelijk word</a:t>
             </a:r>
-            <a:endParaRPr lang="nl-NL" dirty="0" smtClean="0">
-              <a:solidFill>
-                <a:schemeClr val="accent1"/>
-              </a:solidFill>
-            </a:endParaRPr>
           </a:p>
           <a:p>
             <a:endParaRPr lang="nl-NL" dirty="0" smtClean="0"/>
@@ -14166,7 +14164,7 @@
     </p:spTree>
     <p:extLst>
       <p:ext uri="{BB962C8B-B14F-4D97-AF65-F5344CB8AC3E}">
-        <p14:creationId xmlns="" xmlns:p14="http://schemas.microsoft.com/office/powerpoint/2010/main" val="869414858"/>
+        <p14:creationId xmlns:p14="http://schemas.microsoft.com/office/powerpoint/2010/main" val="869414858"/>
       </p:ext>
     </p:extLst>
   </p:cSld>
@@ -14438,7 +14436,7 @@
     </p:spTree>
     <p:extLst>
       <p:ext uri="{BB962C8B-B14F-4D97-AF65-F5344CB8AC3E}">
-        <p14:creationId xmlns="" xmlns:p14="http://schemas.microsoft.com/office/powerpoint/2010/main" val="869414858"/>
+        <p14:creationId xmlns:p14="http://schemas.microsoft.com/office/powerpoint/2010/main" val="869414858"/>
       </p:ext>
     </p:extLst>
   </p:cSld>
@@ -15228,7 +15226,7 @@
     </p:spTree>
     <p:extLst>
       <p:ext uri="{BB962C8B-B14F-4D97-AF65-F5344CB8AC3E}">
-        <p14:creationId xmlns="" xmlns:p14="http://schemas.microsoft.com/office/powerpoint/2010/main" val="1298518022"/>
+        <p14:creationId xmlns:p14="http://schemas.microsoft.com/office/powerpoint/2010/main" val="1298518022"/>
       </p:ext>
     </p:extLst>
   </p:cSld>
@@ -15238,7 +15236,7 @@
   <p:timing>
     <p:tnLst>
       <p:par>
-        <p:cTn id="1" dur="indefinite" restart="never" nodeType="tmRoot"/>
+        <p:cTn xmlns:p14="http://schemas.microsoft.com/office/powerpoint/2010/main" id="1" dur="indefinite" restart="never" nodeType="tmRoot"/>
       </p:par>
     </p:tnLst>
   </p:timing>
@@ -16135,11 +16133,18 @@
           <a:bodyPr/>
           <a:lstStyle/>
           <a:p>
-            <a:r>
-              <a:rPr lang="nl-NL" dirty="0" smtClean="0"/>
-              <a:t>Opzetten omgeving</a:t>
-            </a:r>
-            <a:endParaRPr lang="nl-NL" dirty="0"/>
+            <a:pPr>
+              <a:defRPr/>
+            </a:pPr>
+            <a:r>
+              <a:rPr lang="nl-NL" sz="3200" dirty="0" smtClean="0"/>
+              <a:t>EJB </a:t>
+            </a:r>
+            <a:r>
+              <a:rPr lang="nl-NL" sz="3200" dirty="0" err="1" smtClean="0"/>
+              <a:t>alternative</a:t>
+            </a:r>
+            <a:endParaRPr lang="nl-NL" sz="3200" dirty="0" smtClean="0"/>
           </a:p>
         </p:txBody>
       </p:sp>
@@ -16159,36 +16164,14 @@
           <a:lstStyle/>
           <a:p>
             <a:r>
-              <a:rPr lang="nl-NL" dirty="0" err="1" smtClean="0"/>
-              <a:t>Wildfly</a:t>
-            </a:r>
-            <a:endParaRPr lang="nl-NL" dirty="0" smtClean="0"/>
-          </a:p>
-          <a:p>
-            <a:r>
-              <a:rPr lang="nl-NL" dirty="0" smtClean="0"/>
-              <a:t>Java 8 </a:t>
-            </a:r>
-          </a:p>
-          <a:p>
-            <a:r>
-              <a:rPr lang="nl-NL" dirty="0" err="1" smtClean="0"/>
-              <a:t>Maven</a:t>
-            </a:r>
-            <a:r>
-              <a:rPr lang="nl-NL" dirty="0" smtClean="0"/>
-              <a:t> </a:t>
-            </a:r>
-            <a:r>
-              <a:rPr lang="nl-NL" dirty="0" err="1" smtClean="0"/>
-              <a:t>repo</a:t>
-            </a:r>
-            <a:endParaRPr lang="nl-NL" dirty="0" smtClean="0"/>
-          </a:p>
-          <a:p>
-            <a:r>
-              <a:rPr lang="nl-NL" dirty="0" smtClean="0"/>
-              <a:t>IDE</a:t>
+              <a:rPr lang="nl-NL" dirty="0" smtClean="0"/>
+              <a:t>Opdracht</a:t>
+            </a:r>
+          </a:p>
+          <a:p>
+            <a:r>
+              <a:rPr lang="nl-NL" dirty="0" smtClean="0"/>
+              <a:t>Uitleg</a:t>
             </a:r>
           </a:p>
         </p:txBody>
@@ -16242,7 +16225,7 @@
     </p:spTree>
     <p:extLst>
       <p:ext uri="{BB962C8B-B14F-4D97-AF65-F5344CB8AC3E}">
-        <p14:creationId xmlns="" xmlns:p14="http://schemas.microsoft.com/office/powerpoint/2010/main" val="869414858"/>
+        <p14:creationId xmlns:p14="http://schemas.microsoft.com/office/powerpoint/2010/main" val="869414858"/>
       </p:ext>
     </p:extLst>
   </p:cSld>
@@ -16289,46 +16272,147 @@
           <a:bodyPr/>
           <a:lstStyle/>
           <a:p>
+            <a:r>
+              <a:rPr lang="nl-NL" dirty="0" smtClean="0"/>
+              <a:t>EJB </a:t>
+            </a:r>
+            <a:r>
+              <a:rPr lang="nl-NL" dirty="0" err="1" smtClean="0"/>
+              <a:t>alternative</a:t>
+            </a:r>
+            <a:r>
+              <a:rPr lang="nl-NL" dirty="0" smtClean="0"/>
+              <a:t>: opdracht</a:t>
+            </a:r>
+            <a:endParaRPr lang="nl-NL" dirty="0"/>
+          </a:p>
+        </p:txBody>
+      </p:sp>
+      <p:sp>
+        <p:nvSpPr>
+          <p:cNvPr id="3" name="Tijdelijke aanduiding voor inhoud 2"/>
+          <p:cNvSpPr>
+            <a:spLocks noGrp="1"/>
+          </p:cNvSpPr>
+          <p:nvPr>
+            <p:ph idx="1"/>
+          </p:nvPr>
+        </p:nvSpPr>
+        <p:spPr/>
+        <p:txBody>
+          <a:bodyPr/>
+          <a:lstStyle/>
+          <a:p>
+            <a:r>
+              <a:rPr lang="nl-NL" dirty="0" err="1" smtClean="0"/>
+              <a:t>Tax</a:t>
+            </a:r>
+            <a:r>
+              <a:rPr lang="nl-NL" dirty="0" smtClean="0"/>
+              <a:t> interface</a:t>
+            </a:r>
+          </a:p>
+          <a:p>
+            <a:r>
+              <a:rPr lang="nl-NL" dirty="0" smtClean="0"/>
+              <a:t>Twee verschillende implementaties voor </a:t>
+            </a:r>
+            <a:r>
+              <a:rPr lang="nl-NL" dirty="0" err="1" smtClean="0"/>
+              <a:t>Tax</a:t>
+            </a:r>
+            <a:r>
+              <a:rPr lang="nl-NL" dirty="0" smtClean="0"/>
+              <a:t> interface</a:t>
+            </a:r>
+          </a:p>
+          <a:p>
+            <a:endParaRPr lang="nl-NL" dirty="0" smtClean="0"/>
+          </a:p>
+          <a:p>
             <a:pPr>
-              <a:defRPr/>
+              <a:buFont typeface="+mj-lt"/>
+              <a:buAutoNum type="arabicPeriod"/>
             </a:pPr>
             <a:r>
-              <a:rPr lang="nl-NL" sz="3200" dirty="0" smtClean="0"/>
-              <a:t>EJB </a:t>
-            </a:r>
-            <a:r>
-              <a:rPr lang="nl-NL" sz="3200" dirty="0" err="1" smtClean="0"/>
+              <a:rPr lang="nl-NL" dirty="0" smtClean="0"/>
+              <a:t>Injecteer de </a:t>
+            </a:r>
+            <a:r>
+              <a:rPr lang="nl-NL" dirty="0" err="1" smtClean="0"/>
+              <a:t>Tax</a:t>
+            </a:r>
+            <a:r>
+              <a:rPr lang="nl-NL" dirty="0" smtClean="0"/>
+              <a:t> </a:t>
+            </a:r>
+            <a:r>
+              <a:rPr lang="nl-NL" dirty="0" err="1" smtClean="0"/>
+              <a:t>class</a:t>
+            </a:r>
+            <a:r>
+              <a:rPr lang="nl-NL" dirty="0" smtClean="0"/>
+              <a:t> </a:t>
+            </a:r>
+          </a:p>
+          <a:p>
+            <a:pPr>
+              <a:buFont typeface="+mj-lt"/>
+              <a:buAutoNum type="arabicPeriod"/>
+            </a:pPr>
+            <a:r>
+              <a:rPr lang="nl-NL" dirty="0" err="1" smtClean="0"/>
+              <a:t>Override</a:t>
+            </a:r>
+            <a:r>
+              <a:rPr lang="nl-NL" dirty="0" smtClean="0"/>
+              <a:t> de </a:t>
+            </a:r>
+            <a:r>
+              <a:rPr lang="nl-NL" dirty="0" err="1" smtClean="0"/>
+              <a:t>doGet</a:t>
+            </a:r>
+            <a:r>
+              <a:rPr lang="nl-NL" dirty="0" smtClean="0"/>
+              <a:t>()</a:t>
+            </a:r>
+          </a:p>
+          <a:p>
+            <a:pPr>
+              <a:buFont typeface="+mj-lt"/>
+              <a:buAutoNum type="arabicPeriod"/>
+            </a:pPr>
+            <a:r>
+              <a:rPr lang="nl-NL" dirty="0" smtClean="0"/>
+              <a:t>Zorg dat </a:t>
+            </a:r>
+            <a:r>
+              <a:rPr lang="nl-NL" dirty="0" err="1" smtClean="0"/>
+              <a:t>TaxImpl</a:t>
+            </a:r>
+            <a:r>
+              <a:rPr lang="nl-NL" dirty="0" smtClean="0"/>
+              <a:t>_1 word geïmplementeerd</a:t>
+            </a:r>
+          </a:p>
+          <a:p>
+            <a:pPr>
+              <a:buFont typeface="+mj-lt"/>
+              <a:buAutoNum type="arabicPeriod"/>
+            </a:pPr>
+            <a:r>
+              <a:rPr lang="nl-NL" dirty="0" smtClean="0"/>
+              <a:t>Maak een eigen </a:t>
+            </a:r>
+            <a:r>
+              <a:rPr lang="nl-NL" dirty="0" err="1" smtClean="0"/>
               <a:t>alternative</a:t>
             </a:r>
-            <a:endParaRPr lang="nl-NL" sz="3200" dirty="0" smtClean="0"/>
-          </a:p>
-        </p:txBody>
-      </p:sp>
-      <p:sp>
-        <p:nvSpPr>
-          <p:cNvPr id="3" name="Tijdelijke aanduiding voor inhoud 2"/>
-          <p:cNvSpPr>
-            <a:spLocks noGrp="1"/>
-          </p:cNvSpPr>
-          <p:nvPr>
-            <p:ph idx="1"/>
-          </p:nvPr>
-        </p:nvSpPr>
-        <p:spPr/>
-        <p:txBody>
-          <a:bodyPr/>
-          <a:lstStyle/>
-          <a:p>
-            <a:r>
-              <a:rPr lang="nl-NL" dirty="0" smtClean="0"/>
-              <a:t>Opdracht</a:t>
-            </a:r>
-          </a:p>
-          <a:p>
-            <a:r>
-              <a:rPr lang="nl-NL" dirty="0" smtClean="0"/>
-              <a:t>Uitleg</a:t>
-            </a:r>
+            <a:r>
+              <a:rPr lang="nl-NL" dirty="0" smtClean="0"/>
+              <a:t> TaxImpl_2</a:t>
+            </a:r>
+            <a:endParaRPr lang="nl-NL" dirty="0" smtClean="0"/>
           </a:p>
         </p:txBody>
       </p:sp>
@@ -16381,7 +16465,7 @@
     </p:spTree>
     <p:extLst>
       <p:ext uri="{BB962C8B-B14F-4D97-AF65-F5344CB8AC3E}">
-        <p14:creationId xmlns="" xmlns:p14="http://schemas.microsoft.com/office/powerpoint/2010/main" val="869414858"/>
+        <p14:creationId xmlns:p14="http://schemas.microsoft.com/office/powerpoint/2010/main" val="869414858"/>
       </p:ext>
     </p:extLst>
   </p:cSld>
@@ -16438,7 +16522,7 @@
             </a:r>
             <a:r>
               <a:rPr lang="nl-NL" dirty="0" smtClean="0"/>
-              <a:t>: opdracht</a:t>
+              <a:t>: Start applicatie</a:t>
             </a:r>
             <a:endParaRPr lang="nl-NL" dirty="0"/>
           </a:p>
@@ -16458,33 +16542,6 @@
         <p:txBody>
           <a:bodyPr/>
           <a:lstStyle/>
-          <a:p>
-            <a:r>
-              <a:rPr lang="nl-NL" dirty="0" err="1" smtClean="0"/>
-              <a:t>Tax</a:t>
-            </a:r>
-            <a:r>
-              <a:rPr lang="nl-NL" dirty="0" smtClean="0"/>
-              <a:t> interface</a:t>
-            </a:r>
-          </a:p>
-          <a:p>
-            <a:r>
-              <a:rPr lang="nl-NL" dirty="0" smtClean="0"/>
-              <a:t>Twee verschillende implementaties voor </a:t>
-            </a:r>
-            <a:r>
-              <a:rPr lang="nl-NL" dirty="0" err="1" smtClean="0"/>
-              <a:t>Tax</a:t>
-            </a:r>
-            <a:r>
-              <a:rPr lang="nl-NL" dirty="0" smtClean="0"/>
-              <a:t> interface</a:t>
-            </a:r>
-          </a:p>
-          <a:p>
-            <a:endParaRPr lang="nl-NL" dirty="0" smtClean="0"/>
-          </a:p>
           <a:p>
             <a:pPr>
               <a:buFont typeface="+mj-lt"/>
@@ -16492,24 +16549,13 @@
             </a:pPr>
             <a:r>
               <a:rPr lang="nl-NL" dirty="0" smtClean="0"/>
-              <a:t>Injecteer de </a:t>
-            </a:r>
-            <a:r>
-              <a:rPr lang="nl-NL" dirty="0" err="1" smtClean="0"/>
-              <a:t>Tax</a:t>
-            </a:r>
-            <a:r>
-              <a:rPr lang="nl-NL" dirty="0" smtClean="0"/>
-              <a:t> </a:t>
-            </a:r>
-            <a:r>
-              <a:rPr lang="nl-NL" dirty="0" err="1" smtClean="0"/>
-              <a:t>class</a:t>
-            </a:r>
-            <a:r>
-              <a:rPr lang="nl-NL" dirty="0" smtClean="0"/>
-              <a:t> </a:t>
-            </a:r>
+              <a:t>EAP7_HOME\bin\</a:t>
+            </a:r>
+            <a:r>
+              <a:rPr lang="nl-NL" dirty="0" err="1" smtClean="0"/>
+              <a:t>standalone.bat</a:t>
+            </a:r>
+            <a:endParaRPr lang="nl-NL" dirty="0" smtClean="0"/>
           </a:p>
           <a:p>
             <a:pPr>
@@ -16518,20 +16564,33 @@
             </a:pPr>
             <a:r>
               <a:rPr lang="nl-NL" dirty="0" err="1" smtClean="0"/>
-              <a:t>Override</a:t>
-            </a:r>
-            <a:r>
-              <a:rPr lang="nl-NL" dirty="0" smtClean="0"/>
-              <a:t> de </a:t>
-            </a:r>
-            <a:r>
-              <a:rPr lang="nl-NL" dirty="0" err="1" smtClean="0"/>
-              <a:t>doGet</a:t>
-            </a:r>
-            <a:r>
-              <a:rPr lang="nl-NL" dirty="0" smtClean="0"/>
-              <a:t>()</a:t>
-            </a:r>
+              <a:t>mvn</a:t>
+            </a:r>
+            <a:r>
+              <a:rPr lang="nl-NL" dirty="0" smtClean="0"/>
+              <a:t> clean </a:t>
+            </a:r>
+            <a:r>
+              <a:rPr lang="nl-NL" dirty="0" err="1" smtClean="0"/>
+              <a:t>install</a:t>
+            </a:r>
+            <a:r>
+              <a:rPr lang="nl-NL" dirty="0" smtClean="0"/>
+              <a:t> </a:t>
+            </a:r>
+            <a:r>
+              <a:rPr lang="nl-NL" dirty="0" err="1" smtClean="0"/>
+              <a:t>wildfly</a:t>
+            </a:r>
+            <a:r>
+              <a:rPr lang="nl-NL" dirty="0" smtClean="0"/>
+              <a:t>:</a:t>
+            </a:r>
+            <a:r>
+              <a:rPr lang="nl-NL" dirty="0" err="1" smtClean="0"/>
+              <a:t>deploy</a:t>
+            </a:r>
+            <a:endParaRPr lang="nl-NL" dirty="0" smtClean="0"/>
           </a:p>
           <a:p>
             <a:pPr>
@@ -16539,31 +16598,52 @@
               <a:buAutoNum type="arabicPeriod"/>
             </a:pPr>
             <a:r>
-              <a:rPr lang="nl-NL" dirty="0" smtClean="0"/>
-              <a:t>Zorg dat </a:t>
-            </a:r>
-            <a:r>
-              <a:rPr lang="nl-NL" dirty="0" err="1" smtClean="0"/>
-              <a:t>TaxImpl</a:t>
-            </a:r>
-            <a:r>
-              <a:rPr lang="nl-NL" dirty="0" smtClean="0"/>
-              <a:t>_1 word geïmplementeerd</a:t>
-            </a:r>
+              <a:rPr lang="nl-NL" dirty="0" smtClean="0">
+                <a:hlinkClick r:id="rId3"/>
+              </a:rPr>
+              <a:t>http://localhost:8080/jboss-cdi-alternative-7.0.0.GA/greet.jsf</a:t>
+            </a:r>
+            <a:endParaRPr lang="nl-NL" dirty="0" smtClean="0"/>
           </a:p>
           <a:p>
             <a:pPr>
               <a:buFont typeface="+mj-lt"/>
               <a:buAutoNum type="arabicPeriod"/>
             </a:pPr>
-            <a:r>
-              <a:rPr lang="nl-NL" dirty="0" smtClean="0"/>
-              <a:t>Maak een eigen </a:t>
-            </a:r>
-            <a:r>
-              <a:rPr lang="nl-NL" dirty="0" err="1" smtClean="0"/>
-              <a:t>alternative</a:t>
-            </a:r>
+            <a:endParaRPr lang="nl-NL" dirty="0" smtClean="0"/>
+          </a:p>
+          <a:p>
+            <a:pPr>
+              <a:buFont typeface="+mj-lt"/>
+              <a:buAutoNum type="arabicPeriod"/>
+            </a:pPr>
+            <a:r>
+              <a:rPr lang="nl-NL" dirty="0" smtClean="0"/>
+              <a:t>Afsluiten: </a:t>
+            </a:r>
+            <a:r>
+              <a:rPr lang="nl-NL" dirty="0" err="1" smtClean="0"/>
+              <a:t>mvn</a:t>
+            </a:r>
+            <a:r>
+              <a:rPr lang="nl-NL" dirty="0" smtClean="0"/>
+              <a:t> </a:t>
+            </a:r>
+            <a:r>
+              <a:rPr lang="nl-NL" dirty="0" err="1" smtClean="0"/>
+              <a:t>wildfly</a:t>
+            </a:r>
+            <a:r>
+              <a:rPr lang="nl-NL" dirty="0" smtClean="0"/>
+              <a:t>:</a:t>
+            </a:r>
+            <a:r>
+              <a:rPr lang="nl-NL" dirty="0" err="1" smtClean="0"/>
+              <a:t>undeploy</a:t>
+            </a:r>
+            <a:endParaRPr lang="nl-NL" dirty="0" smtClean="0"/>
+          </a:p>
+          <a:p>
             <a:endParaRPr lang="nl-NL" dirty="0" smtClean="0"/>
           </a:p>
         </p:txBody>
@@ -16617,7 +16697,7 @@
     </p:spTree>
     <p:extLst>
       <p:ext uri="{BB962C8B-B14F-4D97-AF65-F5344CB8AC3E}">
-        <p14:creationId xmlns="" xmlns:p14="http://schemas.microsoft.com/office/powerpoint/2010/main" val="869414858"/>
+        <p14:creationId xmlns:p14="http://schemas.microsoft.com/office/powerpoint/2010/main" val="869414858"/>
       </p:ext>
     </p:extLst>
   </p:cSld>
@@ -16674,7 +16754,7 @@
             </a:r>
             <a:r>
               <a:rPr lang="nl-NL" dirty="0" smtClean="0"/>
-              <a:t>: Start applicatie</a:t>
+              <a:t>: Uitleg Applicatie</a:t>
             </a:r>
             <a:endParaRPr lang="nl-NL" dirty="0"/>
           </a:p>
@@ -16695,36 +16775,73 @@
           <a:bodyPr/>
           <a:lstStyle/>
           <a:p>
-            <a:pPr>
-              <a:buFont typeface="+mj-lt"/>
-              <a:buAutoNum type="arabicPeriod"/>
-            </a:pPr>
-            <a:r>
-              <a:rPr lang="nl-NL" dirty="0" smtClean="0"/>
-              <a:t>EAP7_HOME\bin\</a:t>
-            </a:r>
-            <a:r>
-              <a:rPr lang="nl-NL" dirty="0" err="1" smtClean="0"/>
-              <a:t>standalone.bat</a:t>
+            <a:r>
+              <a:rPr lang="nl-NL" dirty="0" smtClean="0"/>
+              <a:t>Structuur/opzet</a:t>
+            </a:r>
+          </a:p>
+          <a:p>
+            <a:r>
+              <a:rPr lang="nl-NL" dirty="0" smtClean="0"/>
+              <a:t>Annotaties</a:t>
+            </a:r>
+          </a:p>
+          <a:p>
+            <a:r>
+              <a:rPr lang="nl-NL" dirty="0" smtClean="0"/>
+              <a:t>Uitleg meerwaarde </a:t>
+            </a:r>
+            <a:r>
+              <a:rPr lang="nl-NL" dirty="0" err="1" smtClean="0"/>
+              <a:t>alternatives</a:t>
             </a:r>
             <a:endParaRPr lang="nl-NL" dirty="0" smtClean="0"/>
           </a:p>
           <a:p>
-            <a:pPr>
-              <a:buFont typeface="+mj-lt"/>
-              <a:buAutoNum type="arabicPeriod"/>
-            </a:pPr>
-            <a:r>
-              <a:rPr lang="nl-NL" dirty="0" err="1" smtClean="0"/>
-              <a:t>mvn</a:t>
-            </a:r>
-            <a:r>
-              <a:rPr lang="nl-NL" dirty="0" smtClean="0"/>
-              <a:t> clean </a:t>
-            </a:r>
-            <a:r>
-              <a:rPr lang="nl-NL" dirty="0" err="1" smtClean="0"/>
-              <a:t>install</a:t>
+            <a:pPr lvl="1"/>
+            <a:r>
+              <a:rPr lang="nl-NL" dirty="0" smtClean="0"/>
+              <a:t>Bepalen </a:t>
+            </a:r>
+            <a:r>
+              <a:rPr lang="nl-NL" dirty="0" err="1" smtClean="0"/>
+              <a:t>client-specific</a:t>
+            </a:r>
+            <a:r>
+              <a:rPr lang="nl-NL" dirty="0" smtClean="0"/>
+              <a:t> business </a:t>
+            </a:r>
+            <a:r>
+              <a:rPr lang="nl-NL" dirty="0" err="1" smtClean="0"/>
+              <a:t>logic</a:t>
+            </a:r>
+            <a:r>
+              <a:rPr lang="nl-NL" dirty="0" smtClean="0"/>
+              <a:t> met </a:t>
+            </a:r>
+            <a:r>
+              <a:rPr lang="nl-NL" dirty="0" err="1" smtClean="0"/>
+              <a:t>runtime</a:t>
+            </a:r>
+            <a:endParaRPr lang="nl-NL" dirty="0" smtClean="0"/>
+          </a:p>
+          <a:p>
+            <a:pPr lvl="1"/>
+            <a:r>
+              <a:rPr lang="nl-NL" dirty="0" smtClean="0"/>
+              <a:t>Specificeren </a:t>
+            </a:r>
+            <a:r>
+              <a:rPr lang="nl-NL" dirty="0" err="1" smtClean="0"/>
+              <a:t>beans</a:t>
+            </a:r>
+            <a:r>
+              <a:rPr lang="nl-NL" dirty="0" smtClean="0"/>
+              <a:t> die moeten gelden onder specifieke </a:t>
+            </a:r>
+            <a:r>
+              <a:rPr lang="nl-NL" dirty="0" err="1" smtClean="0"/>
+              <a:t>deployment</a:t>
             </a:r>
             <a:r>
               <a:rPr lang="nl-NL" dirty="0" smtClean="0"/>
@@ -16732,70 +16849,31 @@
             </a:r>
             <a:r>
               <a:rPr lang="nl-NL" dirty="0" err="1" smtClean="0"/>
-              <a:t>wildfly</a:t>
-            </a:r>
-            <a:r>
-              <a:rPr lang="nl-NL" dirty="0" smtClean="0"/>
-              <a:t>:</a:t>
-            </a:r>
-            <a:r>
-              <a:rPr lang="nl-NL" dirty="0" err="1" smtClean="0"/>
-              <a:t>deploy</a:t>
-            </a:r>
-            <a:endParaRPr lang="nl-NL" dirty="0" smtClean="0"/>
-          </a:p>
-          <a:p>
-            <a:pPr>
-              <a:buFont typeface="+mj-lt"/>
-              <a:buAutoNum type="arabicPeriod"/>
-            </a:pPr>
-            <a:r>
-              <a:rPr lang="nl-NL" dirty="0" smtClean="0">
-                <a:hlinkClick r:id="rId3"/>
-              </a:rPr>
-              <a:t>http://localhost:8080/jboss-cdi-alternative-7.0.0.GA/greet.jsf</a:t>
-            </a:r>
-            <a:endParaRPr lang="nl-NL" dirty="0" smtClean="0"/>
-          </a:p>
-          <a:p>
-            <a:pPr>
-              <a:buFont typeface="+mj-lt"/>
-              <a:buAutoNum type="arabicPeriod"/>
-            </a:pPr>
-            <a:endParaRPr lang="nl-NL" dirty="0" smtClean="0"/>
-          </a:p>
-          <a:p>
-            <a:pPr>
-              <a:buFont typeface="+mj-lt"/>
-              <a:buAutoNum type="arabicPeriod"/>
-            </a:pPr>
-            <a:r>
-              <a:rPr lang="nl-NL" dirty="0" smtClean="0"/>
-              <a:t>Afsluiten: </a:t>
-            </a:r>
-            <a:r>
-              <a:rPr lang="nl-NL" dirty="0" err="1" smtClean="0"/>
-              <a:t>mvn</a:t>
-            </a:r>
-            <a:r>
-              <a:rPr lang="nl-NL" dirty="0" smtClean="0"/>
-              <a:t> </a:t>
-            </a:r>
-            <a:r>
-              <a:rPr lang="nl-NL" dirty="0" err="1" smtClean="0"/>
-              <a:t>wildfly</a:t>
-            </a:r>
-            <a:r>
-              <a:rPr lang="nl-NL" dirty="0" smtClean="0"/>
-              <a:t>:</a:t>
-            </a:r>
-            <a:r>
-              <a:rPr lang="nl-NL" dirty="0" err="1" smtClean="0"/>
-              <a:t>undeploy</a:t>
-            </a:r>
-            <a:endParaRPr lang="nl-NL" dirty="0" smtClean="0"/>
-          </a:p>
-          <a:p>
+              <a:t>scenerios</a:t>
+            </a:r>
+            <a:r>
+              <a:rPr lang="nl-NL" dirty="0" smtClean="0"/>
+              <a:t>. Bijvoorbeeld landgebonden belastingsregels</a:t>
+            </a:r>
+          </a:p>
+          <a:p>
+            <a:pPr lvl="1"/>
+            <a:r>
+              <a:rPr lang="nl-NL" dirty="0" smtClean="0"/>
+              <a:t>Maken dummy/</a:t>
+            </a:r>
+            <a:r>
+              <a:rPr lang="nl-NL" dirty="0" err="1" smtClean="0"/>
+              <a:t>mock</a:t>
+            </a:r>
+            <a:r>
+              <a:rPr lang="nl-NL" dirty="0" smtClean="0"/>
+              <a:t> voor </a:t>
+            </a:r>
+            <a:r>
+              <a:rPr lang="nl-NL" dirty="0" err="1" smtClean="0"/>
+              <a:t>testing</a:t>
+            </a:r>
             <a:endParaRPr lang="nl-NL" dirty="0" smtClean="0"/>
           </a:p>
         </p:txBody>
@@ -16849,7 +16927,7 @@
     </p:spTree>
     <p:extLst>
       <p:ext uri="{BB962C8B-B14F-4D97-AF65-F5344CB8AC3E}">
-        <p14:creationId xmlns="" xmlns:p14="http://schemas.microsoft.com/office/powerpoint/2010/main" val="869414858"/>
+        <p14:creationId xmlns:p14="http://schemas.microsoft.com/office/powerpoint/2010/main" val="869414858"/>
       </p:ext>
     </p:extLst>
   </p:cSld>
@@ -16897,16 +16975,8 @@
           <a:lstStyle/>
           <a:p>
             <a:r>
-              <a:rPr lang="nl-NL" dirty="0" smtClean="0"/>
-              <a:t>EJB </a:t>
-            </a:r>
-            <a:r>
-              <a:rPr lang="nl-NL" dirty="0" err="1" smtClean="0"/>
-              <a:t>alternative</a:t>
-            </a:r>
-            <a:r>
-              <a:rPr lang="nl-NL" dirty="0" smtClean="0"/>
-              <a:t>: Uitleg Applicatie</a:t>
+              <a:rPr lang="nl-NL" dirty="0" err="1" smtClean="0"/>
+              <a:t>Greeter</a:t>
             </a:r>
             <a:endParaRPr lang="nl-NL" dirty="0"/>
           </a:p>
@@ -16929,104 +16999,14 @@
           <a:p>
             <a:r>
               <a:rPr lang="nl-NL" dirty="0" smtClean="0"/>
-              <a:t>Structuur/opzet</a:t>
-            </a:r>
-          </a:p>
-          <a:p>
-            <a:r>
-              <a:rPr lang="nl-NL" dirty="0" smtClean="0"/>
-              <a:t>Annotaties</a:t>
-            </a:r>
-          </a:p>
-          <a:p>
-            <a:r>
-              <a:rPr lang="nl-NL" dirty="0" smtClean="0"/>
-              <a:t>Uitleg meerwaarde </a:t>
-            </a:r>
-            <a:r>
-              <a:rPr lang="nl-NL" dirty="0" err="1" smtClean="0"/>
-              <a:t>alternatives</a:t>
-            </a:r>
-            <a:endParaRPr lang="nl-NL" dirty="0" smtClean="0"/>
-          </a:p>
-          <a:p>
-            <a:pPr lvl="1"/>
-            <a:r>
-              <a:rPr lang="nl-NL" dirty="0" smtClean="0"/>
-              <a:t>Bepalen </a:t>
-            </a:r>
-            <a:r>
-              <a:rPr lang="nl-NL" dirty="0" err="1" smtClean="0"/>
-              <a:t>client-specific</a:t>
-            </a:r>
-            <a:r>
-              <a:rPr lang="nl-NL" dirty="0" smtClean="0"/>
-              <a:t> business </a:t>
-            </a:r>
-            <a:r>
-              <a:rPr lang="nl-NL" dirty="0" err="1" smtClean="0"/>
-              <a:t>logic</a:t>
-            </a:r>
-            <a:r>
-              <a:rPr lang="nl-NL" dirty="0" smtClean="0"/>
-              <a:t> met </a:t>
-            </a:r>
-            <a:r>
-              <a:rPr lang="nl-NL" dirty="0" err="1" smtClean="0"/>
-              <a:t>runtime</a:t>
-            </a:r>
-            <a:endParaRPr lang="nl-NL" dirty="0" smtClean="0"/>
-          </a:p>
-          <a:p>
-            <a:pPr lvl="1"/>
-            <a:r>
-              <a:rPr lang="nl-NL" dirty="0" smtClean="0"/>
-              <a:t>Specificeren </a:t>
-            </a:r>
-            <a:r>
-              <a:rPr lang="nl-NL" dirty="0" err="1" smtClean="0"/>
-              <a:t>beans</a:t>
-            </a:r>
-            <a:r>
-              <a:rPr lang="nl-NL" dirty="0" smtClean="0"/>
-              <a:t> die moeten gelden onder specifieke </a:t>
-            </a:r>
-            <a:r>
-              <a:rPr lang="nl-NL" dirty="0" err="1" smtClean="0"/>
-              <a:t>deployment</a:t>
-            </a:r>
-            <a:r>
-              <a:rPr lang="nl-NL" dirty="0" smtClean="0"/>
-              <a:t> </a:t>
-            </a:r>
-            <a:r>
-              <a:rPr lang="nl-NL" dirty="0" err="1" smtClean="0"/>
-              <a:t>scenerios</a:t>
-            </a:r>
-            <a:r>
-              <a:rPr lang="nl-NL" dirty="0" smtClean="0"/>
-              <a:t>. Bijvoorbeeld landgebonden belastingsregels</a:t>
-            </a:r>
-          </a:p>
-          <a:p>
-            <a:pPr lvl="1"/>
-            <a:r>
-              <a:rPr lang="nl-NL" dirty="0" smtClean="0"/>
-              <a:t>Maken dummy/</a:t>
-            </a:r>
-            <a:r>
-              <a:rPr lang="nl-NL" dirty="0" err="1" smtClean="0"/>
-              <a:t>mock</a:t>
-            </a:r>
-            <a:r>
-              <a:rPr lang="nl-NL" dirty="0" smtClean="0"/>
-              <a:t> voor </a:t>
-            </a:r>
-            <a:r>
-              <a:rPr lang="nl-NL" dirty="0" err="1" smtClean="0"/>
-              <a:t>testing</a:t>
-            </a:r>
-            <a:endParaRPr lang="nl-NL" dirty="0" smtClean="0"/>
+              <a:t>Opdracht</a:t>
+            </a:r>
+          </a:p>
+          <a:p>
+            <a:r>
+              <a:rPr lang="nl-NL" dirty="0" smtClean="0"/>
+              <a:t>Uitleg</a:t>
+            </a:r>
           </a:p>
         </p:txBody>
       </p:sp>
@@ -17079,7 +17059,7 @@
     </p:spTree>
     <p:extLst>
       <p:ext uri="{BB962C8B-B14F-4D97-AF65-F5344CB8AC3E}">
-        <p14:creationId xmlns="" xmlns:p14="http://schemas.microsoft.com/office/powerpoint/2010/main" val="869414858"/>
+        <p14:creationId xmlns:p14="http://schemas.microsoft.com/office/powerpoint/2010/main" val="869414858"/>
       </p:ext>
     </p:extLst>
   </p:cSld>
@@ -17130,6 +17110,10 @@
               <a:rPr lang="nl-NL" dirty="0" err="1" smtClean="0"/>
               <a:t>Greeter</a:t>
             </a:r>
+            <a:r>
+              <a:rPr lang="nl-NL" dirty="0" smtClean="0"/>
+              <a:t>: opdracht</a:t>
+            </a:r>
             <a:endParaRPr lang="nl-NL" dirty="0"/>
           </a:p>
         </p:txBody>
@@ -17149,16 +17133,124 @@
           <a:bodyPr/>
           <a:lstStyle/>
           <a:p>
-            <a:r>
-              <a:rPr lang="nl-NL" dirty="0" smtClean="0"/>
-              <a:t>Opdracht</a:t>
-            </a:r>
-          </a:p>
-          <a:p>
-            <a:r>
-              <a:rPr lang="nl-NL" dirty="0" smtClean="0"/>
-              <a:t>Uitleg</a:t>
-            </a:r>
+            <a:pPr>
+              <a:buFont typeface="+mj-lt"/>
+              <a:buAutoNum type="arabicPeriod"/>
+            </a:pPr>
+            <a:r>
+              <a:rPr lang="nl-NL" dirty="0" smtClean="0"/>
+              <a:t>Vul </a:t>
+            </a:r>
+            <a:r>
+              <a:rPr lang="nl-NL" dirty="0" err="1" smtClean="0"/>
+              <a:t>User.java</a:t>
+            </a:r>
+            <a:r>
+              <a:rPr lang="nl-NL" dirty="0" smtClean="0"/>
+              <a:t> verder aan</a:t>
+            </a:r>
+          </a:p>
+          <a:p>
+            <a:pPr>
+              <a:buFont typeface="+mj-lt"/>
+              <a:buAutoNum type="arabicPeriod"/>
+            </a:pPr>
+            <a:r>
+              <a:rPr lang="nl-NL" dirty="0" smtClean="0"/>
+              <a:t>Resources </a:t>
+            </a:r>
+          </a:p>
+          <a:p>
+            <a:pPr>
+              <a:buFont typeface="+mj-lt"/>
+              <a:buAutoNum type="arabicPeriod"/>
+            </a:pPr>
+            <a:r>
+              <a:rPr lang="nl-NL" dirty="0" err="1" smtClean="0"/>
+              <a:t>UserDao</a:t>
+            </a:r>
+            <a:r>
+              <a:rPr lang="nl-NL" dirty="0" smtClean="0"/>
+              <a:t> interface: bevat business </a:t>
+            </a:r>
+            <a:r>
+              <a:rPr lang="nl-NL" dirty="0" err="1" smtClean="0"/>
+              <a:t>methods</a:t>
+            </a:r>
+            <a:endParaRPr lang="nl-NL" dirty="0" smtClean="0"/>
+          </a:p>
+          <a:p>
+            <a:pPr>
+              <a:buFont typeface="+mj-lt"/>
+              <a:buAutoNum type="arabicPeriod"/>
+            </a:pPr>
+            <a:r>
+              <a:rPr lang="nl-NL" dirty="0" err="1" smtClean="0"/>
+              <a:t>ManagedBeanUserDao</a:t>
+            </a:r>
+            <a:r>
+              <a:rPr lang="nl-NL" dirty="0" smtClean="0"/>
+              <a:t>: implementatie </a:t>
+            </a:r>
+            <a:r>
+              <a:rPr lang="nl-NL" dirty="0" err="1" smtClean="0"/>
+              <a:t>UserDao</a:t>
+            </a:r>
+            <a:endParaRPr lang="nl-NL" dirty="0" smtClean="0"/>
+          </a:p>
+          <a:p>
+            <a:pPr lvl="1"/>
+            <a:r>
+              <a:rPr lang="nl-NL" dirty="0" smtClean="0"/>
+              <a:t>Maak hier de </a:t>
+            </a:r>
+            <a:r>
+              <a:rPr lang="nl-NL" dirty="0" err="1" smtClean="0"/>
+              <a:t>createUser</a:t>
+            </a:r>
+            <a:r>
+              <a:rPr lang="nl-NL" dirty="0" smtClean="0"/>
+              <a:t> </a:t>
+            </a:r>
+            <a:r>
+              <a:rPr lang="nl-NL" dirty="0" err="1" smtClean="0"/>
+              <a:t>method</a:t>
+            </a:r>
+            <a:endParaRPr lang="nl-NL" dirty="0" smtClean="0"/>
+          </a:p>
+          <a:p>
+            <a:pPr>
+              <a:buNone/>
+            </a:pPr>
+            <a:endParaRPr lang="nl-NL" dirty="0" smtClean="0"/>
+          </a:p>
+          <a:p>
+            <a:pPr>
+              <a:buNone/>
+            </a:pPr>
+            <a:r>
+              <a:rPr lang="nl-NL" dirty="0" smtClean="0"/>
+              <a:t>5.	</a:t>
+            </a:r>
+            <a:r>
+              <a:rPr lang="nl-NL" dirty="0" err="1" smtClean="0"/>
+              <a:t>EJBUserDao</a:t>
+            </a:r>
+            <a:r>
+              <a:rPr lang="nl-NL" dirty="0" smtClean="0"/>
+              <a:t> is @</a:t>
+            </a:r>
+            <a:r>
+              <a:rPr lang="nl-NL" dirty="0" err="1" smtClean="0"/>
+              <a:t>Alternative</a:t>
+            </a:r>
+            <a:r>
+              <a:rPr lang="nl-NL" dirty="0" smtClean="0"/>
+              <a:t> schakel deze in</a:t>
+            </a:r>
+          </a:p>
+          <a:p>
+            <a:endParaRPr lang="nl-NL" dirty="0" smtClean="0"/>
           </a:p>
         </p:txBody>
       </p:sp>
@@ -17211,7 +17303,7 @@
     </p:spTree>
     <p:extLst>
       <p:ext uri="{BB962C8B-B14F-4D97-AF65-F5344CB8AC3E}">
-        <p14:creationId xmlns="" xmlns:p14="http://schemas.microsoft.com/office/powerpoint/2010/main" val="869414858"/>
+        <p14:creationId xmlns:p14="http://schemas.microsoft.com/office/powerpoint/2010/main" val="869414858"/>
       </p:ext>
     </p:extLst>
   </p:cSld>
@@ -17240,7 +17332,7 @@
       </p:grpSpPr>
       <p:sp>
         <p:nvSpPr>
-          <p:cNvPr id="2" name="Titel 1"/>
+          <p:cNvPr id="2" name="Title 1"/>
           <p:cNvSpPr>
             <a:spLocks noGrp="1"/>
           </p:cNvSpPr>
@@ -17255,7 +17347,15 @@
           <a:p>
             <a:r>
               <a:rPr lang="nl-NL" dirty="0" smtClean="0"/>
-              <a:t>CDI: Simpel voorbeeld</a:t>
+              <a:t>Java SE (Standard </a:t>
+            </a:r>
+            <a:r>
+              <a:rPr lang="nl-NL" dirty="0" err="1" smtClean="0"/>
+              <a:t>Edition</a:t>
+            </a:r>
+            <a:r>
+              <a:rPr lang="nl-NL" dirty="0" smtClean="0"/>
+              <a:t>)</a:t>
             </a:r>
             <a:endParaRPr lang="nl-NL" dirty="0"/>
           </a:p>
@@ -17263,7 +17363,7 @@
       </p:sp>
       <p:sp>
         <p:nvSpPr>
-          <p:cNvPr id="3" name="Tijdelijke aanduiding voor inhoud 2"/>
+          <p:cNvPr id="3" name="Content Placeholder 2"/>
           <p:cNvSpPr>
             <a:spLocks noGrp="1"/>
           </p:cNvSpPr>
@@ -17271,198 +17371,195 @@
             <p:ph idx="1"/>
           </p:nvPr>
         </p:nvSpPr>
-        <p:spPr>
-          <a:xfrm>
-            <a:off x="460375" y="1371599"/>
-            <a:ext cx="8226000" cy="5012779"/>
-          </a:xfrm>
-        </p:spPr>
-        <p:txBody>
-          <a:bodyPr/>
-          <a:lstStyle/>
-          <a:p>
-            <a:r>
-              <a:rPr lang="en-US" sz="2400" dirty="0" smtClean="0">
-                <a:solidFill>
-                  <a:srgbClr val="00B0F0"/>
-                </a:solidFill>
-              </a:rPr>
-              <a:t>@Named</a:t>
-            </a:r>
-            <a:br>
-              <a:rPr lang="en-US" sz="2400" dirty="0" smtClean="0">
-                <a:solidFill>
-                  <a:srgbClr val="00B0F0"/>
-                </a:solidFill>
-              </a:rPr>
-            </a:br>
-            <a:r>
-              <a:rPr lang="en-US" sz="2400" dirty="0" smtClean="0">
-                <a:solidFill>
-                  <a:srgbClr val="00B0F0"/>
-                </a:solidFill>
-              </a:rPr>
-              <a:t>@Stateless</a:t>
-            </a:r>
-            <a:r>
-              <a:rPr lang="en-US" sz="2400" dirty="0" smtClean="0"/>
-              <a:t/>
-            </a:r>
-            <a:br>
-              <a:rPr lang="en-US" sz="2400" dirty="0" smtClean="0"/>
-            </a:br>
-            <a:r>
-              <a:rPr lang="en-US" sz="2400" dirty="0" smtClean="0"/>
-              <a:t>public class Cart {</a:t>
-            </a:r>
-            <a:br>
-              <a:rPr lang="en-US" sz="2400" dirty="0" smtClean="0"/>
-            </a:br>
-            <a:r>
-              <a:rPr lang="en-US" sz="2400" dirty="0" smtClean="0"/>
-              <a:t>     </a:t>
-            </a:r>
-            <a:r>
-              <a:rPr lang="en-US" sz="2400" dirty="0" smtClean="0">
-                <a:solidFill>
-                  <a:srgbClr val="00B0F0"/>
-                </a:solidFill>
-              </a:rPr>
-              <a:t>@Inject  </a:t>
-            </a:r>
-            <a:r>
-              <a:rPr lang="en-US" sz="2400" dirty="0" smtClean="0"/>
-              <a:t/>
-            </a:r>
-            <a:br>
-              <a:rPr lang="en-US" sz="2400" dirty="0" smtClean="0"/>
-            </a:br>
-            <a:r>
-              <a:rPr lang="en-US" sz="2400" dirty="0" smtClean="0"/>
-              <a:t>     </a:t>
-            </a:r>
-            <a:r>
-              <a:rPr lang="en-US" sz="2400" dirty="0" err="1" smtClean="0"/>
-              <a:t>OrderSystem</a:t>
-            </a:r>
-            <a:r>
-              <a:rPr lang="en-US" sz="2400" dirty="0" smtClean="0"/>
-              <a:t> ordering;</a:t>
-            </a:r>
-            <a:br>
-              <a:rPr lang="en-US" sz="2400" dirty="0" smtClean="0"/>
-            </a:br>
-            <a:r>
-              <a:rPr lang="en-US" sz="2400" dirty="0" smtClean="0"/>
-              <a:t/>
-            </a:r>
-            <a:br>
-              <a:rPr lang="en-US" sz="2400" dirty="0" smtClean="0"/>
-            </a:br>
-            <a:r>
-              <a:rPr lang="en-US" sz="2400" dirty="0" smtClean="0"/>
-              <a:t>     </a:t>
-            </a:r>
-            <a:r>
-              <a:rPr lang="en-US" sz="2400" dirty="0" smtClean="0">
-                <a:solidFill>
-                  <a:srgbClr val="00B0F0"/>
-                </a:solidFill>
-              </a:rPr>
-              <a:t>@Inject</a:t>
-            </a:r>
-            <a:r>
-              <a:rPr lang="en-US" sz="2400" dirty="0" smtClean="0"/>
-              <a:t/>
-            </a:r>
-            <a:br>
-              <a:rPr lang="en-US" sz="2400" dirty="0" smtClean="0"/>
-            </a:br>
-            <a:r>
-              <a:rPr lang="en-US" sz="2400" dirty="0" smtClean="0"/>
-              <a:t>      </a:t>
-            </a:r>
-            <a:r>
-              <a:rPr lang="en-US" sz="2400" dirty="0" err="1" smtClean="0"/>
-              <a:t>CustomerNotification</a:t>
-            </a:r>
-            <a:r>
-              <a:rPr lang="en-US" sz="2400" dirty="0" smtClean="0"/>
+        <p:spPr/>
+        <p:txBody>
+          <a:bodyPr/>
+          <a:lstStyle/>
+          <a:p>
+            <a:r>
+              <a:rPr lang="nl-NL" dirty="0" smtClean="0"/>
+              <a:t>Core API of Java</a:t>
+            </a:r>
+          </a:p>
+          <a:p>
+            <a:pPr lvl="1">
+              <a:buFont typeface="Arial" pitchFamily="34" charset="0"/>
+              <a:buChar char="•"/>
+            </a:pPr>
+            <a:r>
+              <a:rPr lang="nl-NL" dirty="0" smtClean="0"/>
+              <a:t>Basis types en objecten</a:t>
+            </a:r>
+          </a:p>
+          <a:p>
+            <a:pPr lvl="1">
+              <a:buFont typeface="Arial" pitchFamily="34" charset="0"/>
+              <a:buChar char="•"/>
+            </a:pPr>
+            <a:r>
+              <a:rPr lang="nl-NL" dirty="0" err="1" smtClean="0"/>
+              <a:t>High-level</a:t>
+            </a:r>
+            <a:r>
+              <a:rPr lang="nl-NL" dirty="0" smtClean="0"/>
+              <a:t> classes voor </a:t>
+            </a:r>
+            <a:r>
+              <a:rPr lang="nl-NL" dirty="0" err="1" smtClean="0"/>
+              <a:t>networking</a:t>
+            </a:r>
+            <a:r>
+              <a:rPr lang="nl-NL" dirty="0" smtClean="0"/>
+              <a:t>, </a:t>
+            </a:r>
+            <a:r>
+              <a:rPr lang="nl-NL" dirty="0" err="1" smtClean="0"/>
+              <a:t>security</a:t>
+            </a:r>
+            <a:r>
+              <a:rPr lang="nl-NL" dirty="0" smtClean="0"/>
+              <a:t>, database </a:t>
+            </a:r>
+            <a:r>
+              <a:rPr lang="nl-NL" dirty="0" err="1" smtClean="0"/>
+              <a:t>access</a:t>
+            </a:r>
+            <a:r>
+              <a:rPr lang="nl-NL" dirty="0" smtClean="0"/>
+              <a:t>, GUI en XML </a:t>
+            </a:r>
+            <a:r>
+              <a:rPr lang="nl-NL" dirty="0" err="1" smtClean="0"/>
+              <a:t>parsing</a:t>
+            </a:r>
+            <a:endParaRPr lang="nl-NL" dirty="0" smtClean="0"/>
+          </a:p>
+          <a:p>
+            <a:pPr lvl="1"/>
+            <a:endParaRPr lang="nl-NL" dirty="0" smtClean="0"/>
+          </a:p>
+          <a:p>
+            <a:r>
+              <a:rPr lang="nl-NL" dirty="0" smtClean="0"/>
+              <a:t>Naast de core API:</a:t>
+            </a:r>
+          </a:p>
+          <a:p>
+            <a:pPr lvl="1">
+              <a:buFont typeface="Arial" pitchFamily="34" charset="0"/>
+              <a:buChar char="•"/>
+            </a:pPr>
+            <a:r>
+              <a:rPr lang="nl-NL" dirty="0" err="1" smtClean="0"/>
+              <a:t>Virtual</a:t>
+            </a:r>
+            <a:r>
+              <a:rPr lang="nl-NL" dirty="0" smtClean="0"/>
+              <a:t> machine</a:t>
+            </a:r>
+          </a:p>
+          <a:p>
+            <a:pPr lvl="1">
+              <a:buFont typeface="Arial" pitchFamily="34" charset="0"/>
+              <a:buChar char="•"/>
+            </a:pPr>
+            <a:r>
+              <a:rPr lang="nl-NL" dirty="0" err="1" smtClean="0"/>
+              <a:t>Development</a:t>
+            </a:r>
+            <a:r>
+              <a:rPr lang="nl-NL" dirty="0" smtClean="0"/>
               <a:t> </a:t>
             </a:r>
             <a:r>
-              <a:rPr lang="en-US" sz="2400" dirty="0" err="1" smtClean="0"/>
-              <a:t>notifier</a:t>
-            </a:r>
-            <a:r>
-              <a:rPr lang="en-US" sz="2400" dirty="0" smtClean="0"/>
-              <a:t>;</a:t>
-            </a:r>
-            <a:br>
-              <a:rPr lang="en-US" sz="2400" dirty="0" smtClean="0"/>
-            </a:br>
-            <a:r>
-              <a:rPr lang="en-US" sz="2400" dirty="0" smtClean="0"/>
-              <a:t/>
-            </a:r>
-            <a:br>
-              <a:rPr lang="en-US" sz="2400" dirty="0" smtClean="0"/>
-            </a:br>
-            <a:r>
-              <a:rPr lang="en-US" sz="2400" dirty="0" smtClean="0"/>
-              <a:t>     public void checkout(){</a:t>
-            </a:r>
-            <a:br>
-              <a:rPr lang="en-US" sz="2400" dirty="0" smtClean="0"/>
-            </a:br>
-            <a:r>
-              <a:rPr lang="en-US" sz="2400" dirty="0" smtClean="0"/>
-              <a:t>               </a:t>
-            </a:r>
-            <a:r>
-              <a:rPr lang="en-US" sz="2400" dirty="0" err="1" smtClean="0"/>
-              <a:t>ordering.placeOrder</a:t>
-            </a:r>
-            <a:r>
-              <a:rPr lang="en-US" sz="2400" dirty="0" smtClean="0"/>
-              <a:t>();</a:t>
-            </a:r>
-            <a:br>
-              <a:rPr lang="en-US" sz="2400" dirty="0" smtClean="0"/>
-            </a:br>
-            <a:r>
-              <a:rPr lang="en-US" sz="2400" dirty="0" smtClean="0"/>
-              <a:t>               </a:t>
-            </a:r>
-            <a:r>
-              <a:rPr lang="en-US" sz="2400" dirty="0" err="1" smtClean="0"/>
-              <a:t>notifier.sendNotification</a:t>
-            </a:r>
-            <a:r>
-              <a:rPr lang="en-US" sz="2400" dirty="0" smtClean="0"/>
-              <a:t>():</a:t>
-            </a:r>
-            <a:br>
-              <a:rPr lang="en-US" sz="2400" dirty="0" smtClean="0"/>
-            </a:br>
-            <a:r>
-              <a:rPr lang="en-US" sz="2400" dirty="0" smtClean="0"/>
-              <a:t>      }</a:t>
-            </a:r>
-            <a:br>
-              <a:rPr lang="en-US" sz="2400" dirty="0" smtClean="0"/>
-            </a:br>
-            <a:r>
-              <a:rPr lang="en-US" sz="2400" dirty="0" smtClean="0"/>
-              <a:t>}</a:t>
-            </a:r>
-            <a:endParaRPr lang="nl-NL" sz="2400" dirty="0"/>
-          </a:p>
-        </p:txBody>
-      </p:sp>
-      <p:sp>
-        <p:nvSpPr>
-          <p:cNvPr id="4" name="Tijdelijke aanduiding voor dianummer 3"/>
+              <a:rPr lang="nl-NL" dirty="0" err="1" smtClean="0"/>
+              <a:t>tools</a:t>
+            </a:r>
+            <a:endParaRPr lang="nl-NL" dirty="0" smtClean="0"/>
+          </a:p>
+          <a:p>
+            <a:pPr lvl="1">
+              <a:buFont typeface="Arial" pitchFamily="34" charset="0"/>
+              <a:buChar char="•"/>
+            </a:pPr>
+            <a:r>
+              <a:rPr lang="nl-NL" dirty="0" err="1" smtClean="0"/>
+              <a:t>Deployment</a:t>
+            </a:r>
+            <a:r>
+              <a:rPr lang="nl-NL" dirty="0" smtClean="0"/>
+              <a:t>  </a:t>
+            </a:r>
+            <a:r>
+              <a:rPr lang="nl-NL" dirty="0" err="1" smtClean="0"/>
+              <a:t>technologies</a:t>
+            </a:r>
+            <a:endParaRPr lang="nl-NL" dirty="0" smtClean="0"/>
+          </a:p>
+          <a:p>
+            <a:pPr lvl="1">
+              <a:buFont typeface="Arial" pitchFamily="34" charset="0"/>
+              <a:buChar char="•"/>
+            </a:pPr>
+            <a:r>
+              <a:rPr lang="nl-NL" dirty="0" err="1" smtClean="0"/>
+              <a:t>Other</a:t>
+            </a:r>
+            <a:r>
+              <a:rPr lang="nl-NL" dirty="0" smtClean="0"/>
+              <a:t> </a:t>
+            </a:r>
+            <a:r>
+              <a:rPr lang="nl-NL" dirty="0" err="1" smtClean="0"/>
+              <a:t>class</a:t>
+            </a:r>
+            <a:r>
+              <a:rPr lang="nl-NL" dirty="0" smtClean="0"/>
+              <a:t> </a:t>
+            </a:r>
+            <a:r>
+              <a:rPr lang="nl-NL" dirty="0" err="1" smtClean="0"/>
+              <a:t>libraries</a:t>
+            </a:r>
+            <a:r>
+              <a:rPr lang="nl-NL" dirty="0" smtClean="0"/>
+              <a:t> and </a:t>
+            </a:r>
+            <a:r>
+              <a:rPr lang="nl-NL" dirty="0" err="1" smtClean="0"/>
+              <a:t>toolkits</a:t>
+            </a:r>
+            <a:endParaRPr lang="nl-NL" dirty="0" smtClean="0"/>
+          </a:p>
+          <a:p>
+            <a:pPr lvl="1"/>
+            <a:endParaRPr lang="nl-NL" dirty="0" smtClean="0"/>
+          </a:p>
+          <a:p>
+            <a:r>
+              <a:rPr lang="nl-NL" dirty="0" smtClean="0"/>
+              <a:t>Java SE </a:t>
+            </a:r>
+            <a:r>
+              <a:rPr lang="nl-NL" dirty="0" err="1" smtClean="0"/>
+              <a:t>standalone</a:t>
+            </a:r>
+            <a:r>
+              <a:rPr lang="nl-NL" dirty="0" smtClean="0"/>
+              <a:t> met JRE</a:t>
+            </a:r>
+          </a:p>
+          <a:p>
+            <a:endParaRPr lang="nl-NL" dirty="0" smtClean="0"/>
+          </a:p>
+          <a:p>
+            <a:endParaRPr lang="nl-NL" dirty="0"/>
+          </a:p>
+        </p:txBody>
+      </p:sp>
+      <p:sp>
+        <p:nvSpPr>
+          <p:cNvPr id="4" name="Slide Number Placeholder 3"/>
           <p:cNvSpPr>
             <a:spLocks noGrp="1"/>
           </p:cNvSpPr>
@@ -17486,7 +17583,7 @@
       </p:sp>
       <p:sp>
         <p:nvSpPr>
-          <p:cNvPr id="5" name="Tijdelijke aanduiding voor voettekst 4"/>
+          <p:cNvPr id="5" name="Footer Placeholder 4"/>
           <p:cNvSpPr>
             <a:spLocks noGrp="1"/>
           </p:cNvSpPr>
@@ -17507,11 +17604,6 @@
         </p:txBody>
       </p:sp>
     </p:spTree>
-    <p:extLst>
-      <p:ext uri="{BB962C8B-B14F-4D97-AF65-F5344CB8AC3E}">
-        <p14:creationId xmlns="" xmlns:p14="http://schemas.microsoft.com/office/powerpoint/2010/main" val="869414858"/>
-      </p:ext>
-    </p:extLst>
   </p:cSld>
   <p:clrMapOvr>
     <a:masterClrMapping/>
@@ -17519,7 +17611,7 @@
   <p:timing>
     <p:tnLst>
       <p:par>
-        <p:cTn id="1" dur="indefinite" restart="never" nodeType="tmRoot"/>
+        <p:cTn xmlns:p14="http://schemas.microsoft.com/office/powerpoint/2010/main" id="1" dur="indefinite" restart="never" nodeType="tmRoot"/>
       </p:par>
     </p:tnLst>
   </p:timing>
@@ -17569,7 +17661,7 @@
             </a:r>
             <a:r>
               <a:rPr lang="nl-NL" dirty="0" smtClean="0"/>
-              <a:t>: opdracht</a:t>
+              <a:t>: Start applicatie</a:t>
             </a:r>
             <a:endParaRPr lang="nl-NL" dirty="0"/>
           </a:p>
@@ -17596,16 +17688,13 @@
             </a:pPr>
             <a:r>
               <a:rPr lang="nl-NL" dirty="0" smtClean="0"/>
-              <a:t>Vul </a:t>
-            </a:r>
-            <a:r>
-              <a:rPr lang="nl-NL" dirty="0" err="1" smtClean="0"/>
-              <a:t>User.java</a:t>
-            </a:r>
-            <a:r>
-              <a:rPr lang="nl-NL" dirty="0" smtClean="0"/>
-              <a:t> verder aan</a:t>
-            </a:r>
+              <a:t>EAP7_HOME\bin\</a:t>
+            </a:r>
+            <a:r>
+              <a:rPr lang="nl-NL" dirty="0" err="1" smtClean="0"/>
+              <a:t>standalone.bat</a:t>
+            </a:r>
+            <a:endParaRPr lang="nl-NL" dirty="0" smtClean="0"/>
           </a:p>
           <a:p>
             <a:pPr>
@@ -17613,9 +17702,34 @@
               <a:buAutoNum type="arabicPeriod"/>
             </a:pPr>
             <a:r>
-              <a:rPr lang="nl-NL" dirty="0" smtClean="0"/>
-              <a:t>Resources </a:t>
-            </a:r>
+              <a:rPr lang="nl-NL" dirty="0" err="1" smtClean="0"/>
+              <a:t>mvn</a:t>
+            </a:r>
+            <a:r>
+              <a:rPr lang="nl-NL" dirty="0" smtClean="0"/>
+              <a:t> clean </a:t>
+            </a:r>
+            <a:r>
+              <a:rPr lang="nl-NL" dirty="0" err="1" smtClean="0"/>
+              <a:t>install</a:t>
+            </a:r>
+            <a:r>
+              <a:rPr lang="nl-NL" dirty="0" smtClean="0"/>
+              <a:t> </a:t>
+            </a:r>
+            <a:r>
+              <a:rPr lang="nl-NL" dirty="0" err="1" smtClean="0"/>
+              <a:t>wildfly</a:t>
+            </a:r>
+            <a:r>
+              <a:rPr lang="nl-NL" dirty="0" smtClean="0"/>
+              <a:t>:</a:t>
+            </a:r>
+            <a:r>
+              <a:rPr lang="nl-NL" dirty="0" err="1" smtClean="0"/>
+              <a:t>deploy</a:t>
+            </a:r>
+            <a:endParaRPr lang="nl-NL" dirty="0" smtClean="0"/>
           </a:p>
           <a:p>
             <a:pPr>
@@ -17623,16 +17737,10 @@
               <a:buAutoNum type="arabicPeriod"/>
             </a:pPr>
             <a:r>
-              <a:rPr lang="nl-NL" dirty="0" err="1" smtClean="0"/>
-              <a:t>UserDao</a:t>
-            </a:r>
-            <a:r>
-              <a:rPr lang="nl-NL" dirty="0" smtClean="0"/>
-              <a:t> interface: bevat business </a:t>
-            </a:r>
-            <a:r>
-              <a:rPr lang="nl-NL" dirty="0" err="1" smtClean="0"/>
-              <a:t>methods</a:t>
+              <a:rPr lang="nl-NL" dirty="0" smtClean="0">
+                <a:hlinkClick r:id="rId3"/>
+              </a:rPr>
+              <a:t>http://localhost:8080/jboss-greeter-7.0.0.GA/greet.jsf</a:t>
             </a:r>
             <a:endParaRPr lang="nl-NL" dirty="0" smtClean="0"/>
           </a:p>
@@ -17641,29 +17749,20 @@
               <a:buFont typeface="+mj-lt"/>
               <a:buAutoNum type="arabicPeriod"/>
             </a:pPr>
-            <a:r>
-              <a:rPr lang="nl-NL" dirty="0" err="1" smtClean="0"/>
-              <a:t>ManagedBeanUserDao</a:t>
-            </a:r>
-            <a:r>
-              <a:rPr lang="nl-NL" dirty="0" smtClean="0"/>
-              <a:t>: implementatie </a:t>
-            </a:r>
-            <a:r>
-              <a:rPr lang="nl-NL" dirty="0" err="1" smtClean="0"/>
-              <a:t>UserDao</a:t>
-            </a:r>
             <a:endParaRPr lang="nl-NL" dirty="0" smtClean="0"/>
           </a:p>
           <a:p>
-            <a:pPr lvl="1"/>
-            <a:r>
-              <a:rPr lang="nl-NL" dirty="0" smtClean="0"/>
-              <a:t>Maak hier de </a:t>
-            </a:r>
-            <a:r>
-              <a:rPr lang="nl-NL" dirty="0" err="1" smtClean="0"/>
-              <a:t>createUser</a:t>
+            <a:pPr>
+              <a:buFont typeface="+mj-lt"/>
+              <a:buAutoNum type="arabicPeriod"/>
+            </a:pPr>
+            <a:r>
+              <a:rPr lang="nl-NL" dirty="0" smtClean="0"/>
+              <a:t>Afsluiten: </a:t>
+            </a:r>
+            <a:r>
+              <a:rPr lang="nl-NL" dirty="0" err="1" smtClean="0"/>
+              <a:t>mvn</a:t>
             </a:r>
             <a:r>
               <a:rPr lang="nl-NL" dirty="0" smtClean="0"/>
@@ -17671,40 +17770,17 @@
             </a:r>
             <a:r>
               <a:rPr lang="nl-NL" dirty="0" err="1" smtClean="0"/>
-              <a:t>method</a:t>
+              <a:t>wildfly</a:t>
+            </a:r>
+            <a:r>
+              <a:rPr lang="nl-NL" dirty="0" smtClean="0"/>
+              <a:t>:</a:t>
+            </a:r>
+            <a:r>
+              <a:rPr lang="nl-NL" dirty="0" err="1" smtClean="0"/>
+              <a:t>undeploy</a:t>
             </a:r>
             <a:endParaRPr lang="nl-NL" dirty="0" smtClean="0"/>
-          </a:p>
-          <a:p>
-            <a:pPr>
-              <a:buNone/>
-            </a:pPr>
-            <a:endParaRPr lang="nl-NL" dirty="0" smtClean="0"/>
-          </a:p>
-          <a:p>
-            <a:pPr>
-              <a:buNone/>
-            </a:pPr>
-            <a:r>
-              <a:rPr lang="nl-NL" dirty="0" smtClean="0"/>
-              <a:t>5.	</a:t>
-            </a:r>
-            <a:r>
-              <a:rPr lang="nl-NL" dirty="0" err="1" smtClean="0"/>
-              <a:t>EJBUserDao</a:t>
-            </a:r>
-            <a:r>
-              <a:rPr lang="nl-NL" dirty="0" smtClean="0"/>
-              <a:t> is @</a:t>
-            </a:r>
-            <a:r>
-              <a:rPr lang="nl-NL" dirty="0" err="1" smtClean="0"/>
-              <a:t>Alternative</a:t>
-            </a:r>
-            <a:r>
-              <a:rPr lang="nl-NL" dirty="0" smtClean="0"/>
-              <a:t> schakel deze in</a:t>
-            </a:r>
           </a:p>
           <a:p>
             <a:endParaRPr lang="nl-NL" dirty="0" smtClean="0"/>
@@ -17760,7 +17836,7 @@
     </p:spTree>
     <p:extLst>
       <p:ext uri="{BB962C8B-B14F-4D97-AF65-F5344CB8AC3E}">
-        <p14:creationId xmlns="" xmlns:p14="http://schemas.microsoft.com/office/powerpoint/2010/main" val="869414858"/>
+        <p14:creationId xmlns:p14="http://schemas.microsoft.com/office/powerpoint/2010/main" val="869414858"/>
       </p:ext>
     </p:extLst>
   </p:cSld>
@@ -17813,7 +17889,7 @@
             </a:r>
             <a:r>
               <a:rPr lang="nl-NL" dirty="0" smtClean="0"/>
-              <a:t>: Start applicatie</a:t>
+              <a:t>: Uitleg Applicatie</a:t>
             </a:r>
             <a:endParaRPr lang="nl-NL" dirty="0"/>
           </a:p>
@@ -17834,107 +17910,71 @@
           <a:bodyPr/>
           <a:lstStyle/>
           <a:p>
-            <a:pPr>
-              <a:buFont typeface="+mj-lt"/>
-              <a:buAutoNum type="arabicPeriod"/>
-            </a:pPr>
-            <a:r>
-              <a:rPr lang="nl-NL" dirty="0" smtClean="0"/>
-              <a:t>EAP7_HOME\bin\</a:t>
-            </a:r>
-            <a:r>
-              <a:rPr lang="nl-NL" dirty="0" err="1" smtClean="0"/>
-              <a:t>standalone.bat</a:t>
+            <a:r>
+              <a:rPr lang="nl-NL" dirty="0" smtClean="0"/>
+              <a:t>Structuur/opzet</a:t>
+            </a:r>
+          </a:p>
+          <a:p>
+            <a:pPr lvl="1"/>
+            <a:r>
+              <a:rPr lang="nl-NL" dirty="0" smtClean="0"/>
+              <a:t>Twee alternatieven </a:t>
+            </a:r>
+            <a:r>
+              <a:rPr lang="nl-NL" dirty="0" err="1" smtClean="0"/>
+              <a:t>ManagedBeanUserDAO</a:t>
+            </a:r>
+            <a:r>
+              <a:rPr lang="nl-NL" dirty="0" smtClean="0"/>
+              <a:t> en </a:t>
+            </a:r>
+            <a:r>
+              <a:rPr lang="nl-NL" dirty="0" err="1" smtClean="0"/>
+              <a:t>EJBUserDao</a:t>
             </a:r>
             <a:endParaRPr lang="nl-NL" dirty="0" smtClean="0"/>
           </a:p>
           <a:p>
-            <a:pPr>
-              <a:buFont typeface="+mj-lt"/>
-              <a:buAutoNum type="arabicPeriod"/>
-            </a:pPr>
-            <a:r>
-              <a:rPr lang="nl-NL" dirty="0" err="1" smtClean="0"/>
-              <a:t>mvn</a:t>
-            </a:r>
-            <a:r>
-              <a:rPr lang="nl-NL" dirty="0" smtClean="0"/>
-              <a:t> clean </a:t>
-            </a:r>
-            <a:r>
-              <a:rPr lang="nl-NL" dirty="0" err="1" smtClean="0"/>
-              <a:t>install</a:t>
-            </a:r>
-            <a:r>
-              <a:rPr lang="nl-NL" dirty="0" smtClean="0"/>
-              <a:t> </a:t>
-            </a:r>
-            <a:r>
-              <a:rPr lang="nl-NL" dirty="0" err="1" smtClean="0"/>
-              <a:t>wildfly</a:t>
-            </a:r>
-            <a:r>
-              <a:rPr lang="nl-NL" dirty="0" smtClean="0"/>
-              <a:t>:</a:t>
-            </a:r>
-            <a:r>
-              <a:rPr lang="nl-NL" dirty="0" err="1" smtClean="0"/>
-              <a:t>deploy</a:t>
-            </a:r>
+            <a:pPr lvl="1"/>
             <a:endParaRPr lang="nl-NL" dirty="0" smtClean="0"/>
           </a:p>
           <a:p>
-            <a:pPr>
-              <a:buFont typeface="+mj-lt"/>
-              <a:buAutoNum type="arabicPeriod"/>
-            </a:pPr>
-            <a:r>
-              <a:rPr lang="nl-NL" dirty="0" smtClean="0">
-                <a:hlinkClick r:id="rId3"/>
-              </a:rPr>
-              <a:t>http://localhost:8080/jboss-greeter-7.0.0.GA/greet.jsf</a:t>
+            <a:r>
+              <a:rPr lang="nl-NL" dirty="0" smtClean="0"/>
+              <a:t>Annotaties</a:t>
+            </a:r>
+          </a:p>
+          <a:p>
+            <a:pPr lvl="1"/>
+            <a:r>
+              <a:rPr lang="nl-NL" dirty="0" smtClean="0"/>
+              <a:t>@</a:t>
+            </a:r>
+            <a:r>
+              <a:rPr lang="nl-NL" dirty="0" err="1" smtClean="0"/>
+              <a:t>Produces</a:t>
             </a:r>
             <a:endParaRPr lang="nl-NL" dirty="0" smtClean="0"/>
           </a:p>
           <a:p>
-            <a:pPr>
-              <a:buFont typeface="+mj-lt"/>
-              <a:buAutoNum type="arabicPeriod"/>
-            </a:pPr>
+            <a:pPr lvl="1"/>
+            <a:r>
+              <a:rPr lang="nl-NL" dirty="0" smtClean="0"/>
+              <a:t>@</a:t>
+            </a:r>
+            <a:r>
+              <a:rPr lang="nl-NL" dirty="0" err="1" smtClean="0"/>
+              <a:t>PersistenceContext</a:t>
+            </a:r>
             <a:endParaRPr lang="nl-NL" dirty="0" smtClean="0"/>
           </a:p>
           <a:p>
-            <a:pPr>
-              <a:buFont typeface="+mj-lt"/>
-              <a:buAutoNum type="arabicPeriod"/>
-            </a:pPr>
-            <a:r>
-              <a:rPr lang="nl-NL" dirty="0" smtClean="0"/>
-              <a:t>Afsluiten: </a:t>
-            </a:r>
-            <a:r>
-              <a:rPr lang="nl-NL" dirty="0" err="1" smtClean="0"/>
-              <a:t>mvn</a:t>
-            </a:r>
-            <a:r>
-              <a:rPr lang="nl-NL" dirty="0" smtClean="0"/>
-              <a:t> </a:t>
-            </a:r>
-            <a:r>
-              <a:rPr lang="nl-NL" dirty="0" err="1" smtClean="0"/>
-              <a:t>wildfly</a:t>
-            </a:r>
-            <a:r>
-              <a:rPr lang="nl-NL" dirty="0" smtClean="0"/>
-              <a:t>:</a:t>
-            </a:r>
-            <a:r>
-              <a:rPr lang="nl-NL" dirty="0" err="1" smtClean="0"/>
-              <a:t>undeploy</a:t>
-            </a:r>
+            <a:pPr lvl="1"/>
             <a:endParaRPr lang="nl-NL" dirty="0" smtClean="0"/>
           </a:p>
           <a:p>
+            <a:pPr lvl="1"/>
             <a:endParaRPr lang="nl-NL" dirty="0" smtClean="0"/>
           </a:p>
         </p:txBody>
@@ -17988,7 +18028,7 @@
     </p:spTree>
     <p:extLst>
       <p:ext uri="{BB962C8B-B14F-4D97-AF65-F5344CB8AC3E}">
-        <p14:creationId xmlns="" xmlns:p14="http://schemas.microsoft.com/office/powerpoint/2010/main" val="869414858"/>
+        <p14:creationId xmlns:p14="http://schemas.microsoft.com/office/powerpoint/2010/main" val="869414858"/>
       </p:ext>
     </p:extLst>
   </p:cSld>
@@ -18035,15 +18075,13 @@
           <a:bodyPr/>
           <a:lstStyle/>
           <a:p>
-            <a:r>
-              <a:rPr lang="nl-NL" dirty="0" err="1" smtClean="0"/>
-              <a:t>Greeter</a:t>
-            </a:r>
-            <a:r>
-              <a:rPr lang="nl-NL" dirty="0" smtClean="0"/>
-              <a:t>: Uitleg Applicatie</a:t>
-            </a:r>
-            <a:endParaRPr lang="nl-NL" dirty="0"/>
+            <a:pPr>
+              <a:defRPr/>
+            </a:pPr>
+            <a:r>
+              <a:rPr lang="nl-NL" sz="3200" dirty="0" smtClean="0"/>
+              <a:t>EJB interceptor</a:t>
+            </a:r>
           </a:p>
         </p:txBody>
       </p:sp>
@@ -18064,70 +18102,14 @@
           <a:p>
             <a:r>
               <a:rPr lang="nl-NL" dirty="0" smtClean="0"/>
-              <a:t>Structuur/opzet</a:t>
-            </a:r>
-          </a:p>
-          <a:p>
-            <a:pPr lvl="1"/>
-            <a:r>
-              <a:rPr lang="nl-NL" dirty="0" smtClean="0"/>
-              <a:t>Twee alternatieven </a:t>
-            </a:r>
-            <a:r>
-              <a:rPr lang="nl-NL" dirty="0" err="1" smtClean="0"/>
-              <a:t>ManagedBeanUserDAO</a:t>
-            </a:r>
-            <a:r>
-              <a:rPr lang="nl-NL" dirty="0" smtClean="0"/>
-              <a:t> en </a:t>
-            </a:r>
-            <a:r>
-              <a:rPr lang="nl-NL" dirty="0" err="1" smtClean="0"/>
-              <a:t>EJBUserDao</a:t>
-            </a:r>
-            <a:endParaRPr lang="nl-NL" dirty="0" smtClean="0"/>
-          </a:p>
-          <a:p>
-            <a:pPr lvl="1"/>
-            <a:endParaRPr lang="nl-NL" dirty="0" smtClean="0"/>
-          </a:p>
-          <a:p>
-            <a:r>
-              <a:rPr lang="nl-NL" dirty="0" smtClean="0"/>
-              <a:t>Annotaties</a:t>
-            </a:r>
-          </a:p>
-          <a:p>
-            <a:pPr lvl="1"/>
-            <a:r>
-              <a:rPr lang="nl-NL" dirty="0" smtClean="0"/>
-              <a:t>@</a:t>
-            </a:r>
-            <a:r>
-              <a:rPr lang="nl-NL" dirty="0" err="1" smtClean="0"/>
-              <a:t>Produces</a:t>
-            </a:r>
-            <a:endParaRPr lang="nl-NL" dirty="0" smtClean="0"/>
-          </a:p>
-          <a:p>
-            <a:pPr lvl="1"/>
-            <a:r>
-              <a:rPr lang="nl-NL" dirty="0" smtClean="0"/>
-              <a:t>@</a:t>
-            </a:r>
-            <a:r>
-              <a:rPr lang="nl-NL" dirty="0" err="1" smtClean="0"/>
-              <a:t>PersistenceContext</a:t>
-            </a:r>
-            <a:endParaRPr lang="nl-NL" dirty="0" smtClean="0"/>
-          </a:p>
-          <a:p>
-            <a:pPr lvl="1"/>
-            <a:endParaRPr lang="nl-NL" dirty="0" smtClean="0"/>
-          </a:p>
-          <a:p>
-            <a:pPr lvl="1"/>
-            <a:endParaRPr lang="nl-NL" dirty="0" smtClean="0"/>
+              <a:t>Opdracht</a:t>
+            </a:r>
+          </a:p>
+          <a:p>
+            <a:r>
+              <a:rPr lang="nl-NL" dirty="0" smtClean="0"/>
+              <a:t>Uitleg</a:t>
+            </a:r>
           </a:p>
         </p:txBody>
       </p:sp>
@@ -18180,7 +18162,7 @@
     </p:spTree>
     <p:extLst>
       <p:ext uri="{BB962C8B-B14F-4D97-AF65-F5344CB8AC3E}">
-        <p14:creationId xmlns="" xmlns:p14="http://schemas.microsoft.com/office/powerpoint/2010/main" val="869414858"/>
+        <p14:creationId xmlns:p14="http://schemas.microsoft.com/office/powerpoint/2010/main" val="869414858"/>
       </p:ext>
     </p:extLst>
   </p:cSld>
@@ -18227,13 +18209,11 @@
           <a:bodyPr/>
           <a:lstStyle/>
           <a:p>
-            <a:pPr>
-              <a:defRPr/>
-            </a:pPr>
-            <a:r>
-              <a:rPr lang="nl-NL" sz="3200" dirty="0" smtClean="0"/>
-              <a:t>EJB interceptor</a:t>
-            </a:r>
+            <a:r>
+              <a:rPr lang="nl-NL" dirty="0" smtClean="0"/>
+              <a:t>EJB interceptor: opdracht</a:t>
+            </a:r>
+            <a:endParaRPr lang="nl-NL" dirty="0"/>
           </a:p>
         </p:txBody>
       </p:sp>
@@ -18253,15 +18233,57 @@
           <a:lstStyle/>
           <a:p>
             <a:r>
-              <a:rPr lang="nl-NL" dirty="0" smtClean="0"/>
-              <a:t>Opdracht</a:t>
-            </a:r>
-          </a:p>
-          <a:p>
-            <a:r>
-              <a:rPr lang="nl-NL" dirty="0" smtClean="0"/>
-              <a:t>Uitleg</a:t>
-            </a:r>
+              <a:rPr lang="nl-NL" dirty="0" err="1" smtClean="0"/>
+              <a:t>Audit</a:t>
+            </a:r>
+            <a:r>
+              <a:rPr lang="nl-NL" dirty="0" smtClean="0"/>
+              <a:t> &amp; </a:t>
+            </a:r>
+            <a:r>
+              <a:rPr lang="nl-NL" dirty="0" err="1" smtClean="0"/>
+              <a:t>AuditInterceptor</a:t>
+            </a:r>
+            <a:r>
+              <a:rPr lang="nl-NL" dirty="0" smtClean="0"/>
+              <a:t> uitleg</a:t>
+            </a:r>
+          </a:p>
+          <a:p>
+            <a:r>
+              <a:rPr lang="nl-NL" dirty="0" smtClean="0"/>
+              <a:t>Voeg de interceptors toe aan de </a:t>
+            </a:r>
+            <a:r>
+              <a:rPr lang="nl-NL" dirty="0" err="1" smtClean="0"/>
+              <a:t>beans.xml</a:t>
+            </a:r>
+            <a:endParaRPr lang="nl-NL" dirty="0" smtClean="0"/>
+          </a:p>
+          <a:p>
+            <a:r>
+              <a:rPr lang="nl-NL" dirty="0" err="1" smtClean="0"/>
+              <a:t>LoggingInterceptor</a:t>
+            </a:r>
+            <a:r>
+              <a:rPr lang="nl-NL" dirty="0" smtClean="0"/>
+              <a:t> zelf aanvullen</a:t>
+            </a:r>
+          </a:p>
+          <a:p>
+            <a:r>
+              <a:rPr lang="nl-NL" dirty="0" err="1" smtClean="0"/>
+              <a:t>ItemBeanService</a:t>
+            </a:r>
+            <a:r>
+              <a:rPr lang="nl-NL" dirty="0" smtClean="0"/>
+              <a:t>: injecteer hier de </a:t>
+            </a:r>
+            <a:r>
+              <a:rPr lang="nl-NL" dirty="0" err="1" smtClean="0"/>
+              <a:t>EntityManager</a:t>
+            </a:r>
+            <a:endParaRPr lang="nl-NL" dirty="0" smtClean="0"/>
           </a:p>
         </p:txBody>
       </p:sp>
@@ -18314,7 +18336,7 @@
     </p:spTree>
     <p:extLst>
       <p:ext uri="{BB962C8B-B14F-4D97-AF65-F5344CB8AC3E}">
-        <p14:creationId xmlns="" xmlns:p14="http://schemas.microsoft.com/office/powerpoint/2010/main" val="869414858"/>
+        <p14:creationId xmlns:p14="http://schemas.microsoft.com/office/powerpoint/2010/main" val="869414858"/>
       </p:ext>
     </p:extLst>
   </p:cSld>
@@ -18363,7 +18385,7 @@
           <a:p>
             <a:r>
               <a:rPr lang="nl-NL" dirty="0" smtClean="0"/>
-              <a:t>EJB interceptor: opdracht</a:t>
+              <a:t>EJB interceptor: Start applicatie</a:t>
             </a:r>
             <a:endParaRPr lang="nl-NL" dirty="0"/>
           </a:p>
@@ -18384,57 +18406,107 @@
           <a:bodyPr/>
           <a:lstStyle/>
           <a:p>
-            <a:r>
-              <a:rPr lang="nl-NL" dirty="0" err="1" smtClean="0"/>
-              <a:t>Audit</a:t>
-            </a:r>
-            <a:r>
-              <a:rPr lang="nl-NL" dirty="0" smtClean="0"/>
-              <a:t> &amp; </a:t>
-            </a:r>
-            <a:r>
-              <a:rPr lang="nl-NL" dirty="0" err="1" smtClean="0"/>
-              <a:t>AuditInterceptor</a:t>
-            </a:r>
-            <a:r>
-              <a:rPr lang="nl-NL" dirty="0" smtClean="0"/>
-              <a:t> uitleg</a:t>
-            </a:r>
-          </a:p>
-          <a:p>
-            <a:r>
-              <a:rPr lang="nl-NL" dirty="0" smtClean="0"/>
-              <a:t>Voeg de interceptors toe aan de </a:t>
-            </a:r>
-            <a:r>
-              <a:rPr lang="nl-NL" dirty="0" err="1" smtClean="0"/>
-              <a:t>beans.xml</a:t>
+            <a:pPr>
+              <a:buFont typeface="+mj-lt"/>
+              <a:buAutoNum type="arabicPeriod"/>
+            </a:pPr>
+            <a:r>
+              <a:rPr lang="nl-NL" dirty="0" smtClean="0"/>
+              <a:t>EAP7_HOME\bin\</a:t>
+            </a:r>
+            <a:r>
+              <a:rPr lang="nl-NL" dirty="0" err="1" smtClean="0"/>
+              <a:t>standalone.bat</a:t>
             </a:r>
             <a:endParaRPr lang="nl-NL" dirty="0" smtClean="0"/>
           </a:p>
           <a:p>
-            <a:r>
-              <a:rPr lang="nl-NL" dirty="0" err="1" smtClean="0"/>
-              <a:t>LoggingInterceptor</a:t>
-            </a:r>
-            <a:r>
-              <a:rPr lang="nl-NL" dirty="0" smtClean="0"/>
-              <a:t> zelf aanvullen</a:t>
-            </a:r>
-          </a:p>
-          <a:p>
-            <a:r>
-              <a:rPr lang="nl-NL" dirty="0" err="1" smtClean="0"/>
-              <a:t>ItemBeanService</a:t>
-            </a:r>
-            <a:r>
-              <a:rPr lang="nl-NL" dirty="0" smtClean="0"/>
-              <a:t>: injecteer hier de </a:t>
-            </a:r>
-            <a:r>
-              <a:rPr lang="nl-NL" dirty="0" err="1" smtClean="0"/>
-              <a:t>EntityManager</a:t>
-            </a:r>
+            <a:pPr>
+              <a:buFont typeface="+mj-lt"/>
+              <a:buAutoNum type="arabicPeriod"/>
+            </a:pPr>
+            <a:r>
+              <a:rPr lang="nl-NL" dirty="0" err="1" smtClean="0"/>
+              <a:t>mvn</a:t>
+            </a:r>
+            <a:r>
+              <a:rPr lang="nl-NL" dirty="0" smtClean="0"/>
+              <a:t> clean </a:t>
+            </a:r>
+            <a:r>
+              <a:rPr lang="nl-NL" dirty="0" err="1" smtClean="0"/>
+              <a:t>install</a:t>
+            </a:r>
+            <a:r>
+              <a:rPr lang="nl-NL" dirty="0" smtClean="0"/>
+              <a:t> </a:t>
+            </a:r>
+            <a:r>
+              <a:rPr lang="nl-NL" dirty="0" err="1" smtClean="0"/>
+              <a:t>wildfly</a:t>
+            </a:r>
+            <a:r>
+              <a:rPr lang="nl-NL" dirty="0" smtClean="0"/>
+              <a:t>:</a:t>
+            </a:r>
+            <a:r>
+              <a:rPr lang="nl-NL" dirty="0" err="1" smtClean="0"/>
+              <a:t>deploy</a:t>
+            </a:r>
+            <a:endParaRPr lang="nl-NL" dirty="0" smtClean="0"/>
+          </a:p>
+          <a:p>
+            <a:pPr>
+              <a:buFont typeface="+mj-lt"/>
+              <a:buAutoNum type="arabicPeriod"/>
+            </a:pPr>
+            <a:r>
+              <a:rPr lang="nl-NL" dirty="0" smtClean="0">
+                <a:hlinkClick r:id="rId3"/>
+              </a:rPr>
+              <a:t>http://localhost:8080/jboss-cdi-interceptors-7.0.0.GA/greet.jsf</a:t>
+            </a:r>
+            <a:endParaRPr lang="nl-NL" dirty="0" smtClean="0"/>
+          </a:p>
+          <a:p>
+            <a:pPr>
+              <a:buFont typeface="+mj-lt"/>
+              <a:buAutoNum type="arabicPeriod"/>
+            </a:pPr>
+            <a:endParaRPr lang="nl-NL" dirty="0" smtClean="0"/>
+          </a:p>
+          <a:p>
+            <a:pPr>
+              <a:buFont typeface="+mj-lt"/>
+              <a:buAutoNum type="arabicPeriod"/>
+            </a:pPr>
+            <a:r>
+              <a:rPr lang="nl-NL" dirty="0" smtClean="0"/>
+              <a:t>Afsluiten: </a:t>
+            </a:r>
+            <a:r>
+              <a:rPr lang="nl-NL" dirty="0" err="1" smtClean="0"/>
+              <a:t>mvn</a:t>
+            </a:r>
+            <a:r>
+              <a:rPr lang="nl-NL" dirty="0" smtClean="0"/>
+              <a:t> </a:t>
+            </a:r>
+            <a:r>
+              <a:rPr lang="nl-NL" dirty="0" err="1" smtClean="0"/>
+              <a:t>wildfly</a:t>
+            </a:r>
+            <a:r>
+              <a:rPr lang="nl-NL" dirty="0" smtClean="0"/>
+              <a:t>:</a:t>
+            </a:r>
+            <a:r>
+              <a:rPr lang="nl-NL" dirty="0" err="1" smtClean="0"/>
+              <a:t>undeploy</a:t>
+            </a:r>
+            <a:endParaRPr lang="nl-NL" dirty="0" smtClean="0"/>
+          </a:p>
+          <a:p>
             <a:endParaRPr lang="nl-NL" dirty="0" smtClean="0"/>
           </a:p>
         </p:txBody>
@@ -18488,7 +18560,7 @@
     </p:spTree>
     <p:extLst>
       <p:ext uri="{BB962C8B-B14F-4D97-AF65-F5344CB8AC3E}">
-        <p14:creationId xmlns="" xmlns:p14="http://schemas.microsoft.com/office/powerpoint/2010/main" val="869414858"/>
+        <p14:creationId xmlns:p14="http://schemas.microsoft.com/office/powerpoint/2010/main" val="869414858"/>
       </p:ext>
     </p:extLst>
   </p:cSld>
@@ -18537,7 +18609,7 @@
           <a:p>
             <a:r>
               <a:rPr lang="nl-NL" dirty="0" smtClean="0"/>
-              <a:t>EJB interceptor: Start applicatie</a:t>
+              <a:t>EJB interceptor: Uitleg Applicatie</a:t>
             </a:r>
             <a:endParaRPr lang="nl-NL" dirty="0"/>
           </a:p>
@@ -18558,108 +18630,150 @@
           <a:bodyPr/>
           <a:lstStyle/>
           <a:p>
-            <a:pPr>
+            <a:r>
+              <a:rPr lang="nl-NL" dirty="0" smtClean="0"/>
+              <a:t>Structuur/opzet</a:t>
+            </a:r>
+          </a:p>
+          <a:p>
+            <a:r>
+              <a:rPr lang="nl-NL" dirty="0" err="1" smtClean="0"/>
+              <a:t>Intercept</a:t>
+            </a:r>
+            <a:endParaRPr lang="nl-NL" dirty="0" smtClean="0"/>
+          </a:p>
+          <a:p>
+            <a:pPr lvl="1"/>
+            <a:r>
+              <a:rPr lang="nl-NL" dirty="0" smtClean="0"/>
+              <a:t>@</a:t>
+            </a:r>
+            <a:r>
+              <a:rPr lang="nl-NL" dirty="0" err="1" smtClean="0"/>
+              <a:t>AroundInvoke</a:t>
+            </a:r>
+            <a:endParaRPr lang="nl-NL" dirty="0" smtClean="0"/>
+          </a:p>
+          <a:p>
+            <a:r>
+              <a:rPr lang="nl-NL" dirty="0" smtClean="0"/>
+              <a:t>Functionaliteit:</a:t>
+            </a:r>
+          </a:p>
+          <a:p>
+            <a:endParaRPr lang="nl-NL" dirty="0" smtClean="0"/>
+          </a:p>
+          <a:p>
+            <a:pPr lvl="1">
+              <a:lnSpc>
+                <a:spcPct val="100000"/>
+              </a:lnSpc>
               <a:buFont typeface="+mj-lt"/>
               <a:buAutoNum type="arabicPeriod"/>
             </a:pPr>
             <a:r>
-              <a:rPr lang="nl-NL" dirty="0" smtClean="0"/>
-              <a:t>EAP7_HOME\bin\</a:t>
-            </a:r>
-            <a:r>
-              <a:rPr lang="nl-NL" dirty="0" err="1" smtClean="0"/>
-              <a:t>standalone.bat</a:t>
-            </a:r>
-            <a:endParaRPr lang="nl-NL" dirty="0" smtClean="0"/>
-          </a:p>
-          <a:p>
-            <a:pPr>
+              <a:rPr lang="en-US" sz="1800" dirty="0" err="1" smtClean="0"/>
+              <a:t>Kijk</a:t>
+            </a:r>
+            <a:r>
+              <a:rPr lang="en-US" sz="1800" dirty="0" smtClean="0"/>
+              <a:t> </a:t>
+            </a:r>
+            <a:r>
+              <a:rPr lang="en-US" sz="1800" dirty="0" err="1" smtClean="0"/>
+              <a:t>naar</a:t>
+            </a:r>
+            <a:r>
+              <a:rPr lang="en-US" sz="1800" dirty="0" smtClean="0"/>
+              <a:t> de audit history in de browser</a:t>
+            </a:r>
+          </a:p>
+          <a:p>
+            <a:pPr lvl="1">
+              <a:lnSpc>
+                <a:spcPct val="100000"/>
+              </a:lnSpc>
               <a:buFont typeface="+mj-lt"/>
               <a:buAutoNum type="arabicPeriod"/>
             </a:pPr>
             <a:r>
-              <a:rPr lang="nl-NL" dirty="0" err="1" smtClean="0"/>
-              <a:t>mvn</a:t>
-            </a:r>
-            <a:r>
-              <a:rPr lang="nl-NL" dirty="0" smtClean="0"/>
-              <a:t> clean </a:t>
-            </a:r>
-            <a:r>
-              <a:rPr lang="nl-NL" dirty="0" err="1" smtClean="0"/>
-              <a:t>install</a:t>
-            </a:r>
-            <a:r>
-              <a:rPr lang="nl-NL" dirty="0" smtClean="0"/>
+              <a:rPr lang="en-US" sz="1800" dirty="0" err="1" smtClean="0"/>
+              <a:t>Kijk</a:t>
+            </a:r>
+            <a:r>
+              <a:rPr lang="en-US" sz="1800" dirty="0" smtClean="0"/>
               <a:t> </a:t>
             </a:r>
             <a:r>
-              <a:rPr lang="nl-NL" dirty="0" err="1" smtClean="0"/>
-              <a:t>wildfly</a:t>
-            </a:r>
-            <a:r>
-              <a:rPr lang="nl-NL" dirty="0" smtClean="0"/>
-              <a:t>:</a:t>
-            </a:r>
-            <a:r>
-              <a:rPr lang="nl-NL" dirty="0" err="1" smtClean="0"/>
-              <a:t>deploy</a:t>
-            </a:r>
-            <a:endParaRPr lang="nl-NL" dirty="0" smtClean="0"/>
-          </a:p>
-          <a:p>
-            <a:pPr>
+              <a:rPr lang="en-US" sz="1800" dirty="0" err="1" smtClean="0"/>
+              <a:t>naar</a:t>
+            </a:r>
+            <a:r>
+              <a:rPr lang="en-US" sz="1800" dirty="0" smtClean="0"/>
+              <a:t> de log messages in de server log</a:t>
+            </a:r>
+          </a:p>
+          <a:p>
+            <a:pPr lvl="1">
+              <a:lnSpc>
+                <a:spcPct val="100000"/>
+              </a:lnSpc>
               <a:buFont typeface="+mj-lt"/>
               <a:buAutoNum type="arabicPeriod"/>
             </a:pPr>
             <a:r>
-              <a:rPr lang="nl-NL" dirty="0" smtClean="0">
-                <a:hlinkClick r:id="rId3"/>
-              </a:rPr>
-              <a:t>http://localhost:8080/jboss-cdi-interceptors-7.0.0.GA/greet.jsf</a:t>
-            </a:r>
-            <a:endParaRPr lang="nl-NL" dirty="0" smtClean="0"/>
-          </a:p>
-          <a:p>
-            <a:pPr>
-              <a:buFont typeface="+mj-lt"/>
-              <a:buAutoNum type="arabicPeriod"/>
-            </a:pPr>
-            <a:endParaRPr lang="nl-NL" dirty="0" smtClean="0"/>
-          </a:p>
-          <a:p>
-            <a:pPr>
-              <a:buFont typeface="+mj-lt"/>
-              <a:buAutoNum type="arabicPeriod"/>
-            </a:pPr>
-            <a:r>
-              <a:rPr lang="nl-NL" dirty="0" smtClean="0"/>
-              <a:t>Afsluiten: </a:t>
-            </a:r>
-            <a:r>
-              <a:rPr lang="nl-NL" dirty="0" err="1" smtClean="0"/>
-              <a:t>mvn</a:t>
-            </a:r>
-            <a:r>
-              <a:rPr lang="nl-NL" dirty="0" smtClean="0"/>
+              <a:rPr lang="en-US" sz="1800" dirty="0" err="1" smtClean="0"/>
+              <a:t>Haal</a:t>
+            </a:r>
+            <a:r>
+              <a:rPr lang="en-US" sz="1800" dirty="0" smtClean="0"/>
+              <a:t> de interceptors </a:t>
+            </a:r>
+            <a:r>
+              <a:rPr lang="en-US" sz="1800" dirty="0" err="1" smtClean="0"/>
+              <a:t>weg</a:t>
+            </a:r>
+            <a:r>
+              <a:rPr lang="en-US" sz="1800" dirty="0" smtClean="0"/>
               <a:t> </a:t>
             </a:r>
             <a:r>
-              <a:rPr lang="nl-NL" dirty="0" err="1" smtClean="0"/>
-              <a:t>wildfly</a:t>
-            </a:r>
-            <a:r>
-              <a:rPr lang="nl-NL" dirty="0" smtClean="0"/>
-              <a:t>:</a:t>
-            </a:r>
-            <a:r>
-              <a:rPr lang="nl-NL" dirty="0" err="1" smtClean="0"/>
-              <a:t>undeploy</a:t>
-            </a:r>
-            <a:endParaRPr lang="nl-NL" dirty="0" smtClean="0"/>
-          </a:p>
-          <a:p>
-            <a:endParaRPr lang="nl-NL" dirty="0" smtClean="0"/>
+              <a:rPr lang="en-US" sz="1800" dirty="0" err="1" smtClean="0"/>
+              <a:t>uit</a:t>
+            </a:r>
+            <a:r>
+              <a:rPr lang="en-US" sz="1800" dirty="0" smtClean="0"/>
+              <a:t> de beans.xml en </a:t>
+            </a:r>
+            <a:r>
+              <a:rPr lang="en-US" sz="1800" dirty="0" err="1" smtClean="0"/>
+              <a:t>kijk</a:t>
+            </a:r>
+            <a:r>
+              <a:rPr lang="en-US" sz="1800" dirty="0" smtClean="0"/>
+              <a:t> </a:t>
+            </a:r>
+            <a:r>
+              <a:rPr lang="en-US" sz="1800" dirty="0" err="1" smtClean="0"/>
+              <a:t>wat</a:t>
+            </a:r>
+            <a:r>
+              <a:rPr lang="en-US" sz="1800" dirty="0" smtClean="0"/>
+              <a:t> </a:t>
+            </a:r>
+            <a:r>
+              <a:rPr lang="en-US" sz="1800" dirty="0" err="1" smtClean="0"/>
+              <a:t>er</a:t>
+            </a:r>
+            <a:r>
+              <a:rPr lang="en-US" sz="1800" dirty="0" smtClean="0"/>
+              <a:t> </a:t>
+            </a:r>
+            <a:r>
+              <a:rPr lang="en-US" sz="1800" dirty="0" err="1" smtClean="0"/>
+              <a:t>gebeurd</a:t>
+            </a:r>
+            <a:endParaRPr lang="nl-NL" sz="1200" dirty="0" smtClean="0"/>
           </a:p>
         </p:txBody>
       </p:sp>
@@ -18712,7 +18826,7 @@
     </p:spTree>
     <p:extLst>
       <p:ext uri="{BB962C8B-B14F-4D97-AF65-F5344CB8AC3E}">
-        <p14:creationId xmlns="" xmlns:p14="http://schemas.microsoft.com/office/powerpoint/2010/main" val="869414858"/>
+        <p14:creationId xmlns:p14="http://schemas.microsoft.com/office/powerpoint/2010/main" val="869414858"/>
       </p:ext>
     </p:extLst>
   </p:cSld>
@@ -18741,7 +18855,7 @@
       </p:grpSpPr>
       <p:sp>
         <p:nvSpPr>
-          <p:cNvPr id="2" name="Titel 1"/>
+          <p:cNvPr id="2" name="Title 1"/>
           <p:cNvSpPr>
             <a:spLocks noGrp="1"/>
           </p:cNvSpPr>
@@ -18749,19 +18863,14 @@
             <p:ph type="title"/>
           </p:nvPr>
         </p:nvSpPr>
-        <p:spPr>
-          <a:xfrm>
-            <a:off x="460375" y="457200"/>
-            <a:ext cx="8226000" cy="914400"/>
-          </a:xfrm>
-        </p:spPr>
-        <p:txBody>
-          <a:bodyPr/>
-          <a:lstStyle/>
-          <a:p>
-            <a:r>
-              <a:rPr lang="nl-NL" dirty="0" smtClean="0"/>
-              <a:t>EJB interceptor: Uitleg Applicatie</a:t>
+        <p:spPr/>
+        <p:txBody>
+          <a:bodyPr/>
+          <a:lstStyle/>
+          <a:p>
+            <a:r>
+              <a:rPr lang="nl-NL" dirty="0" smtClean="0"/>
+              <a:t>Verschil EJB &amp; CDI</a:t>
             </a:r>
             <a:endParaRPr lang="nl-NL" dirty="0"/>
           </a:p>
@@ -18769,7 +18878,7 @@
       </p:sp>
       <p:sp>
         <p:nvSpPr>
-          <p:cNvPr id="3" name="Tijdelijke aanduiding voor inhoud 2"/>
+          <p:cNvPr id="3" name="Content Placeholder 2"/>
           <p:cNvSpPr>
             <a:spLocks noGrp="1"/>
           </p:cNvSpPr>
@@ -18782,156 +18891,121 @@
           <a:bodyPr/>
           <a:lstStyle/>
           <a:p>
-            <a:r>
-              <a:rPr lang="nl-NL" dirty="0" smtClean="0"/>
-              <a:t>Structuur/opzet</a:t>
-            </a:r>
-          </a:p>
-          <a:p>
-            <a:r>
-              <a:rPr lang="nl-NL" dirty="0" err="1" smtClean="0"/>
-              <a:t>Intercept</a:t>
-            </a:r>
+            <a:pPr>
+              <a:buNone/>
+            </a:pPr>
             <a:endParaRPr lang="nl-NL" dirty="0" smtClean="0"/>
           </a:p>
           <a:p>
-            <a:pPr lvl="1"/>
-            <a:r>
-              <a:rPr lang="nl-NL" dirty="0" smtClean="0"/>
-              <a:t>@</a:t>
-            </a:r>
-            <a:r>
-              <a:rPr lang="nl-NL" dirty="0" err="1" smtClean="0"/>
-              <a:t>AroundInvoke</a:t>
+            <a:r>
+              <a:rPr lang="nl-NL" dirty="0" smtClean="0"/>
+              <a:t>EJB &gt;= CDI </a:t>
+            </a:r>
+          </a:p>
+          <a:p>
+            <a:r>
+              <a:rPr lang="nl-NL" dirty="0" smtClean="0"/>
+              <a:t>CDI: container kijkt in een “scope”, a </a:t>
+            </a:r>
+            <a:r>
+              <a:rPr lang="nl-NL" dirty="0" err="1" smtClean="0"/>
+              <a:t>hashmap</a:t>
+            </a:r>
+            <a:r>
+              <a:rPr lang="nl-NL" dirty="0" smtClean="0"/>
+              <a:t> (bv @</a:t>
+            </a:r>
+            <a:r>
+              <a:rPr lang="nl-NL" dirty="0" err="1" smtClean="0"/>
+              <a:t>RequestScoped</a:t>
+            </a:r>
+            <a:r>
+              <a:rPr lang="nl-NL" dirty="0" smtClean="0"/>
+              <a:t>)</a:t>
+            </a:r>
+          </a:p>
+          <a:p>
+            <a:r>
+              <a:rPr lang="nl-NL" dirty="0" smtClean="0"/>
+              <a:t>EJB: </a:t>
+            </a:r>
+            <a:r>
+              <a:rPr lang="nl-NL" dirty="0" err="1" smtClean="0"/>
+              <a:t>stateful</a:t>
+            </a:r>
+            <a:r>
+              <a:rPr lang="nl-NL" dirty="0" smtClean="0"/>
+              <a:t> kijkt ook in een </a:t>
+            </a:r>
+            <a:r>
+              <a:rPr lang="nl-NL" dirty="0" err="1" smtClean="0"/>
+              <a:t>hashmap</a:t>
             </a:r>
             <a:endParaRPr lang="nl-NL" dirty="0" smtClean="0"/>
           </a:p>
           <a:p>
             <a:r>
               <a:rPr lang="nl-NL" dirty="0" smtClean="0"/>
-              <a:t>Functionaliteit:</a:t>
+              <a:t>EJB: </a:t>
+            </a:r>
+            <a:r>
+              <a:rPr lang="nl-NL" dirty="0" err="1" smtClean="0"/>
+              <a:t>stateless</a:t>
+            </a:r>
+            <a:r>
+              <a:rPr lang="nl-NL" dirty="0" smtClean="0"/>
+              <a:t>, een </a:t>
+            </a:r>
+            <a:r>
+              <a:rPr lang="nl-NL" dirty="0" err="1" smtClean="0"/>
+              <a:t>instance</a:t>
+            </a:r>
+            <a:r>
+              <a:rPr lang="nl-NL" dirty="0" smtClean="0"/>
+              <a:t> pool</a:t>
             </a:r>
           </a:p>
           <a:p>
             <a:endParaRPr lang="nl-NL" dirty="0" smtClean="0"/>
           </a:p>
           <a:p>
-            <a:pPr lvl="1">
-              <a:lnSpc>
-                <a:spcPct val="100000"/>
-              </a:lnSpc>
-              <a:buFont typeface="+mj-lt"/>
-              <a:buAutoNum type="arabicPeriod"/>
-            </a:pPr>
-            <a:r>
-              <a:rPr lang="en-US" sz="1800" dirty="0" err="1" smtClean="0"/>
-              <a:t>Kijk</a:t>
-            </a:r>
-            <a:r>
-              <a:rPr lang="en-US" sz="1800" dirty="0" smtClean="0"/>
-              <a:t> </a:t>
-            </a:r>
-            <a:r>
-              <a:rPr lang="en-US" sz="1800" dirty="0" err="1" smtClean="0"/>
-              <a:t>naar</a:t>
-            </a:r>
-            <a:r>
-              <a:rPr lang="en-US" sz="1800" dirty="0" smtClean="0"/>
-              <a:t> de audit history in de browser</a:t>
-            </a:r>
-          </a:p>
-          <a:p>
-            <a:pPr lvl="1">
-              <a:lnSpc>
-                <a:spcPct val="100000"/>
-              </a:lnSpc>
-              <a:buFont typeface="+mj-lt"/>
-              <a:buAutoNum type="arabicPeriod"/>
-            </a:pPr>
-            <a:r>
-              <a:rPr lang="en-US" sz="1800" dirty="0" err="1" smtClean="0"/>
-              <a:t>Kijk</a:t>
-            </a:r>
-            <a:r>
-              <a:rPr lang="en-US" sz="1800" dirty="0" smtClean="0"/>
-              <a:t> </a:t>
-            </a:r>
-            <a:r>
-              <a:rPr lang="en-US" sz="1800" dirty="0" err="1" smtClean="0"/>
-              <a:t>naar</a:t>
-            </a:r>
-            <a:r>
-              <a:rPr lang="en-US" sz="1800" dirty="0" smtClean="0"/>
-              <a:t> de log messages in de server log</a:t>
-            </a:r>
-          </a:p>
-          <a:p>
-            <a:pPr lvl="1">
-              <a:lnSpc>
-                <a:spcPct val="100000"/>
-              </a:lnSpc>
-              <a:buFont typeface="+mj-lt"/>
-              <a:buAutoNum type="arabicPeriod"/>
-            </a:pPr>
-            <a:r>
-              <a:rPr lang="en-US" sz="1800" dirty="0" err="1" smtClean="0"/>
-              <a:t>Haal</a:t>
-            </a:r>
-            <a:r>
-              <a:rPr lang="en-US" sz="1800" dirty="0" smtClean="0"/>
-              <a:t> de interceptors </a:t>
-            </a:r>
-            <a:r>
-              <a:rPr lang="en-US" sz="1800" dirty="0" err="1" smtClean="0"/>
-              <a:t>weg</a:t>
-            </a:r>
-            <a:r>
-              <a:rPr lang="en-US" sz="1800" dirty="0" smtClean="0"/>
-              <a:t> </a:t>
-            </a:r>
-            <a:r>
-              <a:rPr lang="en-US" sz="1800" dirty="0" err="1" smtClean="0"/>
-              <a:t>uit</a:t>
-            </a:r>
-            <a:r>
-              <a:rPr lang="en-US" sz="1800" dirty="0" smtClean="0"/>
-              <a:t> de beans.xml en </a:t>
-            </a:r>
-            <a:r>
-              <a:rPr lang="en-US" sz="1800" dirty="0" err="1" smtClean="0"/>
-              <a:t>kijk</a:t>
-            </a:r>
-            <a:r>
-              <a:rPr lang="en-US" sz="1800" dirty="0" smtClean="0"/>
-              <a:t> </a:t>
-            </a:r>
-            <a:r>
-              <a:rPr lang="en-US" sz="1800" dirty="0" err="1" smtClean="0"/>
-              <a:t>wat</a:t>
-            </a:r>
-            <a:r>
-              <a:rPr lang="en-US" sz="1800" dirty="0" smtClean="0"/>
-              <a:t> </a:t>
-            </a:r>
-            <a:r>
-              <a:rPr lang="en-US" sz="1800" dirty="0" err="1" smtClean="0"/>
-              <a:t>er</a:t>
-            </a:r>
-            <a:r>
-              <a:rPr lang="en-US" sz="1800" dirty="0" smtClean="0"/>
-              <a:t> </a:t>
-            </a:r>
-            <a:r>
-              <a:rPr lang="en-US" sz="1800" dirty="0" err="1" smtClean="0"/>
-              <a:t>gebeurd</a:t>
-            </a:r>
-            <a:endParaRPr lang="nl-NL" sz="1200" dirty="0" smtClean="0"/>
-          </a:p>
-        </p:txBody>
-      </p:sp>
-      <p:sp>
-        <p:nvSpPr>
-          <p:cNvPr id="4" name="Tijdelijke aanduiding voor dianummer 3"/>
+            <a:r>
+              <a:rPr lang="nl-NL" dirty="0" smtClean="0"/>
+              <a:t>EJB meer functionaliteit (transacties, </a:t>
+            </a:r>
+            <a:r>
+              <a:rPr lang="nl-NL" dirty="0" err="1" smtClean="0"/>
+              <a:t>security</a:t>
+            </a:r>
+            <a:r>
+              <a:rPr lang="nl-NL" dirty="0" smtClean="0"/>
+              <a:t>, </a:t>
+            </a:r>
+            <a:r>
+              <a:rPr lang="nl-NL" dirty="0" err="1" smtClean="0"/>
+              <a:t>remote</a:t>
+            </a:r>
+            <a:r>
+              <a:rPr lang="nl-NL" dirty="0" smtClean="0"/>
+              <a:t>, asynchroon </a:t>
+            </a:r>
+            <a:r>
+              <a:rPr lang="nl-NL" dirty="0" err="1" smtClean="0"/>
+              <a:t>etc</a:t>
+            </a:r>
+            <a:r>
+              <a:rPr lang="nl-NL" dirty="0" smtClean="0"/>
+              <a:t>)</a:t>
+            </a:r>
+          </a:p>
+          <a:p>
+            <a:endParaRPr lang="nl-NL" dirty="0"/>
+          </a:p>
+        </p:txBody>
+      </p:sp>
+      <p:sp>
+        <p:nvSpPr>
+          <p:cNvPr id="4" name="Slide Number Placeholder 3"/>
           <p:cNvSpPr>
             <a:spLocks noGrp="1"/>
           </p:cNvSpPr>
@@ -18955,7 +19029,7 @@
       </p:sp>
       <p:sp>
         <p:nvSpPr>
-          <p:cNvPr id="5" name="Tijdelijke aanduiding voor voettekst 4"/>
+          <p:cNvPr id="5" name="Footer Placeholder 4"/>
           <p:cNvSpPr>
             <a:spLocks noGrp="1"/>
           </p:cNvSpPr>
@@ -18976,15 +19050,17 @@
         </p:txBody>
       </p:sp>
     </p:spTree>
-    <p:extLst>
-      <p:ext uri="{BB962C8B-B14F-4D97-AF65-F5344CB8AC3E}">
-        <p14:creationId xmlns="" xmlns:p14="http://schemas.microsoft.com/office/powerpoint/2010/main" val="869414858"/>
-      </p:ext>
-    </p:extLst>
   </p:cSld>
   <p:clrMapOvr>
     <a:masterClrMapping/>
   </p:clrMapOvr>
+  <p:timing>
+    <p:tnLst>
+      <p:par>
+        <p:cTn xmlns:p14="http://schemas.microsoft.com/office/powerpoint/2010/main" id="1" dur="indefinite" restart="never" nodeType="tmRoot"/>
+      </p:par>
+    </p:tnLst>
+  </p:timing>
 </p:sld>
 </file>
 
@@ -19070,7 +19146,15 @@
           <a:p>
             <a:r>
               <a:rPr lang="nl-NL" dirty="0" smtClean="0"/>
-              <a:t>Java SE (Standard </a:t>
+              <a:t>Java EE (</a:t>
+            </a:r>
+            <a:r>
+              <a:rPr lang="nl-NL" dirty="0" err="1" smtClean="0"/>
+              <a:t>Enterprise</a:t>
+            </a:r>
+            <a:r>
+              <a:rPr lang="nl-NL" dirty="0" smtClean="0"/>
+              <a:t> </a:t>
             </a:r>
             <a:r>
               <a:rPr lang="nl-NL" dirty="0" err="1" smtClean="0"/>
@@ -19078,7 +19162,7 @@
             </a:r>
             <a:r>
               <a:rPr lang="nl-NL" dirty="0" smtClean="0"/>
-              <a:t>)</a:t>
+              <a:t>) </a:t>
             </a:r>
             <a:endParaRPr lang="nl-NL" dirty="0"/>
           </a:p>
@@ -19101,94 +19185,59 @@
           <a:p>
             <a:r>
               <a:rPr lang="nl-NL" dirty="0" smtClean="0"/>
-              <a:t>Core API of Java</a:t>
-            </a:r>
-          </a:p>
-          <a:p>
-            <a:pPr lvl="1">
-              <a:buFont typeface="Arial" pitchFamily="34" charset="0"/>
-              <a:buChar char="•"/>
-            </a:pPr>
-            <a:r>
-              <a:rPr lang="nl-NL" dirty="0" smtClean="0"/>
-              <a:t>Basis types en objecten</a:t>
-            </a:r>
-          </a:p>
-          <a:p>
-            <a:pPr lvl="1">
-              <a:buFont typeface="Arial" pitchFamily="34" charset="0"/>
-              <a:buChar char="•"/>
-            </a:pPr>
-            <a:r>
-              <a:rPr lang="nl-NL" dirty="0" err="1" smtClean="0"/>
-              <a:t>High-level</a:t>
-            </a:r>
-            <a:r>
-              <a:rPr lang="nl-NL" dirty="0" smtClean="0"/>
-              <a:t> classes voor </a:t>
-            </a:r>
-            <a:r>
-              <a:rPr lang="nl-NL" dirty="0" err="1" smtClean="0"/>
-              <a:t>networking</a:t>
-            </a:r>
-            <a:r>
-              <a:rPr lang="nl-NL" dirty="0" smtClean="0"/>
-              <a:t>, </a:t>
-            </a:r>
-            <a:r>
-              <a:rPr lang="nl-NL" dirty="0" err="1" smtClean="0"/>
-              <a:t>security</a:t>
-            </a:r>
-            <a:r>
-              <a:rPr lang="nl-NL" dirty="0" smtClean="0"/>
-              <a:t>, database </a:t>
-            </a:r>
-            <a:r>
-              <a:rPr lang="nl-NL" dirty="0" err="1" smtClean="0"/>
-              <a:t>access</a:t>
-            </a:r>
-            <a:r>
-              <a:rPr lang="nl-NL" dirty="0" smtClean="0"/>
-              <a:t>, GUI en XML </a:t>
-            </a:r>
-            <a:r>
-              <a:rPr lang="nl-NL" dirty="0" err="1" smtClean="0"/>
-              <a:t>parsing</a:t>
-            </a:r>
-            <a:endParaRPr lang="nl-NL" dirty="0" smtClean="0"/>
+              <a:t>Gemaakt “bovenop” de Java SE platform</a:t>
+            </a:r>
+          </a:p>
+          <a:p>
+            <a:r>
+              <a:rPr lang="nl-NL" dirty="0" smtClean="0"/>
+              <a:t>API en </a:t>
+            </a:r>
+            <a:r>
+              <a:rPr lang="nl-NL" dirty="0" err="1" smtClean="0"/>
+              <a:t>runtime</a:t>
+            </a:r>
+            <a:r>
+              <a:rPr lang="nl-NL" dirty="0" smtClean="0"/>
+              <a:t> environment voor grootschalige, schaalbare, betrouwbare en veilige netwerk applicaties</a:t>
+            </a:r>
+          </a:p>
+          <a:p>
+            <a:r>
+              <a:rPr lang="nl-NL" dirty="0" smtClean="0"/>
+              <a:t>Voorbeelden: websites, Java </a:t>
+            </a:r>
+            <a:r>
+              <a:rPr lang="nl-NL" dirty="0" err="1" smtClean="0"/>
+              <a:t>Beans</a:t>
+            </a:r>
+            <a:r>
+              <a:rPr lang="nl-NL" dirty="0" smtClean="0"/>
+              <a:t> en server applicaties</a:t>
+            </a:r>
+          </a:p>
+          <a:p>
+            <a:r>
+              <a:rPr lang="nl-NL" dirty="0" smtClean="0"/>
+              <a:t>Applicatie server noodzakelijk!</a:t>
+            </a:r>
           </a:p>
           <a:p>
             <a:pPr lvl="1"/>
-            <a:endParaRPr lang="nl-NL" dirty="0" smtClean="0"/>
-          </a:p>
-          <a:p>
-            <a:r>
-              <a:rPr lang="nl-NL" dirty="0" smtClean="0"/>
-              <a:t>Naast de core API:</a:t>
-            </a:r>
-          </a:p>
-          <a:p>
-            <a:pPr lvl="1">
-              <a:buFont typeface="Arial" pitchFamily="34" charset="0"/>
-              <a:buChar char="•"/>
-            </a:pPr>
-            <a:r>
-              <a:rPr lang="nl-NL" dirty="0" err="1" smtClean="0"/>
-              <a:t>Virtual</a:t>
-            </a:r>
-            <a:r>
-              <a:rPr lang="nl-NL" dirty="0" smtClean="0"/>
-              <a:t> machine</a:t>
-            </a:r>
-          </a:p>
-          <a:p>
-            <a:pPr lvl="1">
-              <a:buFont typeface="Arial" pitchFamily="34" charset="0"/>
-              <a:buChar char="•"/>
-            </a:pPr>
-            <a:r>
-              <a:rPr lang="nl-NL" dirty="0" err="1" smtClean="0"/>
-              <a:t>Development</a:t>
+            <a:r>
+              <a:rPr lang="nl-NL" dirty="0" smtClean="0"/>
+              <a:t>Voordelen: Hoop taken/werk word overgenomen</a:t>
+            </a:r>
+          </a:p>
+          <a:p>
+            <a:pPr lvl="1"/>
+            <a:r>
+              <a:rPr lang="nl-NL" dirty="0" smtClean="0"/>
+              <a:t>Vb. in Java SE:  </a:t>
+            </a:r>
+            <a:r>
+              <a:rPr lang="nl-NL" dirty="0" err="1" smtClean="0"/>
+              <a:t>new</a:t>
             </a:r>
             <a:r>
               <a:rPr lang="nl-NL" dirty="0" smtClean="0"/>
@@ -19196,80 +19245,26 @@
             </a:r>
             <a:r>
               <a:rPr lang="nl-NL" dirty="0" err="1" smtClean="0"/>
-              <a:t>tools</a:t>
-            </a:r>
-            <a:endParaRPr lang="nl-NL" dirty="0" smtClean="0"/>
-          </a:p>
-          <a:p>
-            <a:pPr lvl="1">
-              <a:buFont typeface="Arial" pitchFamily="34" charset="0"/>
-              <a:buChar char="•"/>
-            </a:pPr>
-            <a:r>
-              <a:rPr lang="nl-NL" dirty="0" err="1" smtClean="0"/>
-              <a:t>Deployment</a:t>
-            </a:r>
-            <a:r>
-              <a:rPr lang="nl-NL" dirty="0" smtClean="0"/>
-              <a:t>  </a:t>
-            </a:r>
-            <a:r>
-              <a:rPr lang="nl-NL" dirty="0" err="1" smtClean="0"/>
-              <a:t>technologies</a:t>
-            </a:r>
-            <a:endParaRPr lang="nl-NL" dirty="0" smtClean="0"/>
-          </a:p>
-          <a:p>
-            <a:pPr lvl="1">
-              <a:buFont typeface="Arial" pitchFamily="34" charset="0"/>
-              <a:buChar char="•"/>
-            </a:pPr>
-            <a:r>
-              <a:rPr lang="nl-NL" dirty="0" err="1" smtClean="0"/>
-              <a:t>Other</a:t>
-            </a:r>
-            <a:r>
-              <a:rPr lang="nl-NL" dirty="0" smtClean="0"/>
-              <a:t> </a:t>
-            </a:r>
-            <a:r>
-              <a:rPr lang="nl-NL" dirty="0" err="1" smtClean="0"/>
-              <a:t>class</a:t>
-            </a:r>
-            <a:r>
-              <a:rPr lang="nl-NL" dirty="0" smtClean="0"/>
-              <a:t> </a:t>
-            </a:r>
-            <a:r>
-              <a:rPr lang="nl-NL" dirty="0" err="1" smtClean="0"/>
-              <a:t>libraries</a:t>
-            </a:r>
-            <a:r>
-              <a:rPr lang="nl-NL" dirty="0" smtClean="0"/>
-              <a:t> and </a:t>
-            </a:r>
-            <a:r>
-              <a:rPr lang="nl-NL" dirty="0" err="1" smtClean="0"/>
-              <a:t>toolkits</a:t>
-            </a:r>
-            <a:endParaRPr lang="nl-NL" dirty="0" smtClean="0"/>
+              <a:t>EntityManager</a:t>
+            </a:r>
+            <a:r>
+              <a:rPr lang="nl-NL" dirty="0" smtClean="0"/>
+              <a:t>() </a:t>
+            </a:r>
           </a:p>
           <a:p>
             <a:pPr lvl="1"/>
-            <a:endParaRPr lang="nl-NL" dirty="0" smtClean="0"/>
-          </a:p>
-          <a:p>
-            <a:r>
-              <a:rPr lang="nl-NL" dirty="0" smtClean="0"/>
-              <a:t>Java SE </a:t>
-            </a:r>
-            <a:r>
-              <a:rPr lang="nl-NL" dirty="0" err="1" smtClean="0"/>
-              <a:t>standalone</a:t>
-            </a:r>
-            <a:r>
-              <a:rPr lang="nl-NL" dirty="0" smtClean="0"/>
-              <a:t> met JRE</a:t>
+            <a:r>
+              <a:rPr lang="nl-NL" dirty="0" smtClean="0"/>
+              <a:t>In Java EE: @</a:t>
+            </a:r>
+            <a:r>
+              <a:rPr lang="nl-NL" dirty="0" err="1" smtClean="0"/>
+              <a:t>Inject</a:t>
+            </a:r>
+            <a:r>
+              <a:rPr lang="nl-NL" dirty="0" smtClean="0"/>
+              <a:t> en gelijk klaar voor gebruik</a:t>
             </a:r>
           </a:p>
           <a:p>
@@ -19334,7 +19329,7 @@
   <p:timing>
     <p:tnLst>
       <p:par>
-        <p:cTn id="1" dur="indefinite" restart="never" nodeType="tmRoot"/>
+        <p:cTn xmlns:p14="http://schemas.microsoft.com/office/powerpoint/2010/main" id="1" dur="indefinite" restart="never" nodeType="tmRoot"/>
       </p:par>
     </p:tnLst>
   </p:timing>
@@ -19360,7 +19355,7 @@
       </p:grpSpPr>
       <p:sp>
         <p:nvSpPr>
-          <p:cNvPr id="2" name="Title 1"/>
+          <p:cNvPr id="2" name="Titel 1"/>
           <p:cNvSpPr>
             <a:spLocks noGrp="1"/>
           </p:cNvSpPr>
@@ -19375,11 +19370,11 @@
           <a:p>
             <a:r>
               <a:rPr lang="nl-NL" dirty="0" smtClean="0"/>
-              <a:t>Java EE (</a:t>
-            </a:r>
-            <a:r>
-              <a:rPr lang="nl-NL" dirty="0" err="1" smtClean="0"/>
-              <a:t>Enterprise</a:t>
+              <a:t>CDI (Context </a:t>
+            </a:r>
+            <a:r>
+              <a:rPr lang="nl-NL" dirty="0" err="1" smtClean="0"/>
+              <a:t>Dependency</a:t>
             </a:r>
             <a:r>
               <a:rPr lang="nl-NL" dirty="0" smtClean="0"/>
@@ -19387,11 +19382,11 @@
             </a:r>
             <a:r>
               <a:rPr lang="nl-NL" dirty="0" err="1" smtClean="0"/>
-              <a:t>Edition</a:t>
-            </a:r>
-            <a:r>
-              <a:rPr lang="nl-NL" dirty="0" smtClean="0"/>
-              <a:t>) </a:t>
+              <a:t>Injection</a:t>
+            </a:r>
+            <a:r>
+              <a:rPr lang="nl-NL" dirty="0" smtClean="0"/>
+              <a:t>)</a:t>
             </a:r>
             <a:endParaRPr lang="nl-NL" dirty="0"/>
           </a:p>
@@ -19399,7 +19394,7 @@
       </p:sp>
       <p:sp>
         <p:nvSpPr>
-          <p:cNvPr id="3" name="Content Placeholder 2"/>
+          <p:cNvPr id="3" name="Tijdelijke aanduiding voor inhoud 2"/>
           <p:cNvSpPr>
             <a:spLocks noGrp="1"/>
           </p:cNvSpPr>
@@ -19413,60 +19408,73 @@
           <a:lstStyle/>
           <a:p>
             <a:r>
-              <a:rPr lang="nl-NL" dirty="0" smtClean="0"/>
-              <a:t>Gemaakt “bovenop” de Java SE platform</a:t>
-            </a:r>
-          </a:p>
-          <a:p>
-            <a:r>
-              <a:rPr lang="nl-NL" dirty="0" smtClean="0"/>
-              <a:t>API en </a:t>
-            </a:r>
-            <a:r>
-              <a:rPr lang="nl-NL" dirty="0" err="1" smtClean="0"/>
-              <a:t>runtime</a:t>
-            </a:r>
-            <a:r>
-              <a:rPr lang="nl-NL" dirty="0" smtClean="0"/>
-              <a:t> environment voor grootschalige, schaalbare, betrouwbare en veilige netwerk applicaties</a:t>
-            </a:r>
-          </a:p>
-          <a:p>
-            <a:r>
-              <a:rPr lang="nl-NL" dirty="0" smtClean="0"/>
-              <a:t>Voorbeelden: websites, Java </a:t>
+              <a:rPr lang="nl-NL" dirty="0" err="1" smtClean="0"/>
+              <a:t>Standalone</a:t>
+            </a:r>
+            <a:r>
+              <a:rPr lang="nl-NL" dirty="0" smtClean="0"/>
+              <a:t> </a:t>
+            </a:r>
+            <a:r>
+              <a:rPr lang="nl-NL" dirty="0" err="1" smtClean="0"/>
+              <a:t>library</a:t>
+            </a:r>
+            <a:endParaRPr lang="nl-NL" dirty="0" smtClean="0"/>
+          </a:p>
+          <a:p>
+            <a:r>
+              <a:rPr lang="nl-NL" dirty="0" smtClean="0"/>
+              <a:t>Flexibel</a:t>
+            </a:r>
+          </a:p>
+          <a:p>
+            <a:r>
+              <a:rPr lang="nl-NL" dirty="0" smtClean="0"/>
+              <a:t>Strong type</a:t>
+            </a:r>
+            <a:r>
+              <a:rPr lang="nl-NL" dirty="0"/>
+              <a:t> </a:t>
+            </a:r>
+            <a:r>
+              <a:rPr lang="nl-NL" dirty="0" smtClean="0"/>
+              <a:t>en type safe</a:t>
+            </a:r>
+          </a:p>
+          <a:p>
+            <a:r>
+              <a:rPr lang="nl-NL" dirty="0" smtClean="0"/>
+              <a:t>@</a:t>
+            </a:r>
+            <a:r>
+              <a:rPr lang="nl-NL" dirty="0" err="1" smtClean="0"/>
+              <a:t>Inject</a:t>
+            </a:r>
+            <a:endParaRPr lang="nl-NL" dirty="0" smtClean="0"/>
+          </a:p>
+          <a:p>
+            <a:r>
+              <a:rPr lang="nl-NL" dirty="0" smtClean="0"/>
+              <a:t>Managed </a:t>
             </a:r>
             <a:r>
               <a:rPr lang="nl-NL" dirty="0" err="1" smtClean="0"/>
               <a:t>Beans</a:t>
             </a:r>
-            <a:r>
-              <a:rPr lang="nl-NL" dirty="0" smtClean="0"/>
-              <a:t> en server applicaties</a:t>
-            </a:r>
-          </a:p>
-          <a:p>
-            <a:r>
-              <a:rPr lang="nl-NL" dirty="0" smtClean="0"/>
-              <a:t>Applicatie server noodzakelijk!</a:t>
-            </a:r>
-          </a:p>
-          <a:p>
-            <a:pPr lvl="1"/>
-            <a:r>
-              <a:rPr lang="nl-NL" dirty="0" smtClean="0"/>
-              <a:t>Voordelen: Hoop taken/werk word overgenomen</a:t>
-            </a:r>
-          </a:p>
-          <a:p>
-            <a:pPr lvl="1"/>
-            <a:r>
-              <a:rPr lang="nl-NL" dirty="0" smtClean="0"/>
-              <a:t>Vb. in Java SE:  </a:t>
-            </a:r>
-            <a:r>
-              <a:rPr lang="nl-NL" dirty="0" err="1" smtClean="0"/>
-              <a:t>new</a:t>
+            <a:endParaRPr lang="nl-NL" dirty="0" smtClean="0"/>
+          </a:p>
+          <a:p>
+            <a:r>
+              <a:rPr lang="nl-NL" dirty="0" err="1" smtClean="0"/>
+              <a:t>Beans</a:t>
+            </a:r>
+            <a:r>
+              <a:rPr lang="nl-NL" dirty="0" smtClean="0"/>
+              <a:t> as </a:t>
+            </a:r>
+            <a:r>
+              <a:rPr lang="nl-NL" dirty="0" err="1" smtClean="0"/>
+              <a:t>injectable</a:t>
             </a:r>
             <a:r>
               <a:rPr lang="nl-NL" dirty="0" smtClean="0"/>
@@ -19474,39 +19482,65 @@
             </a:r>
             <a:r>
               <a:rPr lang="nl-NL" dirty="0" err="1" smtClean="0"/>
-              <a:t>EntityManager</a:t>
-            </a:r>
-            <a:r>
-              <a:rPr lang="nl-NL" dirty="0" smtClean="0"/>
-              <a:t>() </a:t>
-            </a:r>
-          </a:p>
-          <a:p>
-            <a:pPr lvl="1"/>
-            <a:r>
-              <a:rPr lang="nl-NL" dirty="0" smtClean="0"/>
-              <a:t>In Java EE: @</a:t>
-            </a:r>
-            <a:r>
-              <a:rPr lang="nl-NL" dirty="0" err="1" smtClean="0"/>
-              <a:t>Inject</a:t>
-            </a:r>
-            <a:r>
-              <a:rPr lang="nl-NL" dirty="0" smtClean="0"/>
-              <a:t> en gelijk klaar voor gebruik</a:t>
-            </a:r>
-          </a:p>
-          <a:p>
+              <a:t>objects</a:t>
+            </a:r>
             <a:endParaRPr lang="nl-NL" dirty="0" smtClean="0"/>
           </a:p>
           <a:p>
-            <a:endParaRPr lang="nl-NL" dirty="0"/>
-          </a:p>
-        </p:txBody>
-      </p:sp>
-      <p:sp>
-        <p:nvSpPr>
-          <p:cNvPr id="4" name="Slide Number Placeholder 3"/>
+            <a:r>
+              <a:rPr lang="nl-NL" dirty="0" err="1" smtClean="0"/>
+              <a:t>Qualifiers</a:t>
+            </a:r>
+            <a:endParaRPr lang="nl-NL" dirty="0" smtClean="0"/>
+          </a:p>
+          <a:p>
+            <a:r>
+              <a:rPr lang="nl-NL" dirty="0" smtClean="0"/>
+              <a:t>Opdracht: </a:t>
+            </a:r>
+            <a:r>
+              <a:rPr lang="nl-NL" dirty="0" err="1" smtClean="0"/>
+              <a:t>Annotations</a:t>
+            </a:r>
+            <a:endParaRPr lang="nl-NL" dirty="0" smtClean="0"/>
+          </a:p>
+          <a:p>
+            <a:r>
+              <a:rPr lang="nl-NL" dirty="0" smtClean="0"/>
+              <a:t>Context management</a:t>
+            </a:r>
+          </a:p>
+          <a:p>
+            <a:r>
+              <a:rPr lang="nl-NL" dirty="0" err="1" smtClean="0"/>
+              <a:t>weld-se.jar</a:t>
+            </a:r>
+            <a:r>
+              <a:rPr lang="nl-NL" dirty="0" smtClean="0"/>
+              <a:t>: </a:t>
+            </a:r>
+            <a:r>
+              <a:rPr lang="nl-NL" dirty="0" err="1" smtClean="0"/>
+              <a:t>reference</a:t>
+            </a:r>
+            <a:r>
+              <a:rPr lang="nl-NL" dirty="0" smtClean="0"/>
+              <a:t> </a:t>
+            </a:r>
+            <a:r>
+              <a:rPr lang="nl-NL" dirty="0" err="1" smtClean="0"/>
+              <a:t>implementation</a:t>
+            </a:r>
+            <a:r>
+              <a:rPr lang="nl-NL" dirty="0" smtClean="0"/>
+              <a:t> CDI</a:t>
+            </a:r>
+          </a:p>
+        </p:txBody>
+      </p:sp>
+      <p:sp>
+        <p:nvSpPr>
+          <p:cNvPr id="4" name="Tijdelijke aanduiding voor dianummer 3"/>
           <p:cNvSpPr>
             <a:spLocks noGrp="1"/>
           </p:cNvSpPr>
@@ -19530,7 +19564,7 @@
       </p:sp>
       <p:sp>
         <p:nvSpPr>
-          <p:cNvPr id="5" name="Footer Placeholder 4"/>
+          <p:cNvPr id="5" name="Tijdelijke aanduiding voor voettekst 4"/>
           <p:cNvSpPr>
             <a:spLocks noGrp="1"/>
           </p:cNvSpPr>
@@ -19544,13 +19578,18 @@
           <a:lstStyle/>
           <a:p>
             <a:r>
-              <a:rPr lang="nl-NL" dirty="0"/>
-              <a:t>EJB &amp; CDI Fundamentals</a:t>
+              <a:rPr lang="nl-NL" noProof="0" dirty="0"/>
+              <a:t>Apache Maven – Fundamentals</a:t>
             </a:r>
           </a:p>
         </p:txBody>
       </p:sp>
     </p:spTree>
+    <p:extLst>
+      <p:ext uri="{BB962C8B-B14F-4D97-AF65-F5344CB8AC3E}">
+        <p14:creationId xmlns:p14="http://schemas.microsoft.com/office/powerpoint/2010/main" val="869414858"/>
+      </p:ext>
+    </p:extLst>
   </p:cSld>
   <p:clrMapOvr>
     <a:masterClrMapping/>
@@ -19558,7 +19597,7 @@
   <p:timing>
     <p:tnLst>
       <p:par>
-        <p:cTn id="1" dur="indefinite" restart="never" nodeType="tmRoot"/>
+        <p:cTn xmlns:p14="http://schemas.microsoft.com/office/powerpoint/2010/main" id="1" dur="indefinite" restart="never" nodeType="tmRoot"/>
       </p:par>
     </p:tnLst>
   </p:timing>
@@ -19584,7 +19623,7 @@
       </p:grpSpPr>
       <p:sp>
         <p:nvSpPr>
-          <p:cNvPr id="2" name="Title 1"/>
+          <p:cNvPr id="2" name="Titel 1"/>
           <p:cNvSpPr>
             <a:spLocks noGrp="1"/>
           </p:cNvSpPr>
@@ -19599,7 +19638,7 @@
           <a:p>
             <a:r>
               <a:rPr lang="nl-NL" dirty="0" smtClean="0"/>
-              <a:t>Verschil EJB &amp; CDI</a:t>
+              <a:t>CDI: Simpel voorbeeld</a:t>
             </a:r>
             <a:endParaRPr lang="nl-NL" dirty="0"/>
           </a:p>
@@ -19607,7 +19646,7 @@
       </p:sp>
       <p:sp>
         <p:nvSpPr>
-          <p:cNvPr id="3" name="Content Placeholder 2"/>
+          <p:cNvPr id="3" name="Tijdelijke aanduiding voor inhoud 2"/>
           <p:cNvSpPr>
             <a:spLocks noGrp="1"/>
           </p:cNvSpPr>
@@ -19615,134 +19654,198 @@
             <p:ph idx="1"/>
           </p:nvPr>
         </p:nvSpPr>
-        <p:spPr/>
-        <p:txBody>
-          <a:bodyPr/>
-          <a:lstStyle/>
-          <a:p>
-            <a:pPr>
-              <a:buNone/>
-            </a:pPr>
-            <a:endParaRPr lang="nl-NL" dirty="0" smtClean="0"/>
-          </a:p>
-          <a:p>
-            <a:r>
-              <a:rPr lang="nl-NL" dirty="0" smtClean="0"/>
-              <a:t>EJB &gt;= CDI </a:t>
-            </a:r>
-          </a:p>
-          <a:p>
-            <a:r>
-              <a:rPr lang="nl-NL" dirty="0" smtClean="0"/>
-              <a:t>CDI: container kijkt in een “scope”, a </a:t>
-            </a:r>
-            <a:r>
-              <a:rPr lang="nl-NL" dirty="0" err="1" smtClean="0"/>
-              <a:t>hashmap</a:t>
-            </a:r>
-            <a:r>
-              <a:rPr lang="nl-NL" dirty="0" smtClean="0"/>
-              <a:t> (bv @</a:t>
-            </a:r>
-            <a:r>
-              <a:rPr lang="nl-NL" dirty="0" err="1" smtClean="0"/>
-              <a:t>RequestScoped</a:t>
-            </a:r>
-            <a:r>
-              <a:rPr lang="nl-NL" dirty="0" smtClean="0"/>
-              <a:t>)</a:t>
-            </a:r>
-          </a:p>
-          <a:p>
-            <a:r>
-              <a:rPr lang="nl-NL" dirty="0" smtClean="0"/>
-              <a:t>EJB: </a:t>
-            </a:r>
-            <a:r>
-              <a:rPr lang="nl-NL" dirty="0" err="1" smtClean="0"/>
-              <a:t>stateful</a:t>
-            </a:r>
-            <a:r>
-              <a:rPr lang="nl-NL" dirty="0" smtClean="0"/>
-              <a:t> kijkt ook in een </a:t>
-            </a:r>
-            <a:r>
-              <a:rPr lang="nl-NL" dirty="0" err="1" smtClean="0"/>
-              <a:t>hashmap</a:t>
-            </a:r>
-            <a:endParaRPr lang="nl-NL" dirty="0" smtClean="0"/>
-          </a:p>
-          <a:p>
-            <a:r>
-              <a:rPr lang="nl-NL" dirty="0" smtClean="0"/>
-              <a:t>EJB: </a:t>
-            </a:r>
-            <a:r>
-              <a:rPr lang="nl-NL" dirty="0" err="1" smtClean="0"/>
-              <a:t>stateless</a:t>
-            </a:r>
-            <a:r>
-              <a:rPr lang="nl-NL" dirty="0" smtClean="0"/>
-              <a:t>, een </a:t>
-            </a:r>
-            <a:r>
-              <a:rPr lang="nl-NL" dirty="0" err="1" smtClean="0"/>
-              <a:t>instance</a:t>
-            </a:r>
-            <a:r>
-              <a:rPr lang="nl-NL" dirty="0" smtClean="0"/>
-              <a:t> pool</a:t>
-            </a:r>
-          </a:p>
-          <a:p>
-            <a:endParaRPr lang="nl-NL" dirty="0" smtClean="0"/>
-          </a:p>
-          <a:p>
-            <a:r>
-              <a:rPr lang="nl-NL" dirty="0" smtClean="0"/>
-              <a:t>EJB </a:t>
-            </a:r>
-            <a:r>
-              <a:rPr lang="nl-NL" dirty="0" smtClean="0"/>
-              <a:t>meer functionaliteit (transacties, </a:t>
-            </a:r>
-            <a:r>
-              <a:rPr lang="nl-NL" dirty="0" err="1" smtClean="0"/>
-              <a:t>security</a:t>
-            </a:r>
-            <a:r>
-              <a:rPr lang="nl-NL" dirty="0" smtClean="0"/>
-              <a:t>, </a:t>
-            </a:r>
-            <a:r>
-              <a:rPr lang="nl-NL" dirty="0" err="1" smtClean="0"/>
-              <a:t>remote</a:t>
-            </a:r>
-            <a:r>
-              <a:rPr lang="nl-NL" dirty="0" smtClean="0"/>
-              <a:t>, </a:t>
-            </a:r>
-            <a:r>
-              <a:rPr lang="nl-NL" dirty="0" smtClean="0"/>
-              <a:t>asynchroon </a:t>
-            </a:r>
-            <a:r>
-              <a:rPr lang="nl-NL" dirty="0" err="1" smtClean="0"/>
-              <a:t>etc</a:t>
-            </a:r>
-            <a:r>
-              <a:rPr lang="nl-NL" dirty="0" smtClean="0"/>
-              <a:t>)</a:t>
-            </a:r>
-          </a:p>
-          <a:p>
-            <a:endParaRPr lang="nl-NL" dirty="0"/>
-          </a:p>
-        </p:txBody>
-      </p:sp>
-      <p:sp>
-        <p:nvSpPr>
-          <p:cNvPr id="4" name="Slide Number Placeholder 3"/>
+        <p:spPr>
+          <a:xfrm>
+            <a:off x="460375" y="1371599"/>
+            <a:ext cx="8226000" cy="5012779"/>
+          </a:xfrm>
+        </p:spPr>
+        <p:txBody>
+          <a:bodyPr/>
+          <a:lstStyle/>
+          <a:p>
+            <a:r>
+              <a:rPr lang="en-US" sz="2400" dirty="0" smtClean="0">
+                <a:solidFill>
+                  <a:srgbClr val="00B0F0"/>
+                </a:solidFill>
+              </a:rPr>
+              <a:t>@Named</a:t>
+            </a:r>
+            <a:br>
+              <a:rPr lang="en-US" sz="2400" dirty="0" smtClean="0">
+                <a:solidFill>
+                  <a:srgbClr val="00B0F0"/>
+                </a:solidFill>
+              </a:rPr>
+            </a:br>
+            <a:r>
+              <a:rPr lang="en-US" sz="2400" dirty="0" smtClean="0">
+                <a:solidFill>
+                  <a:srgbClr val="00B0F0"/>
+                </a:solidFill>
+              </a:rPr>
+              <a:t>@Stateless</a:t>
+            </a:r>
+            <a:r>
+              <a:rPr lang="en-US" sz="2400" dirty="0" smtClean="0"/>
+              <a:t/>
+            </a:r>
+            <a:br>
+              <a:rPr lang="en-US" sz="2400" dirty="0" smtClean="0"/>
+            </a:br>
+            <a:r>
+              <a:rPr lang="en-US" sz="2400" dirty="0" smtClean="0"/>
+              <a:t>public class Cart {</a:t>
+            </a:r>
+            <a:br>
+              <a:rPr lang="en-US" sz="2400" dirty="0" smtClean="0"/>
+            </a:br>
+            <a:r>
+              <a:rPr lang="en-US" sz="2400" dirty="0" smtClean="0"/>
+              <a:t>     </a:t>
+            </a:r>
+            <a:r>
+              <a:rPr lang="en-US" sz="2400" dirty="0" smtClean="0">
+                <a:solidFill>
+                  <a:srgbClr val="00B0F0"/>
+                </a:solidFill>
+              </a:rPr>
+              <a:t>@Inject  </a:t>
+            </a:r>
+            <a:r>
+              <a:rPr lang="en-US" sz="2400" dirty="0" smtClean="0"/>
+              <a:t/>
+            </a:r>
+            <a:br>
+              <a:rPr lang="en-US" sz="2400" dirty="0" smtClean="0"/>
+            </a:br>
+            <a:r>
+              <a:rPr lang="en-US" sz="2400" dirty="0" smtClean="0"/>
+              <a:t>     </a:t>
+            </a:r>
+            <a:r>
+              <a:rPr lang="en-US" sz="2400" dirty="0" err="1" smtClean="0"/>
+              <a:t>OrderSystem</a:t>
+            </a:r>
+            <a:r>
+              <a:rPr lang="en-US" sz="2400" dirty="0" smtClean="0"/>
+              <a:t> ordering;</a:t>
+            </a:r>
+            <a:br>
+              <a:rPr lang="en-US" sz="2400" dirty="0" smtClean="0"/>
+            </a:br>
+            <a:r>
+              <a:rPr lang="en-US" sz="2400" dirty="0" smtClean="0"/>
+              <a:t/>
+            </a:r>
+            <a:br>
+              <a:rPr lang="en-US" sz="2400" dirty="0" smtClean="0"/>
+            </a:br>
+            <a:r>
+              <a:rPr lang="en-US" sz="2400" dirty="0" smtClean="0"/>
+              <a:t>     </a:t>
+            </a:r>
+            <a:r>
+              <a:rPr lang="en-US" sz="2400" dirty="0" smtClean="0">
+                <a:solidFill>
+                  <a:srgbClr val="00B0F0"/>
+                </a:solidFill>
+              </a:rPr>
+              <a:t>@Inject</a:t>
+            </a:r>
+            <a:r>
+              <a:rPr lang="en-US" sz="2400" dirty="0" smtClean="0"/>
+              <a:t/>
+            </a:r>
+            <a:br>
+              <a:rPr lang="en-US" sz="2400" dirty="0" smtClean="0"/>
+            </a:br>
+            <a:r>
+              <a:rPr lang="en-US" sz="2400" dirty="0" smtClean="0"/>
+              <a:t>      </a:t>
+            </a:r>
+            <a:r>
+              <a:rPr lang="en-US" sz="2400" dirty="0" err="1" smtClean="0"/>
+              <a:t>CustomerNotification</a:t>
+            </a:r>
+            <a:r>
+              <a:rPr lang="en-US" sz="2400" dirty="0" smtClean="0"/>
+              <a:t> </a:t>
+            </a:r>
+            <a:r>
+              <a:rPr lang="en-US" sz="2400" dirty="0" err="1" smtClean="0"/>
+              <a:t>notifier</a:t>
+            </a:r>
+            <a:r>
+              <a:rPr lang="en-US" sz="2400" dirty="0" smtClean="0"/>
+              <a:t>;</a:t>
+            </a:r>
+            <a:br>
+              <a:rPr lang="en-US" sz="2400" dirty="0" smtClean="0"/>
+            </a:br>
+            <a:r>
+              <a:rPr lang="en-US" sz="2400" dirty="0" smtClean="0"/>
+              <a:t/>
+            </a:r>
+            <a:br>
+              <a:rPr lang="en-US" sz="2400" dirty="0" smtClean="0"/>
+            </a:br>
+            <a:r>
+              <a:rPr lang="en-US" sz="2400" dirty="0" smtClean="0"/>
+              <a:t>     public void checkout(){</a:t>
+            </a:r>
+            <a:br>
+              <a:rPr lang="en-US" sz="2400" dirty="0" smtClean="0"/>
+            </a:br>
+            <a:r>
+              <a:rPr lang="en-US" sz="2400" dirty="0" smtClean="0"/>
+              <a:t>               </a:t>
+            </a:r>
+            <a:r>
+              <a:rPr lang="en-US" sz="2400" dirty="0" err="1" smtClean="0"/>
+              <a:t>ordering.placeOrder</a:t>
+            </a:r>
+            <a:r>
+              <a:rPr lang="en-US" sz="2400" dirty="0" smtClean="0"/>
+              <a:t>();</a:t>
+            </a:r>
+            <a:br>
+              <a:rPr lang="en-US" sz="2400" dirty="0" smtClean="0"/>
+            </a:br>
+            <a:r>
+              <a:rPr lang="en-US" sz="2400" dirty="0" smtClean="0"/>
+              <a:t>               </a:t>
+            </a:r>
+            <a:r>
+              <a:rPr lang="en-US" sz="2400" dirty="0" err="1" smtClean="0"/>
+              <a:t>notifier.sendNotification</a:t>
+            </a:r>
+            <a:r>
+              <a:rPr lang="en-US" sz="2400" dirty="0" smtClean="0"/>
+              <a:t>():</a:t>
+            </a:r>
+            <a:br>
+              <a:rPr lang="en-US" sz="2400" dirty="0" smtClean="0"/>
+            </a:br>
+            <a:r>
+              <a:rPr lang="en-US" sz="2400" dirty="0" smtClean="0"/>
+              <a:t>      }</a:t>
+            </a:r>
+            <a:br>
+              <a:rPr lang="en-US" sz="2400" dirty="0" smtClean="0"/>
+            </a:br>
+            <a:r>
+              <a:rPr lang="en-US" sz="2400" dirty="0" smtClean="0"/>
+              <a:t>}</a:t>
+            </a:r>
+            <a:endParaRPr lang="nl-NL" sz="2400" dirty="0"/>
+          </a:p>
+        </p:txBody>
+      </p:sp>
+      <p:sp>
+        <p:nvSpPr>
+          <p:cNvPr id="4" name="Tijdelijke aanduiding voor dianummer 3"/>
           <p:cNvSpPr>
             <a:spLocks noGrp="1"/>
           </p:cNvSpPr>
@@ -19766,7 +19869,7 @@
       </p:sp>
       <p:sp>
         <p:nvSpPr>
-          <p:cNvPr id="5" name="Footer Placeholder 4"/>
+          <p:cNvPr id="5" name="Tijdelijke aanduiding voor voettekst 4"/>
           <p:cNvSpPr>
             <a:spLocks noGrp="1"/>
           </p:cNvSpPr>
@@ -19787,6 +19890,11 @@
         </p:txBody>
       </p:sp>
     </p:spTree>
+    <p:extLst>
+      <p:ext uri="{BB962C8B-B14F-4D97-AF65-F5344CB8AC3E}">
+        <p14:creationId xmlns:p14="http://schemas.microsoft.com/office/powerpoint/2010/main" val="869414858"/>
+      </p:ext>
+    </p:extLst>
   </p:cSld>
   <p:clrMapOvr>
     <a:masterClrMapping/>
@@ -19794,7 +19902,7 @@
   <p:timing>
     <p:tnLst>
       <p:par>
-        <p:cTn id="1" dur="indefinite" restart="never" nodeType="tmRoot"/>
+        <p:cTn xmlns:p14="http://schemas.microsoft.com/office/powerpoint/2010/main" id="1" dur="indefinite" restart="never" nodeType="tmRoot"/>
       </p:par>
     </p:tnLst>
   </p:timing>
@@ -19835,171 +19943,226 @@
           <a:p>
             <a:r>
               <a:rPr lang="nl-NL" dirty="0" smtClean="0"/>
-              <a:t>CDI (Context </a:t>
-            </a:r>
-            <a:r>
-              <a:rPr lang="nl-NL" dirty="0" err="1" smtClean="0"/>
-              <a:t>Dependency</a:t>
-            </a:r>
-            <a:r>
-              <a:rPr lang="nl-NL" dirty="0" smtClean="0"/>
+              <a:t>CDI: Managed </a:t>
+            </a:r>
+            <a:r>
+              <a:rPr lang="nl-NL" dirty="0" err="1" smtClean="0"/>
+              <a:t>Beans</a:t>
+            </a:r>
+            <a:endParaRPr lang="nl-NL" dirty="0"/>
+          </a:p>
+        </p:txBody>
+      </p:sp>
+      <p:sp>
+        <p:nvSpPr>
+          <p:cNvPr id="3" name="Tijdelijke aanduiding voor inhoud 2"/>
+          <p:cNvSpPr>
+            <a:spLocks noGrp="1"/>
+          </p:cNvSpPr>
+          <p:nvPr>
+            <p:ph idx="1"/>
+          </p:nvPr>
+        </p:nvSpPr>
+        <p:spPr/>
+        <p:txBody>
+          <a:bodyPr/>
+          <a:lstStyle/>
+          <a:p>
+            <a:r>
+              <a:rPr lang="en-US" dirty="0" smtClean="0"/>
+              <a:t>Het is </a:t>
+            </a:r>
+            <a:r>
+              <a:rPr lang="en-US" dirty="0" err="1" smtClean="0"/>
+              <a:t>niet</a:t>
+            </a:r>
+            <a:r>
+              <a:rPr lang="en-US" dirty="0" smtClean="0"/>
               <a:t> </a:t>
             </a:r>
             <a:r>
-              <a:rPr lang="nl-NL" dirty="0" err="1" smtClean="0"/>
-              <a:t>Injection</a:t>
-            </a:r>
-            <a:r>
-              <a:rPr lang="nl-NL" dirty="0" smtClean="0"/>
-              <a:t>)</a:t>
-            </a:r>
-            <a:endParaRPr lang="nl-NL" dirty="0"/>
-          </a:p>
-        </p:txBody>
-      </p:sp>
-      <p:sp>
-        <p:nvSpPr>
-          <p:cNvPr id="3" name="Tijdelijke aanduiding voor inhoud 2"/>
-          <p:cNvSpPr>
-            <a:spLocks noGrp="1"/>
-          </p:cNvSpPr>
-          <p:nvPr>
-            <p:ph idx="1"/>
-          </p:nvPr>
-        </p:nvSpPr>
-        <p:spPr/>
-        <p:txBody>
-          <a:bodyPr/>
-          <a:lstStyle/>
-          <a:p>
-            <a:r>
-              <a:rPr lang="nl-NL" dirty="0" err="1" smtClean="0"/>
-              <a:t>Standalone</a:t>
-            </a:r>
-            <a:r>
-              <a:rPr lang="nl-NL" dirty="0" smtClean="0"/>
+              <a:rPr lang="en-US" dirty="0" err="1" smtClean="0"/>
+              <a:t>een</a:t>
+            </a:r>
+            <a:r>
+              <a:rPr lang="en-US" dirty="0" smtClean="0"/>
               <a:t> </a:t>
             </a:r>
             <a:r>
-              <a:rPr lang="nl-NL" dirty="0" err="1" smtClean="0"/>
-              <a:t>library</a:t>
-            </a:r>
-            <a:endParaRPr lang="nl-NL" dirty="0" smtClean="0"/>
-          </a:p>
-          <a:p>
-            <a:r>
-              <a:rPr lang="nl-NL" dirty="0" smtClean="0"/>
-              <a:t>Flexibel</a:t>
-            </a:r>
-          </a:p>
-          <a:p>
-            <a:r>
-              <a:rPr lang="nl-NL" dirty="0" smtClean="0"/>
-              <a:t>Strong type</a:t>
-            </a:r>
-            <a:r>
-              <a:rPr lang="nl-NL" dirty="0"/>
+              <a:rPr lang="en-US" dirty="0" err="1" smtClean="0"/>
+              <a:t>nonstatic</a:t>
+            </a:r>
+            <a:r>
+              <a:rPr lang="en-US" dirty="0" smtClean="0"/>
+              <a:t> inner class.</a:t>
+            </a:r>
+          </a:p>
+          <a:p>
+            <a:r>
+              <a:rPr lang="en-US" dirty="0" smtClean="0"/>
+              <a:t>Concrete class of is annotated met @Decorator.</a:t>
+            </a:r>
+          </a:p>
+          <a:p>
+            <a:r>
+              <a:rPr lang="en-US" dirty="0" err="1" smtClean="0"/>
+              <a:t>Heeft</a:t>
+            </a:r>
+            <a:r>
+              <a:rPr lang="en-US" dirty="0" smtClean="0"/>
               <a:t> </a:t>
             </a:r>
             <a:r>
-              <a:rPr lang="nl-NL" dirty="0" smtClean="0"/>
-              <a:t>en type safe</a:t>
-            </a:r>
-          </a:p>
-          <a:p>
-            <a:r>
-              <a:rPr lang="nl-NL" dirty="0" smtClean="0"/>
-              <a:t>@</a:t>
-            </a:r>
-            <a:r>
-              <a:rPr lang="nl-NL" dirty="0" err="1" smtClean="0"/>
-              <a:t>Inject</a:t>
-            </a:r>
-            <a:endParaRPr lang="nl-NL" dirty="0" smtClean="0"/>
-          </a:p>
-          <a:p>
-            <a:r>
-              <a:rPr lang="nl-NL" dirty="0" smtClean="0"/>
-              <a:t>Managed </a:t>
-            </a:r>
-            <a:r>
-              <a:rPr lang="nl-NL" dirty="0" err="1" smtClean="0"/>
-              <a:t>Beans</a:t>
-            </a:r>
-            <a:endParaRPr lang="nl-NL" dirty="0" smtClean="0"/>
-          </a:p>
-          <a:p>
-            <a:r>
-              <a:rPr lang="nl-NL" dirty="0" err="1" smtClean="0"/>
-              <a:t>Beans</a:t>
-            </a:r>
-            <a:r>
-              <a:rPr lang="nl-NL" dirty="0" smtClean="0"/>
-              <a:t> as </a:t>
-            </a:r>
-            <a:r>
-              <a:rPr lang="nl-NL" dirty="0" err="1" smtClean="0"/>
-              <a:t>injectable</a:t>
-            </a:r>
-            <a:r>
-              <a:rPr lang="nl-NL" dirty="0" smtClean="0"/>
+              <a:rPr lang="en-US" dirty="0" err="1" smtClean="0"/>
+              <a:t>geen</a:t>
+            </a:r>
+            <a:r>
+              <a:rPr lang="en-US" dirty="0" smtClean="0"/>
+              <a:t> EJB component-defining annotation of is </a:t>
+            </a:r>
+            <a:r>
+              <a:rPr lang="en-US" dirty="0" err="1" smtClean="0"/>
+              <a:t>niet</a:t>
+            </a:r>
+            <a:r>
+              <a:rPr lang="en-US" dirty="0" smtClean="0"/>
               <a:t> </a:t>
             </a:r>
             <a:r>
-              <a:rPr lang="nl-NL" dirty="0" err="1" smtClean="0"/>
-              <a:t>objects</a:t>
-            </a:r>
-            <a:endParaRPr lang="nl-NL" dirty="0" smtClean="0"/>
-          </a:p>
-          <a:p>
-            <a:r>
-              <a:rPr lang="nl-NL" dirty="0" err="1" smtClean="0"/>
-              <a:t>Qualifiers</a:t>
-            </a:r>
-            <a:endParaRPr lang="nl-NL" dirty="0" smtClean="0"/>
-          </a:p>
-          <a:p>
-            <a:r>
-              <a:rPr lang="nl-NL" dirty="0" smtClean="0"/>
-              <a:t>Opdracht: </a:t>
-            </a:r>
-            <a:r>
-              <a:rPr lang="nl-NL" dirty="0" err="1" smtClean="0"/>
-              <a:t>Annotations</a:t>
-            </a:r>
-            <a:endParaRPr lang="nl-NL" dirty="0" smtClean="0"/>
-          </a:p>
-          <a:p>
-            <a:r>
-              <a:rPr lang="nl-NL" dirty="0" smtClean="0"/>
-              <a:t>Context management</a:t>
-            </a:r>
-          </a:p>
-          <a:p>
-            <a:r>
-              <a:rPr lang="nl-NL" dirty="0" err="1" smtClean="0"/>
-              <a:t>weld-se.jar</a:t>
-            </a:r>
-            <a:r>
-              <a:rPr lang="nl-NL" dirty="0" smtClean="0"/>
-              <a:t>: </a:t>
-            </a:r>
-            <a:r>
-              <a:rPr lang="nl-NL" dirty="0" err="1" smtClean="0"/>
-              <a:t>reference</a:t>
-            </a:r>
-            <a:r>
-              <a:rPr lang="nl-NL" dirty="0" smtClean="0"/>
+              <a:rPr lang="en-US" dirty="0" err="1" smtClean="0"/>
+              <a:t>benoemd</a:t>
+            </a:r>
+            <a:r>
+              <a:rPr lang="en-US" dirty="0" smtClean="0"/>
               <a:t> </a:t>
             </a:r>
             <a:r>
-              <a:rPr lang="nl-NL" dirty="0" err="1" smtClean="0"/>
-              <a:t>implementation</a:t>
-            </a:r>
-            <a:r>
-              <a:rPr lang="nl-NL" dirty="0" smtClean="0"/>
-              <a:t> CDI</a:t>
-            </a:r>
+              <a:rPr lang="en-US" dirty="0" err="1" smtClean="0"/>
+              <a:t>als</a:t>
+            </a:r>
+            <a:r>
+              <a:rPr lang="en-US" dirty="0" smtClean="0"/>
+              <a:t> </a:t>
+            </a:r>
+            <a:r>
+              <a:rPr lang="en-US" dirty="0" err="1" smtClean="0"/>
+              <a:t>een</a:t>
+            </a:r>
+            <a:r>
+              <a:rPr lang="en-US" dirty="0" smtClean="0"/>
+              <a:t> EJB bean class in ejb-jar.xml.</a:t>
+            </a:r>
+          </a:p>
+          <a:p>
+            <a:r>
+              <a:rPr lang="en-US" dirty="0" smtClean="0"/>
+              <a:t>Het </a:t>
+            </a:r>
+            <a:r>
+              <a:rPr lang="en-US" dirty="0" err="1" smtClean="0"/>
+              <a:t>heeft</a:t>
+            </a:r>
+            <a:r>
+              <a:rPr lang="en-US" dirty="0" smtClean="0"/>
+              <a:t> </a:t>
+            </a:r>
+            <a:r>
+              <a:rPr lang="en-US" dirty="0" err="1" smtClean="0"/>
+              <a:t>een</a:t>
+            </a:r>
+            <a:r>
+              <a:rPr lang="en-US" dirty="0" smtClean="0"/>
+              <a:t> </a:t>
+            </a:r>
+            <a:r>
+              <a:rPr lang="en-US" dirty="0" err="1" smtClean="0"/>
+              <a:t>gepaste</a:t>
+            </a:r>
+            <a:r>
+              <a:rPr lang="en-US" dirty="0" smtClean="0"/>
+              <a:t> constructor:</a:t>
+            </a:r>
+          </a:p>
+          <a:p>
+            <a:pPr lvl="1"/>
+            <a:r>
+              <a:rPr lang="en-US" dirty="0" smtClean="0"/>
+              <a:t>Constructor met </a:t>
+            </a:r>
+            <a:r>
+              <a:rPr lang="en-US" dirty="0" err="1" smtClean="0"/>
+              <a:t>geen</a:t>
+            </a:r>
+            <a:r>
+              <a:rPr lang="en-US" dirty="0" smtClean="0"/>
+              <a:t> parameters.</a:t>
+            </a:r>
+          </a:p>
+          <a:p>
+            <a:pPr lvl="1"/>
+            <a:r>
+              <a:rPr lang="en-US" dirty="0" smtClean="0"/>
+              <a:t>Constructor annotated met @Inject.</a:t>
+            </a:r>
+          </a:p>
+          <a:p>
+            <a:r>
+              <a:rPr lang="en-US" dirty="0" err="1" smtClean="0"/>
+              <a:t>Geen</a:t>
+            </a:r>
+            <a:r>
+              <a:rPr lang="en-US" dirty="0" smtClean="0"/>
+              <a:t> </a:t>
+            </a:r>
+            <a:r>
+              <a:rPr lang="en-US" dirty="0" err="1" smtClean="0"/>
+              <a:t>speciale</a:t>
+            </a:r>
+            <a:r>
+              <a:rPr lang="en-US" dirty="0" smtClean="0"/>
+              <a:t> declaration/annotation is </a:t>
+            </a:r>
+            <a:r>
+              <a:rPr lang="en-US" dirty="0" err="1" smtClean="0"/>
+              <a:t>noodzakelijk</a:t>
+            </a:r>
+            <a:r>
+              <a:rPr lang="en-US" dirty="0" smtClean="0"/>
+              <a:t> </a:t>
+            </a:r>
+            <a:r>
+              <a:rPr lang="en-US" dirty="0" err="1" smtClean="0"/>
+              <a:t>om</a:t>
+            </a:r>
+            <a:r>
+              <a:rPr lang="en-US" dirty="0" smtClean="0"/>
+              <a:t> </a:t>
+            </a:r>
+            <a:r>
+              <a:rPr lang="en-US" dirty="0" err="1" smtClean="0"/>
+              <a:t>een</a:t>
+            </a:r>
+            <a:r>
+              <a:rPr lang="en-US" dirty="0" smtClean="0"/>
+              <a:t> managed bean </a:t>
+            </a:r>
+            <a:r>
+              <a:rPr lang="en-US" dirty="0" err="1" smtClean="0"/>
+              <a:t>te</a:t>
+            </a:r>
+            <a:r>
+              <a:rPr lang="en-US" dirty="0" smtClean="0"/>
+              <a:t> </a:t>
+            </a:r>
+            <a:r>
+              <a:rPr lang="en-US" dirty="0" err="1" smtClean="0"/>
+              <a:t>definiëren</a:t>
+            </a:r>
+            <a:r>
+              <a:rPr lang="en-US" dirty="0" smtClean="0"/>
+              <a:t>.</a:t>
+            </a:r>
+            <a:endParaRPr lang="en-US" dirty="0"/>
           </a:p>
         </p:txBody>
       </p:sp>
@@ -20052,7 +20215,7 @@
     </p:spTree>
     <p:extLst>
       <p:ext uri="{BB962C8B-B14F-4D97-AF65-F5344CB8AC3E}">
-        <p14:creationId xmlns="" xmlns:p14="http://schemas.microsoft.com/office/powerpoint/2010/main" val="869414858"/>
+        <p14:creationId xmlns:p14="http://schemas.microsoft.com/office/powerpoint/2010/main" val="869414858"/>
       </p:ext>
     </p:extLst>
   </p:cSld>
@@ -20062,7 +20225,7 @@
   <p:timing>
     <p:tnLst>
       <p:par>
-        <p:cTn id="1" dur="indefinite" restart="never" nodeType="tmRoot"/>
+        <p:cTn xmlns:p14="http://schemas.microsoft.com/office/powerpoint/2010/main" id="1" dur="indefinite" restart="never" nodeType="tmRoot"/>
       </p:par>
     </p:tnLst>
   </p:timing>
@@ -20103,12 +20266,24 @@
           <a:p>
             <a:r>
               <a:rPr lang="nl-NL" dirty="0" smtClean="0"/>
-              <a:t>CDI: Managed </a:t>
+              <a:t>CDI: </a:t>
             </a:r>
             <a:r>
               <a:rPr lang="nl-NL" dirty="0" err="1" smtClean="0"/>
               <a:t>Beans</a:t>
             </a:r>
+            <a:r>
+              <a:rPr lang="nl-NL" dirty="0" smtClean="0"/>
+              <a:t> als </a:t>
+            </a:r>
+            <a:r>
+              <a:rPr lang="nl-NL" dirty="0" err="1" smtClean="0"/>
+              <a:t>Injectable</a:t>
+            </a:r>
+            <a:r>
+              <a:rPr lang="nl-NL" dirty="0" smtClean="0"/>
+              <a:t> Object</a:t>
+            </a:r>
             <a:endParaRPr lang="nl-NL" dirty="0"/>
           </a:p>
         </p:txBody>
@@ -20129,8 +20304,114 @@
           <a:lstStyle/>
           <a:p>
             <a:r>
+              <a:rPr lang="en-US" dirty="0" err="1" smtClean="0"/>
+              <a:t>Mogelijk</a:t>
+            </a:r>
+            <a:r>
               <a:rPr lang="en-US" dirty="0" smtClean="0"/>
-              <a:t>Het is </a:t>
+              <a:t> </a:t>
+            </a:r>
+            <a:r>
+              <a:rPr lang="en-US" dirty="0" err="1" smtClean="0"/>
+              <a:t>om</a:t>
+            </a:r>
+            <a:r>
+              <a:rPr lang="en-US" dirty="0" smtClean="0"/>
+              <a:t> resources en </a:t>
+            </a:r>
+            <a:r>
+              <a:rPr lang="en-US" dirty="0" err="1" smtClean="0"/>
+              <a:t>andere</a:t>
+            </a:r>
+            <a:r>
+              <a:rPr lang="en-US" dirty="0" smtClean="0"/>
+              <a:t> </a:t>
+            </a:r>
+            <a:r>
+              <a:rPr lang="en-US" dirty="0" err="1" smtClean="0"/>
+              <a:t>objecten</a:t>
+            </a:r>
+            <a:r>
+              <a:rPr lang="en-US" dirty="0" smtClean="0"/>
+              <a:t> </a:t>
+            </a:r>
+            <a:r>
+              <a:rPr lang="en-US" dirty="0" err="1" smtClean="0"/>
+              <a:t>te</a:t>
+            </a:r>
+            <a:r>
+              <a:rPr lang="en-US" dirty="0" smtClean="0"/>
+              <a:t> </a:t>
+            </a:r>
+            <a:r>
+              <a:rPr lang="en-US" dirty="0" err="1" smtClean="0"/>
+              <a:t>injecteren</a:t>
+            </a:r>
+            <a:r>
+              <a:rPr lang="en-US" dirty="0" smtClean="0"/>
+              <a:t> in managed Objects</a:t>
+            </a:r>
+          </a:p>
+          <a:p>
+            <a:r>
+              <a:rPr lang="en-US" dirty="0" smtClean="0"/>
+              <a:t>Door CDI </a:t>
+            </a:r>
+            <a:r>
+              <a:rPr lang="en-US" dirty="0" err="1" smtClean="0"/>
+              <a:t>mogelijk</a:t>
+            </a:r>
+            <a:r>
+              <a:rPr lang="en-US" dirty="0" smtClean="0"/>
+              <a:t> </a:t>
+            </a:r>
+            <a:r>
+              <a:rPr lang="en-US" dirty="0" err="1" smtClean="0"/>
+              <a:t>om</a:t>
+            </a:r>
+            <a:r>
+              <a:rPr lang="en-US" dirty="0" smtClean="0"/>
+              <a:t> </a:t>
+            </a:r>
+            <a:r>
+              <a:rPr lang="en-US" dirty="0" err="1" smtClean="0"/>
+              <a:t>meer</a:t>
+            </a:r>
+            <a:r>
+              <a:rPr lang="en-US" dirty="0" smtClean="0"/>
+              <a:t> </a:t>
+            </a:r>
+            <a:r>
+              <a:rPr lang="en-US" dirty="0" err="1" smtClean="0"/>
+              <a:t>soorten</a:t>
+            </a:r>
+            <a:r>
+              <a:rPr lang="en-US" dirty="0" smtClean="0"/>
+              <a:t> </a:t>
+            </a:r>
+            <a:r>
+              <a:rPr lang="en-US" dirty="0" err="1" smtClean="0"/>
+              <a:t>objecten</a:t>
+            </a:r>
+            <a:r>
+              <a:rPr lang="en-US" dirty="0" smtClean="0"/>
+              <a:t> </a:t>
+            </a:r>
+            <a:r>
+              <a:rPr lang="en-US" dirty="0" err="1" smtClean="0"/>
+              <a:t>te</a:t>
+            </a:r>
+            <a:r>
+              <a:rPr lang="en-US" dirty="0" smtClean="0"/>
+              <a:t> </a:t>
+            </a:r>
+            <a:r>
+              <a:rPr lang="en-US" dirty="0" err="1" smtClean="0"/>
+              <a:t>injecteren</a:t>
+            </a:r>
+            <a:r>
+              <a:rPr lang="en-US" dirty="0" smtClean="0"/>
+              <a:t> die </a:t>
             </a:r>
             <a:r>
               <a:rPr lang="en-US" dirty="0" err="1" smtClean="0"/>
@@ -20138,191 +20419,62 @@
             </a:r>
             <a:r>
               <a:rPr lang="en-US" dirty="0" smtClean="0"/>
-              <a:t> </a:t>
+              <a:t> container-managed </a:t>
             </a:r>
             <a:r>
               <a:rPr lang="en-US" dirty="0" err="1" smtClean="0"/>
-              <a:t>een</a:t>
-            </a:r>
+              <a:t>zijn</a:t>
+            </a:r>
+            <a:endParaRPr lang="en-US" dirty="0" smtClean="0"/>
+          </a:p>
+          <a:p>
+            <a:pPr lvl="1"/>
             <a:r>
               <a:rPr lang="en-US" dirty="0" smtClean="0"/>
-              <a:t> </a:t>
-            </a:r>
-            <a:r>
-              <a:rPr lang="en-US" dirty="0" err="1" smtClean="0"/>
-              <a:t>nonstatic</a:t>
-            </a:r>
+              <a:t>Java class</a:t>
+            </a:r>
+          </a:p>
+          <a:p>
+            <a:pPr lvl="1"/>
             <a:r>
               <a:rPr lang="en-US" dirty="0" smtClean="0"/>
-              <a:t> inner class.</a:t>
-            </a:r>
-          </a:p>
-          <a:p>
+              <a:t>Session beans</a:t>
+            </a:r>
+          </a:p>
+          <a:p>
+            <a:pPr lvl="1"/>
             <a:r>
               <a:rPr lang="en-US" dirty="0" smtClean="0"/>
-              <a:t>Concrete class of is annotated met @Decorator.</a:t>
-            </a:r>
-          </a:p>
-          <a:p>
-            <a:r>
-              <a:rPr lang="en-US" dirty="0" err="1" smtClean="0"/>
-              <a:t>Heeft</a:t>
-            </a:r>
+              <a:t>Java EE resources</a:t>
+            </a:r>
+          </a:p>
+          <a:p>
+            <a:pPr lvl="1"/>
             <a:r>
               <a:rPr lang="en-US" dirty="0" smtClean="0"/>
-              <a:t> </a:t>
-            </a:r>
-            <a:r>
-              <a:rPr lang="en-US" dirty="0" err="1" smtClean="0"/>
-              <a:t>geen</a:t>
-            </a:r>
+              <a:t>Persistence context</a:t>
+            </a:r>
+          </a:p>
+          <a:p>
+            <a:pPr lvl="1"/>
             <a:r>
               <a:rPr lang="en-US" dirty="0" smtClean="0"/>
-              <a:t> EJB component-defining annotation of is </a:t>
-            </a:r>
-            <a:r>
-              <a:rPr lang="en-US" dirty="0" err="1" smtClean="0"/>
-              <a:t>niet</a:t>
-            </a:r>
+              <a:t>Producer fields (objects return by this)</a:t>
+            </a:r>
+          </a:p>
+          <a:p>
+            <a:pPr lvl="1"/>
             <a:r>
               <a:rPr lang="en-US" dirty="0" smtClean="0"/>
-              <a:t> </a:t>
-            </a:r>
-            <a:r>
-              <a:rPr lang="en-US" dirty="0" err="1" smtClean="0"/>
-              <a:t>benoemd</a:t>
-            </a:r>
+              <a:t>Web service reference</a:t>
+            </a:r>
+          </a:p>
+          <a:p>
+            <a:pPr lvl="1"/>
             <a:r>
               <a:rPr lang="en-US" dirty="0" smtClean="0"/>
-              <a:t> </a:t>
-            </a:r>
-            <a:r>
-              <a:rPr lang="en-US" dirty="0" err="1" smtClean="0"/>
-              <a:t>als</a:t>
-            </a:r>
-            <a:r>
-              <a:rPr lang="en-US" dirty="0" smtClean="0"/>
-              <a:t> </a:t>
-            </a:r>
-            <a:r>
-              <a:rPr lang="en-US" dirty="0" err="1" smtClean="0"/>
-              <a:t>een</a:t>
-            </a:r>
-            <a:r>
-              <a:rPr lang="en-US" dirty="0" smtClean="0"/>
-              <a:t> EJB bean class in ejb-jar.xml.</a:t>
-            </a:r>
-          </a:p>
-          <a:p>
-            <a:r>
-              <a:rPr lang="en-US" dirty="0" smtClean="0"/>
-              <a:t>Het </a:t>
-            </a:r>
-            <a:r>
-              <a:rPr lang="en-US" dirty="0" err="1" smtClean="0"/>
-              <a:t>heeft</a:t>
-            </a:r>
-            <a:r>
-              <a:rPr lang="en-US" dirty="0" smtClean="0"/>
-              <a:t> </a:t>
-            </a:r>
-            <a:r>
-              <a:rPr lang="en-US" dirty="0" err="1" smtClean="0"/>
-              <a:t>een</a:t>
-            </a:r>
-            <a:r>
-              <a:rPr lang="en-US" dirty="0" smtClean="0"/>
-              <a:t> </a:t>
-            </a:r>
-            <a:r>
-              <a:rPr lang="en-US" dirty="0" err="1" smtClean="0"/>
-              <a:t>gepaste</a:t>
-            </a:r>
-            <a:r>
-              <a:rPr lang="en-US" dirty="0" smtClean="0"/>
-              <a:t> constructor:</a:t>
-            </a:r>
-          </a:p>
-          <a:p>
-            <a:pPr lvl="1"/>
-            <a:r>
-              <a:rPr lang="en-US" dirty="0" smtClean="0"/>
-              <a:t>Constructor met </a:t>
-            </a:r>
-            <a:r>
-              <a:rPr lang="en-US" dirty="0" err="1" smtClean="0"/>
-              <a:t>geen</a:t>
-            </a:r>
-            <a:r>
-              <a:rPr lang="en-US" dirty="0" smtClean="0"/>
-              <a:t> parameters.</a:t>
-            </a:r>
-          </a:p>
-          <a:p>
-            <a:pPr lvl="1"/>
-            <a:r>
-              <a:rPr lang="en-US" dirty="0" smtClean="0"/>
-              <a:t>Constructor annotated met @Inject.</a:t>
-            </a:r>
-          </a:p>
-          <a:p>
-            <a:r>
-              <a:rPr lang="en-US" dirty="0" err="1" smtClean="0"/>
-              <a:t>Geen</a:t>
-            </a:r>
-            <a:r>
-              <a:rPr lang="en-US" dirty="0" smtClean="0"/>
-              <a:t> </a:t>
-            </a:r>
-            <a:r>
-              <a:rPr lang="en-US" dirty="0" err="1" smtClean="0"/>
-              <a:t>speciale</a:t>
-            </a:r>
-            <a:r>
-              <a:rPr lang="en-US" dirty="0" smtClean="0"/>
-              <a:t> declaration/annotation is </a:t>
-            </a:r>
-            <a:r>
-              <a:rPr lang="en-US" dirty="0" err="1" smtClean="0"/>
-              <a:t>noodzakelijk</a:t>
-            </a:r>
-            <a:r>
-              <a:rPr lang="en-US" dirty="0" smtClean="0"/>
-              <a:t> </a:t>
-            </a:r>
-            <a:r>
-              <a:rPr lang="en-US" dirty="0" err="1" smtClean="0"/>
-              <a:t>om</a:t>
-            </a:r>
-            <a:r>
-              <a:rPr lang="en-US" dirty="0" smtClean="0"/>
-              <a:t> </a:t>
-            </a:r>
-            <a:r>
-              <a:rPr lang="en-US" dirty="0" err="1" smtClean="0"/>
-              <a:t>een</a:t>
-            </a:r>
-            <a:r>
-              <a:rPr lang="en-US" dirty="0" smtClean="0"/>
-              <a:t> managed bean </a:t>
-            </a:r>
-            <a:r>
-              <a:rPr lang="en-US" dirty="0" err="1" smtClean="0"/>
-              <a:t>te</a:t>
-            </a:r>
-            <a:r>
-              <a:rPr lang="en-US" dirty="0" smtClean="0"/>
-              <a:t> </a:t>
-            </a:r>
-            <a:r>
-              <a:rPr lang="en-US" dirty="0" err="1" smtClean="0"/>
-              <a:t>definiëren</a:t>
-            </a:r>
-            <a:r>
-              <a:rPr lang="en-US" dirty="0" smtClean="0"/>
-              <a:t>.</a:t>
-            </a:r>
-            <a:endParaRPr lang="en-US" dirty="0"/>
+              <a:t>Remote enterprise bean reference</a:t>
+            </a:r>
           </a:p>
         </p:txBody>
       </p:sp>
@@ -20375,7 +20527,7 @@
     </p:spTree>
     <p:extLst>
       <p:ext uri="{BB962C8B-B14F-4D97-AF65-F5344CB8AC3E}">
-        <p14:creationId xmlns="" xmlns:p14="http://schemas.microsoft.com/office/powerpoint/2010/main" val="869414858"/>
+        <p14:creationId xmlns:p14="http://schemas.microsoft.com/office/powerpoint/2010/main" val="869414858"/>
       </p:ext>
     </p:extLst>
   </p:cSld>
@@ -20385,7 +20537,7 @@
   <p:timing>
     <p:tnLst>
       <p:par>
-        <p:cTn id="1" dur="indefinite" restart="never" nodeType="tmRoot"/>
+        <p:cTn xmlns:p14="http://schemas.microsoft.com/office/powerpoint/2010/main" id="1" dur="indefinite" restart="never" nodeType="tmRoot"/>
       </p:par>
     </p:tnLst>
   </p:timing>
@@ -20419,30 +20571,19 @@
             <p:ph type="title"/>
           </p:nvPr>
         </p:nvSpPr>
-        <p:spPr/>
-        <p:txBody>
-          <a:bodyPr/>
-          <a:lstStyle/>
-          <a:p>
-            <a:r>
-              <a:rPr lang="nl-NL" dirty="0" smtClean="0"/>
-              <a:t>CDI: </a:t>
-            </a:r>
-            <a:r>
-              <a:rPr lang="nl-NL" dirty="0" err="1" smtClean="0"/>
-              <a:t>Beans</a:t>
-            </a:r>
-            <a:r>
-              <a:rPr lang="nl-NL" dirty="0" smtClean="0"/>
-              <a:t> als </a:t>
-            </a:r>
-            <a:r>
-              <a:rPr lang="nl-NL" dirty="0" err="1" smtClean="0"/>
-              <a:t>Injectable</a:t>
-            </a:r>
-            <a:r>
-              <a:rPr lang="nl-NL" dirty="0" smtClean="0"/>
-              <a:t> Object</a:t>
+        <p:spPr>
+          <a:xfrm>
+            <a:off x="460375" y="457200"/>
+            <a:ext cx="8226000" cy="914400"/>
+          </a:xfrm>
+        </p:spPr>
+        <p:txBody>
+          <a:bodyPr/>
+          <a:lstStyle/>
+          <a:p>
+            <a:r>
+              <a:rPr lang="nl-NL" dirty="0" smtClean="0"/>
+              <a:t>Opzetten omgeving</a:t>
             </a:r>
             <a:endParaRPr lang="nl-NL" dirty="0"/>
           </a:p>
@@ -20464,176 +20605,36 @@
           <a:lstStyle/>
           <a:p>
             <a:r>
-              <a:rPr lang="en-US" dirty="0" err="1" smtClean="0"/>
-              <a:t>Mogelijk</a:t>
-            </a:r>
-            <a:r>
-              <a:rPr lang="en-US" dirty="0" smtClean="0"/>
+              <a:rPr lang="nl-NL" dirty="0" err="1" smtClean="0"/>
+              <a:t>Wildfly</a:t>
+            </a:r>
+            <a:endParaRPr lang="nl-NL" dirty="0" smtClean="0"/>
+          </a:p>
+          <a:p>
+            <a:r>
+              <a:rPr lang="nl-NL" dirty="0" smtClean="0"/>
+              <a:t>Java 8 </a:t>
+            </a:r>
+          </a:p>
+          <a:p>
+            <a:r>
+              <a:rPr lang="nl-NL" dirty="0" err="1" smtClean="0"/>
+              <a:t>Maven</a:t>
+            </a:r>
+            <a:r>
+              <a:rPr lang="nl-NL" dirty="0" smtClean="0"/>
               <a:t> </a:t>
             </a:r>
             <a:r>
-              <a:rPr lang="en-US" dirty="0" err="1" smtClean="0"/>
-              <a:t>om</a:t>
-            </a:r>
-            <a:r>
-              <a:rPr lang="en-US" dirty="0" smtClean="0"/>
-              <a:t> resources en </a:t>
-            </a:r>
-            <a:r>
-              <a:rPr lang="en-US" dirty="0" err="1" smtClean="0"/>
-              <a:t>andere</a:t>
-            </a:r>
-            <a:r>
-              <a:rPr lang="en-US" dirty="0" smtClean="0"/>
-              <a:t> </a:t>
-            </a:r>
-            <a:r>
-              <a:rPr lang="en-US" dirty="0" err="1" smtClean="0"/>
-              <a:t>objecten</a:t>
-            </a:r>
-            <a:r>
-              <a:rPr lang="en-US" dirty="0" smtClean="0"/>
-              <a:t> </a:t>
-            </a:r>
-            <a:r>
-              <a:rPr lang="en-US" dirty="0" err="1" smtClean="0"/>
-              <a:t>te</a:t>
-            </a:r>
-            <a:r>
-              <a:rPr lang="en-US" dirty="0" smtClean="0"/>
-              <a:t> </a:t>
-            </a:r>
-            <a:r>
-              <a:rPr lang="en-US" dirty="0" err="1" smtClean="0"/>
-              <a:t>injecteren</a:t>
-            </a:r>
-            <a:r>
-              <a:rPr lang="en-US" dirty="0" smtClean="0"/>
-              <a:t> in managed Objects</a:t>
-            </a:r>
-          </a:p>
-          <a:p>
-            <a:r>
-              <a:rPr lang="en-US" dirty="0" smtClean="0"/>
-              <a:t>Door CDI </a:t>
-            </a:r>
-            <a:r>
-              <a:rPr lang="en-US" dirty="0" err="1" smtClean="0"/>
-              <a:t>mogelijk</a:t>
-            </a:r>
-            <a:r>
-              <a:rPr lang="en-US" dirty="0" smtClean="0"/>
-              <a:t> </a:t>
-            </a:r>
-            <a:r>
-              <a:rPr lang="en-US" dirty="0" err="1" smtClean="0"/>
-              <a:t>om</a:t>
-            </a:r>
-            <a:r>
-              <a:rPr lang="en-US" dirty="0" smtClean="0"/>
-              <a:t> </a:t>
-            </a:r>
-            <a:r>
-              <a:rPr lang="en-US" dirty="0" err="1" smtClean="0"/>
-              <a:t>meer</a:t>
-            </a:r>
-            <a:r>
-              <a:rPr lang="en-US" dirty="0" smtClean="0"/>
-              <a:t> </a:t>
-            </a:r>
-            <a:r>
-              <a:rPr lang="en-US" dirty="0" err="1" smtClean="0"/>
-              <a:t>soorten</a:t>
-            </a:r>
-            <a:r>
-              <a:rPr lang="en-US" dirty="0" smtClean="0"/>
-              <a:t> </a:t>
-            </a:r>
-            <a:r>
-              <a:rPr lang="en-US" dirty="0" err="1" smtClean="0"/>
-              <a:t>objecten</a:t>
-            </a:r>
-            <a:r>
-              <a:rPr lang="en-US" dirty="0" smtClean="0"/>
-              <a:t> </a:t>
-            </a:r>
-            <a:r>
-              <a:rPr lang="en-US" dirty="0" err="1" smtClean="0"/>
-              <a:t>te</a:t>
-            </a:r>
-            <a:r>
-              <a:rPr lang="en-US" dirty="0" smtClean="0"/>
-              <a:t> </a:t>
-            </a:r>
-            <a:r>
-              <a:rPr lang="en-US" dirty="0" err="1" smtClean="0"/>
-              <a:t>injecteren</a:t>
-            </a:r>
-            <a:r>
-              <a:rPr lang="en-US" dirty="0" smtClean="0"/>
-              <a:t> die </a:t>
-            </a:r>
-            <a:r>
-              <a:rPr lang="en-US" dirty="0" err="1" smtClean="0"/>
-              <a:t>niet</a:t>
-            </a:r>
-            <a:r>
-              <a:rPr lang="en-US" dirty="0" smtClean="0"/>
-              <a:t> container-managed </a:t>
-            </a:r>
-            <a:r>
-              <a:rPr lang="en-US" dirty="0" err="1" smtClean="0"/>
-              <a:t>zijn</a:t>
-            </a:r>
-            <a:endParaRPr lang="en-US" dirty="0" smtClean="0"/>
-          </a:p>
-          <a:p>
-            <a:pPr lvl="1"/>
-            <a:r>
-              <a:rPr lang="en-US" dirty="0" smtClean="0"/>
-              <a:t>Java class</a:t>
-            </a:r>
-          </a:p>
-          <a:p>
-            <a:pPr lvl="1"/>
-            <a:r>
-              <a:rPr lang="en-US" dirty="0" smtClean="0"/>
-              <a:t>Session beans</a:t>
-            </a:r>
-          </a:p>
-          <a:p>
-            <a:pPr lvl="1"/>
-            <a:r>
-              <a:rPr lang="en-US" dirty="0" smtClean="0"/>
-              <a:t>Java EE resources</a:t>
-            </a:r>
-          </a:p>
-          <a:p>
-            <a:pPr lvl="1"/>
-            <a:r>
-              <a:rPr lang="en-US" dirty="0" smtClean="0"/>
-              <a:t>Persistence context</a:t>
-            </a:r>
-          </a:p>
-          <a:p>
-            <a:pPr lvl="1"/>
-            <a:r>
-              <a:rPr lang="en-US" dirty="0" smtClean="0"/>
-              <a:t>Producer fields (objects return by this)</a:t>
-            </a:r>
-          </a:p>
-          <a:p>
-            <a:pPr lvl="1"/>
-            <a:r>
-              <a:rPr lang="en-US" dirty="0" smtClean="0"/>
-              <a:t>Web service reference</a:t>
-            </a:r>
-          </a:p>
-          <a:p>
-            <a:pPr lvl="1"/>
-            <a:r>
-              <a:rPr lang="en-US" dirty="0" smtClean="0"/>
-              <a:t>Remote enterprise bean reference</a:t>
+              <a:rPr lang="nl-NL" dirty="0" err="1" smtClean="0"/>
+              <a:t>repo</a:t>
+            </a:r>
+            <a:endParaRPr lang="nl-NL" dirty="0" smtClean="0"/>
+          </a:p>
+          <a:p>
+            <a:r>
+              <a:rPr lang="nl-NL" dirty="0" smtClean="0"/>
+              <a:t>IDE</a:t>
             </a:r>
           </a:p>
         </p:txBody>
@@ -20678,8 +20679,8 @@
           <a:lstStyle/>
           <a:p>
             <a:r>
-              <a:rPr lang="nl-NL" noProof="0" dirty="0"/>
-              <a:t>Apache Maven – Fundamentals</a:t>
+              <a:rPr lang="nl-NL" dirty="0"/>
+              <a:t>EJB &amp; CDI Fundamentals</a:t>
             </a:r>
           </a:p>
         </p:txBody>
@@ -20687,20 +20688,13 @@
     </p:spTree>
     <p:extLst>
       <p:ext uri="{BB962C8B-B14F-4D97-AF65-F5344CB8AC3E}">
-        <p14:creationId xmlns="" xmlns:p14="http://schemas.microsoft.com/office/powerpoint/2010/main" val="869414858"/>
+        <p14:creationId xmlns:p14="http://schemas.microsoft.com/office/powerpoint/2010/main" val="869414858"/>
       </p:ext>
     </p:extLst>
   </p:cSld>
   <p:clrMapOvr>
     <a:masterClrMapping/>
   </p:clrMapOvr>
-  <p:timing>
-    <p:tnLst>
-      <p:par>
-        <p:cTn id="1" dur="indefinite" restart="never" nodeType="tmRoot"/>
-      </p:par>
-    </p:tnLst>
-  </p:timing>
 </p:sld>
 </file>
 

--- a/Presentation-EJB&CDI.pptx
+++ b/Presentation-EJB&CDI.pptx
@@ -236,7 +236,7 @@
             <a:fld id="{11263177-940D-4B97-A051-92805C7C3152}" type="datetimeFigureOut">
               <a:rPr lang="en-US" smtClean="0"/>
               <a:pPr/>
-              <a:t>08/02/17</a:t>
+              <a:t>09/02/17</a:t>
             </a:fld>
             <a:endParaRPr lang="en-US"/>
           </a:p>
@@ -403,7 +403,7 @@
             <a:fld id="{F138B54E-4A02-452E-ADC8-FC4AE631CF37}" type="datetimeFigureOut">
               <a:rPr lang="en-US" smtClean="0"/>
               <a:pPr/>
-              <a:t>08/02/17</a:t>
+              <a:t>09/02/17</a:t>
             </a:fld>
             <a:endParaRPr lang="en-US"/>
           </a:p>
@@ -15507,7 +15507,6 @@
               <a:rPr lang="nl-NL" dirty="0" smtClean="0"/>
               <a:t>Distributed</a:t>
             </a:r>
-            <a:endParaRPr lang="nl-NL" dirty="0" smtClean="0"/>
           </a:p>
           <a:p>
             <a:r>
@@ -16748,7 +16747,6 @@
               <a:rPr lang="nl-NL" dirty="0" smtClean="0"/>
               <a:t> TaxImpl_2</a:t>
             </a:r>
-            <a:endParaRPr lang="nl-NL" dirty="0" smtClean="0"/>
           </a:p>
         </p:txBody>
       </p:sp>
@@ -19970,11 +19968,7 @@
           <a:p>
             <a:r>
               <a:rPr lang="nl-NL" dirty="0" smtClean="0"/>
-              <a:t>Context </a:t>
-            </a:r>
-            <a:r>
-              <a:rPr lang="nl-NL" dirty="0" smtClean="0"/>
-              <a:t>management</a:t>
+              <a:t>Context management</a:t>
             </a:r>
           </a:p>
           <a:p>
